--- a/ADS_Potfolio_Reflection_Deck.pptx
+++ b/ADS_Potfolio_Reflection_Deck.pptx
@@ -5,10 +5,10 @@
     <p:sldMasterId id="2147483648" r:id="rId4"/>
   </p:sldMasterIdLst>
   <p:notesMasterIdLst>
-    <p:notesMasterId r:id="rId19"/>
+    <p:notesMasterId r:id="rId20"/>
   </p:notesMasterIdLst>
   <p:handoutMasterIdLst>
-    <p:handoutMasterId r:id="rId20"/>
+    <p:handoutMasterId r:id="rId21"/>
   </p:handoutMasterIdLst>
   <p:sldIdLst>
     <p:sldId id="322" r:id="rId5"/>
@@ -21,10 +21,11 @@
     <p:sldId id="316" r:id="rId12"/>
     <p:sldId id="326" r:id="rId13"/>
     <p:sldId id="327" r:id="rId14"/>
-    <p:sldId id="328" r:id="rId15"/>
-    <p:sldId id="329" r:id="rId16"/>
-    <p:sldId id="312" r:id="rId17"/>
-    <p:sldId id="310" r:id="rId18"/>
+    <p:sldId id="331" r:id="rId15"/>
+    <p:sldId id="328" r:id="rId16"/>
+    <p:sldId id="329" r:id="rId17"/>
+    <p:sldId id="312" r:id="rId18"/>
+    <p:sldId id="310" r:id="rId19"/>
   </p:sldIdLst>
   <p:sldSz cx="12192000" cy="6858000"/>
   <p:notesSz cx="6858000" cy="9144000"/>
@@ -143,7 +144,7 @@
 <file path=ppt/revisionInfo.xml><?xml version="1.0" encoding="utf-8"?>
 <p1510:revInfo xmlns:a="http://schemas.openxmlformats.org/drawingml/2006/main" xmlns:r="http://schemas.openxmlformats.org/officeDocument/2006/relationships" xmlns:p1510="http://schemas.microsoft.com/office/powerpoint/2015/10/main">
   <p1510:revLst>
-    <p1510:client id="{9F829F03-322C-40E6-BADC-95856EF19D95}" v="31" dt="2025-04-05T14:48:32.106"/>
+    <p1510:client id="{9F829F03-322C-40E6-BADC-95856EF19D95}" v="136" dt="2025-04-13T14:10:21.193"/>
   </p1510:revLst>
 </p1510:revInfo>
 </file>
@@ -153,7 +154,7 @@
   <pc:docChgLst>
     <pc:chgData name="Mervin McDougall" userId="a8029e9af77e932b" providerId="LiveId" clId="{9F829F03-322C-40E6-BADC-95856EF19D95}"/>
     <pc:docChg chg="undo redo custSel addSld delSld modSld sldOrd">
-      <pc:chgData name="Mervin McDougall" userId="a8029e9af77e932b" providerId="LiveId" clId="{9F829F03-322C-40E6-BADC-95856EF19D95}" dt="2025-04-05T15:15:08.889" v="1545" actId="20577"/>
+      <pc:chgData name="Mervin McDougall" userId="a8029e9af77e932b" providerId="LiveId" clId="{9F829F03-322C-40E6-BADC-95856EF19D95}" dt="2025-04-13T18:50:29.572" v="3043" actId="20577"/>
       <pc:docMkLst>
         <pc:docMk/>
       </pc:docMkLst>
@@ -217,14 +218,6 @@
             <ac:spMk id="6" creationId="{9F0E1748-5A63-CCAD-65B2-FB5DB78846F2}"/>
           </ac:spMkLst>
         </pc:spChg>
-        <pc:spChg chg="del mod ord">
-          <ac:chgData name="Mervin McDougall" userId="a8029e9af77e932b" providerId="LiveId" clId="{9F829F03-322C-40E6-BADC-95856EF19D95}" dt="2025-04-05T14:50:03.019" v="1044" actId="478"/>
-          <ac:spMkLst>
-            <pc:docMk/>
-            <pc:sldMk cId="952135350" sldId="312"/>
-            <ac:spMk id="7" creationId="{39118A24-4E50-F77D-EF17-46A29F012C34}"/>
-          </ac:spMkLst>
-        </pc:spChg>
       </pc:sldChg>
       <pc:sldChg chg="del">
         <pc:chgData name="Mervin McDougall" userId="a8029e9af77e932b" providerId="LiveId" clId="{9F829F03-322C-40E6-BADC-95856EF19D95}" dt="2025-04-05T14:48:12.655" v="1033" actId="47"/>
@@ -253,14 +246,6 @@
           <pc:docMk/>
           <pc:sldMk cId="554382460" sldId="316"/>
         </pc:sldMkLst>
-        <pc:spChg chg="del mod ord">
-          <ac:chgData name="Mervin McDougall" userId="a8029e9af77e932b" providerId="LiveId" clId="{9F829F03-322C-40E6-BADC-95856EF19D95}" dt="2025-04-05T13:36:05.964" v="189"/>
-          <ac:spMkLst>
-            <pc:docMk/>
-            <pc:sldMk cId="554382460" sldId="316"/>
-            <ac:spMk id="2" creationId="{C7992593-AF79-3D1E-E253-0765DF0F513F}"/>
-          </ac:spMkLst>
-        </pc:spChg>
         <pc:spChg chg="mod ord">
           <ac:chgData name="Mervin McDougall" userId="a8029e9af77e932b" providerId="LiveId" clId="{9F829F03-322C-40E6-BADC-95856EF19D95}" dt="2025-04-05T13:56:23.255" v="362" actId="20577"/>
           <ac:spMkLst>
@@ -332,14 +317,22 @@
           </ac:graphicFrameMkLst>
         </pc:graphicFrameChg>
       </pc:sldChg>
-      <pc:sldChg chg="modSp mod">
-        <pc:chgData name="Mervin McDougall" userId="a8029e9af77e932b" providerId="LiveId" clId="{9F829F03-322C-40E6-BADC-95856EF19D95}" dt="2025-04-05T14:07:29.296" v="607" actId="14100"/>
+      <pc:sldChg chg="modSp add del mod modNotesTx">
+        <pc:chgData name="Mervin McDougall" userId="a8029e9af77e932b" providerId="LiveId" clId="{9F829F03-322C-40E6-BADC-95856EF19D95}" dt="2025-04-13T18:50:29.572" v="3043" actId="20577"/>
         <pc:sldMkLst>
           <pc:docMk/>
           <pc:sldMk cId="3701278607" sldId="324"/>
         </pc:sldMkLst>
         <pc:spChg chg="mod">
-          <ac:chgData name="Mervin McDougall" userId="a8029e9af77e932b" providerId="LiveId" clId="{9F829F03-322C-40E6-BADC-95856EF19D95}" dt="2025-04-05T14:07:29.296" v="607" actId="14100"/>
+          <ac:chgData name="Mervin McDougall" userId="a8029e9af77e932b" providerId="LiveId" clId="{9F829F03-322C-40E6-BADC-95856EF19D95}" dt="2025-04-13T18:50:16.952" v="2984" actId="20577"/>
+          <ac:spMkLst>
+            <pc:docMk/>
+            <pc:sldMk cId="3701278607" sldId="324"/>
+            <ac:spMk id="3" creationId="{E08F9B2E-8146-D18C-857F-D248D677DAE1}"/>
+          </ac:spMkLst>
+        </pc:spChg>
+        <pc:spChg chg="mod">
+          <ac:chgData name="Mervin McDougall" userId="a8029e9af77e932b" providerId="LiveId" clId="{9F829F03-322C-40E6-BADC-95856EF19D95}" dt="2025-04-13T18:50:29.572" v="3043" actId="20577"/>
           <ac:spMkLst>
             <pc:docMk/>
             <pc:sldMk cId="3701278607" sldId="324"/>
@@ -347,8 +340,8 @@
           </ac:spMkLst>
         </pc:spChg>
       </pc:sldChg>
-      <pc:sldChg chg="modSp mod">
-        <pc:chgData name="Mervin McDougall" userId="a8029e9af77e932b" providerId="LiveId" clId="{9F829F03-322C-40E6-BADC-95856EF19D95}" dt="2025-04-05T13:33:15.859" v="3" actId="20577"/>
+      <pc:sldChg chg="modSp mod modNotesTx">
+        <pc:chgData name="Mervin McDougall" userId="a8029e9af77e932b" providerId="LiveId" clId="{9F829F03-322C-40E6-BADC-95856EF19D95}" dt="2025-04-13T13:49:13.908" v="1801" actId="20577"/>
         <pc:sldMkLst>
           <pc:docMk/>
           <pc:sldMk cId="2434384430" sldId="325"/>
@@ -392,30 +385,6 @@
             <ac:spMk id="7" creationId="{C69D11B2-ADD0-F0C1-277D-DB7D592939E5}"/>
           </ac:spMkLst>
         </pc:spChg>
-        <pc:spChg chg="add del mod">
-          <ac:chgData name="Mervin McDougall" userId="a8029e9af77e932b" providerId="LiveId" clId="{9F829F03-322C-40E6-BADC-95856EF19D95}" dt="2025-04-05T13:59:25.391" v="582"/>
-          <ac:spMkLst>
-            <pc:docMk/>
-            <pc:sldMk cId="3507331332" sldId="326"/>
-            <ac:spMk id="9" creationId="{83E22D0F-F383-2BF4-57AA-87898ECE01E8}"/>
-          </ac:spMkLst>
-        </pc:spChg>
-        <pc:graphicFrameChg chg="add mod">
-          <ac:chgData name="Mervin McDougall" userId="a8029e9af77e932b" providerId="LiveId" clId="{9F829F03-322C-40E6-BADC-95856EF19D95}" dt="2025-04-05T13:58:43.399" v="578"/>
-          <ac:graphicFrameMkLst>
-            <pc:docMk/>
-            <pc:sldMk cId="3507331332" sldId="326"/>
-            <ac:graphicFrameMk id="2" creationId="{E0065760-40ED-7679-BBBA-7CB182E8174A}"/>
-          </ac:graphicFrameMkLst>
-        </pc:graphicFrameChg>
-        <pc:graphicFrameChg chg="add mod">
-          <ac:chgData name="Mervin McDougall" userId="a8029e9af77e932b" providerId="LiveId" clId="{9F829F03-322C-40E6-BADC-95856EF19D95}" dt="2025-04-05T13:59:17.366" v="580"/>
-          <ac:graphicFrameMkLst>
-            <pc:docMk/>
-            <pc:sldMk cId="3507331332" sldId="326"/>
-            <ac:graphicFrameMk id="8" creationId="{F0ED3714-E56E-0F3A-5763-B75F60B489EB}"/>
-          </ac:graphicFrameMkLst>
-        </pc:graphicFrameChg>
         <pc:graphicFrameChg chg="add mod">
           <ac:chgData name="Mervin McDougall" userId="a8029e9af77e932b" providerId="LiveId" clId="{9F829F03-322C-40E6-BADC-95856EF19D95}" dt="2025-04-05T13:59:54.450" v="584" actId="14100"/>
           <ac:graphicFrameMkLst>
@@ -424,14 +393,6 @@
             <ac:graphicFrameMk id="10" creationId="{A655EDB6-112A-C8D1-B248-7C85D55BD2C4}"/>
           </ac:graphicFrameMkLst>
         </pc:graphicFrameChg>
-        <pc:picChg chg="del">
-          <ac:chgData name="Mervin McDougall" userId="a8029e9af77e932b" providerId="LiveId" clId="{9F829F03-322C-40E6-BADC-95856EF19D95}" dt="2025-04-05T13:59:21.138" v="581" actId="478"/>
-          <ac:picMkLst>
-            <pc:docMk/>
-            <pc:sldMk cId="3507331332" sldId="326"/>
-            <ac:picMk id="6" creationId="{15D7C766-A810-E8FB-74DF-0BD637ADF2BA}"/>
-          </ac:picMkLst>
-        </pc:picChg>
       </pc:sldChg>
       <pc:sldChg chg="addSp delSp modSp add mod">
         <pc:chgData name="Mervin McDougall" userId="a8029e9af77e932b" providerId="LiveId" clId="{9F829F03-322C-40E6-BADC-95856EF19D95}" dt="2025-04-05T14:09:21.402" v="745" actId="20577"/>
@@ -447,14 +408,6 @@
             <ac:spMk id="4" creationId="{F50BE69A-FAEE-43E1-6995-081A8AEC3EBA}"/>
           </ac:spMkLst>
         </pc:spChg>
-        <pc:spChg chg="add del mod">
-          <ac:chgData name="Mervin McDougall" userId="a8029e9af77e932b" providerId="LiveId" clId="{9F829F03-322C-40E6-BADC-95856EF19D95}" dt="2025-04-05T14:08:07.312" v="612"/>
-          <ac:spMkLst>
-            <pc:docMk/>
-            <pc:sldMk cId="684076574" sldId="327"/>
-            <ac:spMk id="6" creationId="{0A34C8A8-3501-478F-2FF7-D41CEB532E19}"/>
-          </ac:spMkLst>
-        </pc:spChg>
         <pc:spChg chg="mod">
           <ac:chgData name="Mervin McDougall" userId="a8029e9af77e932b" providerId="LiveId" clId="{9F829F03-322C-40E6-BADC-95856EF19D95}" dt="2025-04-05T14:08:18.693" v="615" actId="20577"/>
           <ac:spMkLst>
@@ -463,22 +416,6 @@
             <ac:spMk id="7" creationId="{8AEACD4B-E51D-D4F4-BA62-BFC8B47C0B21}"/>
           </ac:spMkLst>
         </pc:spChg>
-        <pc:graphicFrameChg chg="del">
-          <ac:chgData name="Mervin McDougall" userId="a8029e9af77e932b" providerId="LiveId" clId="{9F829F03-322C-40E6-BADC-95856EF19D95}" dt="2025-04-05T14:07:59.395" v="609" actId="478"/>
-          <ac:graphicFrameMkLst>
-            <pc:docMk/>
-            <pc:sldMk cId="684076574" sldId="327"/>
-            <ac:graphicFrameMk id="10" creationId="{339F8FEE-F52F-C13C-975C-D6005F71F80A}"/>
-          </ac:graphicFrameMkLst>
-        </pc:graphicFrameChg>
-        <pc:picChg chg="add mod">
-          <ac:chgData name="Mervin McDougall" userId="a8029e9af77e932b" providerId="LiveId" clId="{9F829F03-322C-40E6-BADC-95856EF19D95}" dt="2025-04-05T14:08:04.716" v="611"/>
-          <ac:picMkLst>
-            <pc:docMk/>
-            <pc:sldMk cId="684076574" sldId="327"/>
-            <ac:picMk id="8" creationId="{E8B92656-F6E2-E2AE-49F9-E9A1C2E1FC39}"/>
-          </ac:picMkLst>
-        </pc:picChg>
         <pc:picChg chg="add mod">
           <ac:chgData name="Mervin McDougall" userId="a8029e9af77e932b" providerId="LiveId" clId="{9F829F03-322C-40E6-BADC-95856EF19D95}" dt="2025-04-05T14:08:13.791" v="613" actId="14100"/>
           <ac:picMkLst>
@@ -489,7 +426,7 @@
         </pc:picChg>
       </pc:sldChg>
       <pc:sldChg chg="addSp delSp modSp add mod">
-        <pc:chgData name="Mervin McDougall" userId="a8029e9af77e932b" providerId="LiveId" clId="{9F829F03-322C-40E6-BADC-95856EF19D95}" dt="2025-04-05T14:43:06.908" v="927" actId="20577"/>
+        <pc:chgData name="Mervin McDougall" userId="a8029e9af77e932b" providerId="LiveId" clId="{9F829F03-322C-40E6-BADC-95856EF19D95}" dt="2025-04-13T14:35:34.493" v="2796" actId="20577"/>
         <pc:sldMkLst>
           <pc:docMk/>
           <pc:sldMk cId="147943385" sldId="328"/>
@@ -503,23 +440,15 @@
           </ac:spMkLst>
         </pc:spChg>
         <pc:spChg chg="mod">
-          <ac:chgData name="Mervin McDougall" userId="a8029e9af77e932b" providerId="LiveId" clId="{9F829F03-322C-40E6-BADC-95856EF19D95}" dt="2025-04-05T14:43:06.908" v="927" actId="20577"/>
+          <ac:chgData name="Mervin McDougall" userId="a8029e9af77e932b" providerId="LiveId" clId="{9F829F03-322C-40E6-BADC-95856EF19D95}" dt="2025-04-13T14:35:34.493" v="2796" actId="20577"/>
           <ac:spMkLst>
             <pc:docMk/>
             <pc:sldMk cId="147943385" sldId="328"/>
             <ac:spMk id="4" creationId="{66069CEA-804A-01D9-07E0-9600F53472F6}"/>
           </ac:spMkLst>
         </pc:spChg>
-        <pc:spChg chg="add del mod">
-          <ac:chgData name="Mervin McDougall" userId="a8029e9af77e932b" providerId="LiveId" clId="{9F829F03-322C-40E6-BADC-95856EF19D95}" dt="2025-04-05T14:41:33.011" v="787"/>
-          <ac:spMkLst>
-            <pc:docMk/>
-            <pc:sldMk cId="147943385" sldId="328"/>
-            <ac:spMk id="6" creationId="{447895E9-ADE9-064C-3E8F-16AA018A5E20}"/>
-          </ac:spMkLst>
-        </pc:spChg>
         <pc:spChg chg="mod">
-          <ac:chgData name="Mervin McDougall" userId="a8029e9af77e932b" providerId="LiveId" clId="{9F829F03-322C-40E6-BADC-95856EF19D95}" dt="2025-04-05T14:41:53.476" v="791" actId="20577"/>
+          <ac:chgData name="Mervin McDougall" userId="a8029e9af77e932b" providerId="LiveId" clId="{9F829F03-322C-40E6-BADC-95856EF19D95}" dt="2025-04-13T14:10:49.757" v="2787" actId="20577"/>
           <ac:spMkLst>
             <pc:docMk/>
             <pc:sldMk cId="147943385" sldId="328"/>
@@ -534,17 +463,9 @@
             <ac:picMk id="8" creationId="{06F7397E-2D93-E6B8-A253-A670E1449F66}"/>
           </ac:picMkLst>
         </pc:picChg>
-        <pc:picChg chg="del">
-          <ac:chgData name="Mervin McDougall" userId="a8029e9af77e932b" providerId="LiveId" clId="{9F829F03-322C-40E6-BADC-95856EF19D95}" dt="2025-04-05T14:41:30.575" v="786" actId="478"/>
-          <ac:picMkLst>
-            <pc:docMk/>
-            <pc:sldMk cId="147943385" sldId="328"/>
-            <ac:picMk id="9" creationId="{5AF303F0-0B94-5224-3FDF-9866796DC856}"/>
-          </ac:picMkLst>
-        </pc:picChg>
       </pc:sldChg>
       <pc:sldChg chg="addSp delSp modSp add mod">
-        <pc:chgData name="Mervin McDougall" userId="a8029e9af77e932b" providerId="LiveId" clId="{9F829F03-322C-40E6-BADC-95856EF19D95}" dt="2025-04-05T14:46:12.128" v="1030" actId="20577"/>
+        <pc:chgData name="Mervin McDougall" userId="a8029e9af77e932b" providerId="LiveId" clId="{9F829F03-322C-40E6-BADC-95856EF19D95}" dt="2025-04-13T14:35:25.330" v="2794" actId="20577"/>
         <pc:sldMkLst>
           <pc:docMk/>
           <pc:sldMk cId="1314410272" sldId="329"/>
@@ -558,7 +479,7 @@
           </ac:spMkLst>
         </pc:spChg>
         <pc:spChg chg="mod">
-          <ac:chgData name="Mervin McDougall" userId="a8029e9af77e932b" providerId="LiveId" clId="{9F829F03-322C-40E6-BADC-95856EF19D95}" dt="2025-04-05T14:46:12.128" v="1030" actId="20577"/>
+          <ac:chgData name="Mervin McDougall" userId="a8029e9af77e932b" providerId="LiveId" clId="{9F829F03-322C-40E6-BADC-95856EF19D95}" dt="2025-04-13T14:35:25.330" v="2794" actId="20577"/>
           <ac:spMkLst>
             <pc:docMk/>
             <pc:sldMk cId="1314410272" sldId="329"/>
@@ -566,29 +487,13 @@
           </ac:spMkLst>
         </pc:spChg>
         <pc:spChg chg="add del mod">
-          <ac:chgData name="Mervin McDougall" userId="a8029e9af77e932b" providerId="LiveId" clId="{9F829F03-322C-40E6-BADC-95856EF19D95}" dt="2025-04-05T14:44:50.191" v="936"/>
-          <ac:spMkLst>
-            <pc:docMk/>
-            <pc:sldMk cId="1314410272" sldId="329"/>
-            <ac:spMk id="6" creationId="{BAC4046F-DF05-8B7E-24FE-C6F649A4741C}"/>
-          </ac:spMkLst>
-        </pc:spChg>
-        <pc:spChg chg="mod">
-          <ac:chgData name="Mervin McDougall" userId="a8029e9af77e932b" providerId="LiveId" clId="{9F829F03-322C-40E6-BADC-95856EF19D95}" dt="2025-04-05T14:45:01.685" v="938" actId="20577"/>
+          <ac:chgData name="Mervin McDougall" userId="a8029e9af77e932b" providerId="LiveId" clId="{9F829F03-322C-40E6-BADC-95856EF19D95}" dt="2025-04-13T14:11:02.369" v="2791" actId="20577"/>
           <ac:spMkLst>
             <pc:docMk/>
             <pc:sldMk cId="1314410272" sldId="329"/>
             <ac:spMk id="7" creationId="{2B9B9AB0-8E1A-2EE2-80A2-885620136F2D}"/>
           </ac:spMkLst>
         </pc:spChg>
-        <pc:picChg chg="del">
-          <ac:chgData name="Mervin McDougall" userId="a8029e9af77e932b" providerId="LiveId" clId="{9F829F03-322C-40E6-BADC-95856EF19D95}" dt="2025-04-05T14:44:12.536" v="929" actId="478"/>
-          <ac:picMkLst>
-            <pc:docMk/>
-            <pc:sldMk cId="1314410272" sldId="329"/>
-            <ac:picMk id="8" creationId="{B51D5B84-D2CC-4A92-0CAF-A998D9052259}"/>
-          </ac:picMkLst>
-        </pc:picChg>
         <pc:picChg chg="add mod">
           <ac:chgData name="Mervin McDougall" userId="a8029e9af77e932b" providerId="LiveId" clId="{9F829F03-322C-40E6-BADC-95856EF19D95}" dt="2025-04-05T14:44:50.191" v="936"/>
           <ac:picMkLst>
@@ -605,20 +510,195 @@
           <pc:sldMk cId="505734344" sldId="330"/>
         </pc:sldMkLst>
       </pc:sldChg>
-      <pc:sldChg chg="modSp new mod ord">
-        <pc:chgData name="Mervin McDougall" userId="a8029e9af77e932b" providerId="LiveId" clId="{9F829F03-322C-40E6-BADC-95856EF19D95}" dt="2025-04-05T14:58:14.794" v="1091"/>
+      <pc:sldChg chg="addSp delSp modSp new mod ord modClrScheme chgLayout">
+        <pc:chgData name="Mervin McDougall" userId="a8029e9af77e932b" providerId="LiveId" clId="{9F829F03-322C-40E6-BADC-95856EF19D95}" dt="2025-04-13T14:02:33.866" v="2344" actId="26606"/>
         <pc:sldMkLst>
           <pc:docMk/>
           <pc:sldMk cId="2186502928" sldId="330"/>
         </pc:sldMkLst>
         <pc:spChg chg="mod">
-          <ac:chgData name="Mervin McDougall" userId="a8029e9af77e932b" providerId="LiveId" clId="{9F829F03-322C-40E6-BADC-95856EF19D95}" dt="2025-04-05T14:58:01.094" v="1089" actId="20577"/>
+          <ac:chgData name="Mervin McDougall" userId="a8029e9af77e932b" providerId="LiveId" clId="{9F829F03-322C-40E6-BADC-95856EF19D95}" dt="2025-04-12T15:04:03.671" v="1651" actId="26606"/>
           <ac:spMkLst>
             <pc:docMk/>
             <pc:sldMk cId="2186502928" sldId="330"/>
             <ac:spMk id="2" creationId="{7FFC3899-A5D8-171C-5DA9-39FCCA58B6E3}"/>
           </ac:spMkLst>
         </pc:spChg>
+        <pc:spChg chg="add del mod">
+          <ac:chgData name="Mervin McDougall" userId="a8029e9af77e932b" providerId="LiveId" clId="{9F829F03-322C-40E6-BADC-95856EF19D95}" dt="2025-04-12T15:04:03.671" v="1651" actId="26606"/>
+          <ac:spMkLst>
+            <pc:docMk/>
+            <pc:sldMk cId="2186502928" sldId="330"/>
+            <ac:spMk id="3" creationId="{0C646B56-8BD0-2095-14D2-D73F0F73CB66}"/>
+          </ac:spMkLst>
+        </pc:spChg>
+        <pc:spChg chg="add del mod">
+          <ac:chgData name="Mervin McDougall" userId="a8029e9af77e932b" providerId="LiveId" clId="{9F829F03-322C-40E6-BADC-95856EF19D95}" dt="2025-04-12T15:03:19.627" v="1642" actId="26606"/>
+          <ac:spMkLst>
+            <pc:docMk/>
+            <pc:sldMk cId="2186502928" sldId="330"/>
+            <ac:spMk id="8" creationId="{DE7A385A-33A7-1ACA-3AF2-A8B8F67DFCA1}"/>
+          </ac:spMkLst>
+        </pc:spChg>
+        <pc:spChg chg="add del mod">
+          <ac:chgData name="Mervin McDougall" userId="a8029e9af77e932b" providerId="LiveId" clId="{9F829F03-322C-40E6-BADC-95856EF19D95}" dt="2025-04-12T15:03:27.839" v="1644" actId="26606"/>
+          <ac:spMkLst>
+            <pc:docMk/>
+            <pc:sldMk cId="2186502928" sldId="330"/>
+            <ac:spMk id="9" creationId="{872EB331-685C-B5E8-2DC9-59C65355C05A}"/>
+          </ac:spMkLst>
+        </pc:spChg>
+        <pc:spChg chg="add del mod">
+          <ac:chgData name="Mervin McDougall" userId="a8029e9af77e932b" providerId="LiveId" clId="{9F829F03-322C-40E6-BADC-95856EF19D95}" dt="2025-04-12T15:03:19.627" v="1642" actId="26606"/>
+          <ac:spMkLst>
+            <pc:docMk/>
+            <pc:sldMk cId="2186502928" sldId="330"/>
+            <ac:spMk id="10" creationId="{523E611E-210E-5988-9AEF-A3709F597955}"/>
+          </ac:spMkLst>
+        </pc:spChg>
+        <pc:spChg chg="add del mod">
+          <ac:chgData name="Mervin McDougall" userId="a8029e9af77e932b" providerId="LiveId" clId="{9F829F03-322C-40E6-BADC-95856EF19D95}" dt="2025-04-12T15:03:48.617" v="1646" actId="26606"/>
+          <ac:spMkLst>
+            <pc:docMk/>
+            <pc:sldMk cId="2186502928" sldId="330"/>
+            <ac:spMk id="11" creationId="{92B9DECA-26F3-A794-0D1A-3D8BFBF2EC94}"/>
+          </ac:spMkLst>
+        </pc:spChg>
+        <pc:spChg chg="add del mod">
+          <ac:chgData name="Mervin McDougall" userId="a8029e9af77e932b" providerId="LiveId" clId="{9F829F03-322C-40E6-BADC-95856EF19D95}" dt="2025-04-12T15:03:54.338" v="1648" actId="26606"/>
+          <ac:spMkLst>
+            <pc:docMk/>
+            <pc:sldMk cId="2186502928" sldId="330"/>
+            <ac:spMk id="14" creationId="{77F2FD7E-064B-A7D2-D6D1-FDA8195CBE8B}"/>
+          </ac:spMkLst>
+        </pc:spChg>
+        <pc:spChg chg="add del mod">
+          <ac:chgData name="Mervin McDougall" userId="a8029e9af77e932b" providerId="LiveId" clId="{9F829F03-322C-40E6-BADC-95856EF19D95}" dt="2025-04-12T15:03:54.338" v="1648" actId="26606"/>
+          <ac:spMkLst>
+            <pc:docMk/>
+            <pc:sldMk cId="2186502928" sldId="330"/>
+            <ac:spMk id="15" creationId="{2FC34EDF-E7A2-7D04-2C14-8980533E85FE}"/>
+          </ac:spMkLst>
+        </pc:spChg>
+        <pc:spChg chg="add del mod">
+          <ac:chgData name="Mervin McDougall" userId="a8029e9af77e932b" providerId="LiveId" clId="{9F829F03-322C-40E6-BADC-95856EF19D95}" dt="2025-04-12T15:04:03.587" v="1650" actId="26606"/>
+          <ac:spMkLst>
+            <pc:docMk/>
+            <pc:sldMk cId="2186502928" sldId="330"/>
+            <ac:spMk id="18" creationId="{BC29D780-F402-AF2C-F129-77F20B3E49B5}"/>
+          </ac:spMkLst>
+        </pc:spChg>
+        <pc:spChg chg="add del mod">
+          <ac:chgData name="Mervin McDougall" userId="a8029e9af77e932b" providerId="LiveId" clId="{9F829F03-322C-40E6-BADC-95856EF19D95}" dt="2025-04-12T15:04:03.587" v="1650" actId="26606"/>
+          <ac:spMkLst>
+            <pc:docMk/>
+            <pc:sldMk cId="2186502928" sldId="330"/>
+            <ac:spMk id="19" creationId="{0C646B56-8BD0-2095-14D2-D73F0F73CB66}"/>
+          </ac:spMkLst>
+        </pc:spChg>
+        <pc:spChg chg="add del mod">
+          <ac:chgData name="Mervin McDougall" userId="a8029e9af77e932b" providerId="LiveId" clId="{9F829F03-322C-40E6-BADC-95856EF19D95}" dt="2025-04-12T15:04:03.587" v="1650" actId="26606"/>
+          <ac:spMkLst>
+            <pc:docMk/>
+            <pc:sldMk cId="2186502928" sldId="330"/>
+            <ac:spMk id="20" creationId="{E5CCD2B5-1A1E-7BA9-8469-2A892DF3C86E}"/>
+          </ac:spMkLst>
+        </pc:spChg>
+        <pc:spChg chg="add mod">
+          <ac:chgData name="Mervin McDougall" userId="a8029e9af77e932b" providerId="LiveId" clId="{9F829F03-322C-40E6-BADC-95856EF19D95}" dt="2025-04-13T14:02:33.866" v="2344" actId="26606"/>
+          <ac:spMkLst>
+            <pc:docMk/>
+            <pc:sldMk cId="2186502928" sldId="330"/>
+            <ac:spMk id="22" creationId="{872EB331-685C-B5E8-2DC9-59C65355C05A}"/>
+          </ac:spMkLst>
+        </pc:spChg>
+        <pc:graphicFrameChg chg="add del">
+          <ac:chgData name="Mervin McDougall" userId="a8029e9af77e932b" providerId="LiveId" clId="{9F829F03-322C-40E6-BADC-95856EF19D95}" dt="2025-04-12T15:03:27.839" v="1644" actId="26606"/>
+          <ac:graphicFrameMkLst>
+            <pc:docMk/>
+            <pc:sldMk cId="2186502928" sldId="330"/>
+            <ac:graphicFrameMk id="5" creationId="{8D7C66DA-1E6B-A9B5-66D1-BB35C360107C}"/>
+          </ac:graphicFrameMkLst>
+        </pc:graphicFrameChg>
+        <pc:graphicFrameChg chg="add del">
+          <ac:chgData name="Mervin McDougall" userId="a8029e9af77e932b" providerId="LiveId" clId="{9F829F03-322C-40E6-BADC-95856EF19D95}" dt="2025-04-12T15:03:48.617" v="1646" actId="26606"/>
+          <ac:graphicFrameMkLst>
+            <pc:docMk/>
+            <pc:sldMk cId="2186502928" sldId="330"/>
+            <ac:graphicFrameMk id="12" creationId="{5E9BCADB-54C7-52D9-E4C1-B105A4141008}"/>
+          </ac:graphicFrameMkLst>
+        </pc:graphicFrameChg>
+        <pc:graphicFrameChg chg="add del">
+          <ac:chgData name="Mervin McDougall" userId="a8029e9af77e932b" providerId="LiveId" clId="{9F829F03-322C-40E6-BADC-95856EF19D95}" dt="2025-04-12T15:03:54.338" v="1648" actId="26606"/>
+          <ac:graphicFrameMkLst>
+            <pc:docMk/>
+            <pc:sldMk cId="2186502928" sldId="330"/>
+            <ac:graphicFrameMk id="16" creationId="{A84D9E0D-D21F-1794-9005-62632ADF2C40}"/>
+          </ac:graphicFrameMkLst>
+        </pc:graphicFrameChg>
+        <pc:graphicFrameChg chg="add mod modGraphic">
+          <ac:chgData name="Mervin McDougall" userId="a8029e9af77e932b" providerId="LiveId" clId="{9F829F03-322C-40E6-BADC-95856EF19D95}" dt="2025-04-13T14:02:33.866" v="2344" actId="26606"/>
+          <ac:graphicFrameMkLst>
+            <pc:docMk/>
+            <pc:sldMk cId="2186502928" sldId="330"/>
+            <ac:graphicFrameMk id="23" creationId="{8D7C66DA-1E6B-A9B5-66D1-BB35C360107C}"/>
+          </ac:graphicFrameMkLst>
+        </pc:graphicFrameChg>
+      </pc:sldChg>
+      <pc:sldChg chg="addSp delSp modSp add mod ord modNotesTx">
+        <pc:chgData name="Mervin McDougall" userId="a8029e9af77e932b" providerId="LiveId" clId="{9F829F03-322C-40E6-BADC-95856EF19D95}" dt="2025-04-13T14:13:50.617" v="2792" actId="20577"/>
+        <pc:sldMkLst>
+          <pc:docMk/>
+          <pc:sldMk cId="966353419" sldId="331"/>
+        </pc:sldMkLst>
+        <pc:spChg chg="mod">
+          <ac:chgData name="Mervin McDougall" userId="a8029e9af77e932b" providerId="LiveId" clId="{9F829F03-322C-40E6-BADC-95856EF19D95}" dt="2025-04-13T14:03:21.128" v="2349"/>
+          <ac:spMkLst>
+            <pc:docMk/>
+            <pc:sldMk cId="966353419" sldId="331"/>
+            <ac:spMk id="2" creationId="{E615E800-5A55-651C-30C2-9177361178CB}"/>
+          </ac:spMkLst>
+        </pc:spChg>
+        <pc:spChg chg="del">
+          <ac:chgData name="Mervin McDougall" userId="a8029e9af77e932b" providerId="LiveId" clId="{9F829F03-322C-40E6-BADC-95856EF19D95}" dt="2025-04-13T14:05:06.588" v="2350" actId="478"/>
+          <ac:spMkLst>
+            <pc:docMk/>
+            <pc:sldMk cId="966353419" sldId="331"/>
+            <ac:spMk id="3" creationId="{68D0AF55-F632-F062-CB6D-216337DB6D0B}"/>
+          </ac:spMkLst>
+        </pc:spChg>
+        <pc:spChg chg="del mod">
+          <ac:chgData name="Mervin McDougall" userId="a8029e9af77e932b" providerId="LiveId" clId="{9F829F03-322C-40E6-BADC-95856EF19D95}" dt="2025-04-13T14:09:20.732" v="2783"/>
+          <ac:spMkLst>
+            <pc:docMk/>
+            <pc:sldMk cId="966353419" sldId="331"/>
+            <ac:spMk id="4" creationId="{9A2C4BAC-AA62-E45D-C2FF-5A7C12B255B9}"/>
+          </ac:spMkLst>
+        </pc:spChg>
+        <pc:spChg chg="add mod">
+          <ac:chgData name="Mervin McDougall" userId="a8029e9af77e932b" providerId="LiveId" clId="{9F829F03-322C-40E6-BADC-95856EF19D95}" dt="2025-04-13T14:09:04.090" v="2782" actId="20577"/>
+          <ac:spMkLst>
+            <pc:docMk/>
+            <pc:sldMk cId="966353419" sldId="331"/>
+            <ac:spMk id="7" creationId="{7408B6D6-BAE3-ECBB-8252-1E6E26D8B48E}"/>
+          </ac:spMkLst>
+        </pc:spChg>
+        <pc:spChg chg="add mod">
+          <ac:chgData name="Mervin McDougall" userId="a8029e9af77e932b" providerId="LiveId" clId="{9F829F03-322C-40E6-BADC-95856EF19D95}" dt="2025-04-13T14:10:21.193" v="2784"/>
+          <ac:spMkLst>
+            <pc:docMk/>
+            <pc:sldMk cId="966353419" sldId="331"/>
+            <ac:spMk id="9" creationId="{3F10DC69-699A-CA27-610F-4C5A7940C97A}"/>
+          </ac:spMkLst>
+        </pc:spChg>
+        <pc:picChg chg="add mod">
+          <ac:chgData name="Mervin McDougall" userId="a8029e9af77e932b" providerId="LiveId" clId="{9F829F03-322C-40E6-BADC-95856EF19D95}" dt="2025-04-13T14:10:38.604" v="2785" actId="14100"/>
+          <ac:picMkLst>
+            <pc:docMk/>
+            <pc:sldMk cId="966353419" sldId="331"/>
+            <ac:picMk id="8" creationId="{80AEA236-5FAF-6C17-629E-08419B0B9A71}"/>
+          </ac:picMkLst>
+        </pc:picChg>
       </pc:sldChg>
     </pc:docChg>
   </pc:docChgLst>
@@ -3811,6 +3891,753 @@
 </dgm:colorsDef>
 </file>
 
+<file path=ppt/diagrams/colors4.xml><?xml version="1.0" encoding="utf-8"?>
+<dgm:colorsDef xmlns:dgm="http://schemas.openxmlformats.org/drawingml/2006/diagram" xmlns:a="http://schemas.openxmlformats.org/drawingml/2006/main" uniqueId="urn:microsoft.com/office/officeart/2005/8/colors/accent2_2">
+  <dgm:title val=""/>
+  <dgm:desc val=""/>
+  <dgm:catLst>
+    <dgm:cat type="accent2" pri="11200"/>
+  </dgm:catLst>
+  <dgm:styleLbl name="node0">
+    <dgm:fillClrLst meth="repeat">
+      <a:schemeClr val="accent2"/>
+    </dgm:fillClrLst>
+    <dgm:linClrLst meth="repeat">
+      <a:schemeClr val="lt1"/>
+    </dgm:linClrLst>
+    <dgm:effectClrLst/>
+    <dgm:txLinClrLst/>
+    <dgm:txFillClrLst/>
+    <dgm:txEffectClrLst/>
+  </dgm:styleLbl>
+  <dgm:styleLbl name="node1">
+    <dgm:fillClrLst meth="repeat">
+      <a:schemeClr val="accent2"/>
+    </dgm:fillClrLst>
+    <dgm:linClrLst meth="repeat">
+      <a:schemeClr val="lt1"/>
+    </dgm:linClrLst>
+    <dgm:effectClrLst/>
+    <dgm:txLinClrLst/>
+    <dgm:txFillClrLst/>
+    <dgm:txEffectClrLst/>
+  </dgm:styleLbl>
+  <dgm:styleLbl name="alignNode1">
+    <dgm:fillClrLst meth="repeat">
+      <a:schemeClr val="accent2"/>
+    </dgm:fillClrLst>
+    <dgm:linClrLst meth="repeat">
+      <a:schemeClr val="accent2"/>
+    </dgm:linClrLst>
+    <dgm:effectClrLst/>
+    <dgm:txLinClrLst/>
+    <dgm:txFillClrLst/>
+    <dgm:txEffectClrLst/>
+  </dgm:styleLbl>
+  <dgm:styleLbl name="lnNode1">
+    <dgm:fillClrLst meth="repeat">
+      <a:schemeClr val="accent2"/>
+    </dgm:fillClrLst>
+    <dgm:linClrLst meth="repeat">
+      <a:schemeClr val="lt1"/>
+    </dgm:linClrLst>
+    <dgm:effectClrLst/>
+    <dgm:txLinClrLst/>
+    <dgm:txFillClrLst/>
+    <dgm:txEffectClrLst/>
+  </dgm:styleLbl>
+  <dgm:styleLbl name="vennNode1">
+    <dgm:fillClrLst meth="repeat">
+      <a:schemeClr val="accent2">
+        <a:alpha val="50000"/>
+      </a:schemeClr>
+    </dgm:fillClrLst>
+    <dgm:linClrLst meth="repeat">
+      <a:schemeClr val="lt1"/>
+    </dgm:linClrLst>
+    <dgm:effectClrLst/>
+    <dgm:txLinClrLst/>
+    <dgm:txFillClrLst/>
+    <dgm:txEffectClrLst/>
+  </dgm:styleLbl>
+  <dgm:styleLbl name="node2">
+    <dgm:fillClrLst meth="repeat">
+      <a:schemeClr val="accent2"/>
+    </dgm:fillClrLst>
+    <dgm:linClrLst meth="repeat">
+      <a:schemeClr val="lt1"/>
+    </dgm:linClrLst>
+    <dgm:effectClrLst/>
+    <dgm:txLinClrLst/>
+    <dgm:txFillClrLst/>
+    <dgm:txEffectClrLst/>
+  </dgm:styleLbl>
+  <dgm:styleLbl name="node3">
+    <dgm:fillClrLst meth="repeat">
+      <a:schemeClr val="accent2"/>
+    </dgm:fillClrLst>
+    <dgm:linClrLst meth="repeat">
+      <a:schemeClr val="lt1"/>
+    </dgm:linClrLst>
+    <dgm:effectClrLst/>
+    <dgm:txLinClrLst/>
+    <dgm:txFillClrLst/>
+    <dgm:txEffectClrLst/>
+  </dgm:styleLbl>
+  <dgm:styleLbl name="node4">
+    <dgm:fillClrLst meth="repeat">
+      <a:schemeClr val="accent2"/>
+    </dgm:fillClrLst>
+    <dgm:linClrLst meth="repeat">
+      <a:schemeClr val="lt1"/>
+    </dgm:linClrLst>
+    <dgm:effectClrLst/>
+    <dgm:txLinClrLst/>
+    <dgm:txFillClrLst/>
+    <dgm:txEffectClrLst/>
+  </dgm:styleLbl>
+  <dgm:styleLbl name="fgImgPlace1">
+    <dgm:fillClrLst meth="repeat">
+      <a:schemeClr val="accent2">
+        <a:tint val="50000"/>
+      </a:schemeClr>
+    </dgm:fillClrLst>
+    <dgm:linClrLst meth="repeat">
+      <a:schemeClr val="lt1"/>
+    </dgm:linClrLst>
+    <dgm:effectClrLst/>
+    <dgm:txLinClrLst/>
+    <dgm:txFillClrLst meth="repeat">
+      <a:schemeClr val="lt1"/>
+    </dgm:txFillClrLst>
+    <dgm:txEffectClrLst/>
+  </dgm:styleLbl>
+  <dgm:styleLbl name="alignImgPlace1">
+    <dgm:fillClrLst meth="repeat">
+      <a:schemeClr val="accent2">
+        <a:tint val="50000"/>
+      </a:schemeClr>
+    </dgm:fillClrLst>
+    <dgm:linClrLst meth="repeat">
+      <a:schemeClr val="lt1"/>
+    </dgm:linClrLst>
+    <dgm:effectClrLst/>
+    <dgm:txLinClrLst/>
+    <dgm:txFillClrLst meth="repeat">
+      <a:schemeClr val="lt1"/>
+    </dgm:txFillClrLst>
+    <dgm:txEffectClrLst/>
+  </dgm:styleLbl>
+  <dgm:styleLbl name="bgImgPlace1">
+    <dgm:fillClrLst meth="repeat">
+      <a:schemeClr val="accent2">
+        <a:tint val="50000"/>
+      </a:schemeClr>
+    </dgm:fillClrLst>
+    <dgm:linClrLst meth="repeat">
+      <a:schemeClr val="lt1"/>
+    </dgm:linClrLst>
+    <dgm:effectClrLst/>
+    <dgm:txLinClrLst/>
+    <dgm:txFillClrLst meth="repeat">
+      <a:schemeClr val="lt1"/>
+    </dgm:txFillClrLst>
+    <dgm:txEffectClrLst/>
+  </dgm:styleLbl>
+  <dgm:styleLbl name="sibTrans2D1">
+    <dgm:fillClrLst meth="repeat">
+      <a:schemeClr val="accent2">
+        <a:tint val="60000"/>
+      </a:schemeClr>
+    </dgm:fillClrLst>
+    <dgm:linClrLst meth="repeat">
+      <a:schemeClr val="accent2">
+        <a:tint val="60000"/>
+      </a:schemeClr>
+    </dgm:linClrLst>
+    <dgm:effectClrLst/>
+    <dgm:txLinClrLst/>
+    <dgm:txFillClrLst/>
+    <dgm:txEffectClrLst/>
+  </dgm:styleLbl>
+  <dgm:styleLbl name="fgSibTrans2D1">
+    <dgm:fillClrLst meth="repeat">
+      <a:schemeClr val="accent2">
+        <a:tint val="60000"/>
+      </a:schemeClr>
+    </dgm:fillClrLst>
+    <dgm:linClrLst meth="repeat">
+      <a:schemeClr val="accent2">
+        <a:tint val="60000"/>
+      </a:schemeClr>
+    </dgm:linClrLst>
+    <dgm:effectClrLst/>
+    <dgm:txLinClrLst/>
+    <dgm:txFillClrLst/>
+    <dgm:txEffectClrLst/>
+  </dgm:styleLbl>
+  <dgm:styleLbl name="bgSibTrans2D1">
+    <dgm:fillClrLst meth="repeat">
+      <a:schemeClr val="accent2">
+        <a:tint val="60000"/>
+      </a:schemeClr>
+    </dgm:fillClrLst>
+    <dgm:linClrLst meth="repeat">
+      <a:schemeClr val="accent2">
+        <a:tint val="60000"/>
+      </a:schemeClr>
+    </dgm:linClrLst>
+    <dgm:effectClrLst/>
+    <dgm:txLinClrLst/>
+    <dgm:txFillClrLst/>
+    <dgm:txEffectClrLst/>
+  </dgm:styleLbl>
+  <dgm:styleLbl name="sibTrans1D1">
+    <dgm:fillClrLst meth="repeat">
+      <a:schemeClr val="accent2"/>
+    </dgm:fillClrLst>
+    <dgm:linClrLst meth="repeat">
+      <a:schemeClr val="accent2"/>
+    </dgm:linClrLst>
+    <dgm:effectClrLst/>
+    <dgm:txLinClrLst/>
+    <dgm:txFillClrLst meth="repeat">
+      <a:schemeClr val="tx1"/>
+    </dgm:txFillClrLst>
+    <dgm:txEffectClrLst/>
+  </dgm:styleLbl>
+  <dgm:styleLbl name="callout">
+    <dgm:fillClrLst meth="repeat">
+      <a:schemeClr val="accent2"/>
+    </dgm:fillClrLst>
+    <dgm:linClrLst meth="repeat">
+      <a:schemeClr val="accent2">
+        <a:tint val="50000"/>
+      </a:schemeClr>
+    </dgm:linClrLst>
+    <dgm:effectClrLst/>
+    <dgm:txLinClrLst/>
+    <dgm:txFillClrLst meth="repeat">
+      <a:schemeClr val="tx1"/>
+    </dgm:txFillClrLst>
+    <dgm:txEffectClrLst/>
+  </dgm:styleLbl>
+  <dgm:styleLbl name="asst0">
+    <dgm:fillClrLst meth="repeat">
+      <a:schemeClr val="accent2"/>
+    </dgm:fillClrLst>
+    <dgm:linClrLst meth="repeat">
+      <a:schemeClr val="lt1"/>
+    </dgm:linClrLst>
+    <dgm:effectClrLst/>
+    <dgm:txLinClrLst/>
+    <dgm:txFillClrLst/>
+    <dgm:txEffectClrLst/>
+  </dgm:styleLbl>
+  <dgm:styleLbl name="asst1">
+    <dgm:fillClrLst meth="repeat">
+      <a:schemeClr val="accent2"/>
+    </dgm:fillClrLst>
+    <dgm:linClrLst meth="repeat">
+      <a:schemeClr val="lt1"/>
+    </dgm:linClrLst>
+    <dgm:effectClrLst/>
+    <dgm:txLinClrLst/>
+    <dgm:txFillClrLst/>
+    <dgm:txEffectClrLst/>
+  </dgm:styleLbl>
+  <dgm:styleLbl name="asst2">
+    <dgm:fillClrLst meth="repeat">
+      <a:schemeClr val="accent2"/>
+    </dgm:fillClrLst>
+    <dgm:linClrLst meth="repeat">
+      <a:schemeClr val="lt1"/>
+    </dgm:linClrLst>
+    <dgm:effectClrLst/>
+    <dgm:txLinClrLst/>
+    <dgm:txFillClrLst/>
+    <dgm:txEffectClrLst/>
+  </dgm:styleLbl>
+  <dgm:styleLbl name="asst3">
+    <dgm:fillClrLst meth="repeat">
+      <a:schemeClr val="accent2"/>
+    </dgm:fillClrLst>
+    <dgm:linClrLst meth="repeat">
+      <a:schemeClr val="lt1"/>
+    </dgm:linClrLst>
+    <dgm:effectClrLst/>
+    <dgm:txLinClrLst/>
+    <dgm:txFillClrLst/>
+    <dgm:txEffectClrLst/>
+  </dgm:styleLbl>
+  <dgm:styleLbl name="asst4">
+    <dgm:fillClrLst meth="repeat">
+      <a:schemeClr val="accent2"/>
+    </dgm:fillClrLst>
+    <dgm:linClrLst meth="repeat">
+      <a:schemeClr val="lt1"/>
+    </dgm:linClrLst>
+    <dgm:effectClrLst/>
+    <dgm:txLinClrLst/>
+    <dgm:txFillClrLst/>
+    <dgm:txEffectClrLst/>
+  </dgm:styleLbl>
+  <dgm:styleLbl name="parChTrans2D1">
+    <dgm:fillClrLst meth="repeat">
+      <a:schemeClr val="accent2">
+        <a:tint val="60000"/>
+      </a:schemeClr>
+    </dgm:fillClrLst>
+    <dgm:linClrLst meth="repeat">
+      <a:schemeClr val="accent2">
+        <a:tint val="60000"/>
+      </a:schemeClr>
+    </dgm:linClrLst>
+    <dgm:effectClrLst/>
+    <dgm:txLinClrLst/>
+    <dgm:txFillClrLst meth="repeat">
+      <a:schemeClr val="lt1"/>
+    </dgm:txFillClrLst>
+    <dgm:txEffectClrLst/>
+  </dgm:styleLbl>
+  <dgm:styleLbl name="parChTrans2D2">
+    <dgm:fillClrLst meth="repeat">
+      <a:schemeClr val="accent2"/>
+    </dgm:fillClrLst>
+    <dgm:linClrLst meth="repeat">
+      <a:schemeClr val="accent2"/>
+    </dgm:linClrLst>
+    <dgm:effectClrLst/>
+    <dgm:txLinClrLst/>
+    <dgm:txFillClrLst meth="repeat">
+      <a:schemeClr val="lt1"/>
+    </dgm:txFillClrLst>
+    <dgm:txEffectClrLst/>
+  </dgm:styleLbl>
+  <dgm:styleLbl name="parChTrans2D3">
+    <dgm:fillClrLst meth="repeat">
+      <a:schemeClr val="accent2"/>
+    </dgm:fillClrLst>
+    <dgm:linClrLst meth="repeat">
+      <a:schemeClr val="accent2"/>
+    </dgm:linClrLst>
+    <dgm:effectClrLst/>
+    <dgm:txLinClrLst/>
+    <dgm:txFillClrLst meth="repeat">
+      <a:schemeClr val="lt1"/>
+    </dgm:txFillClrLst>
+    <dgm:txEffectClrLst/>
+  </dgm:styleLbl>
+  <dgm:styleLbl name="parChTrans2D4">
+    <dgm:fillClrLst meth="repeat">
+      <a:schemeClr val="accent2"/>
+    </dgm:fillClrLst>
+    <dgm:linClrLst meth="repeat">
+      <a:schemeClr val="accent2"/>
+    </dgm:linClrLst>
+    <dgm:effectClrLst/>
+    <dgm:txLinClrLst/>
+    <dgm:txFillClrLst meth="repeat">
+      <a:schemeClr val="lt1"/>
+    </dgm:txFillClrLst>
+    <dgm:txEffectClrLst/>
+  </dgm:styleLbl>
+  <dgm:styleLbl name="parChTrans1D1">
+    <dgm:fillClrLst meth="repeat">
+      <a:schemeClr val="accent2"/>
+    </dgm:fillClrLst>
+    <dgm:linClrLst meth="repeat">
+      <a:schemeClr val="accent2">
+        <a:shade val="60000"/>
+      </a:schemeClr>
+    </dgm:linClrLst>
+    <dgm:effectClrLst/>
+    <dgm:txLinClrLst/>
+    <dgm:txFillClrLst meth="repeat">
+      <a:schemeClr val="tx1"/>
+    </dgm:txFillClrLst>
+    <dgm:txEffectClrLst/>
+  </dgm:styleLbl>
+  <dgm:styleLbl name="parChTrans1D2">
+    <dgm:fillClrLst meth="repeat">
+      <a:schemeClr val="accent2"/>
+    </dgm:fillClrLst>
+    <dgm:linClrLst meth="repeat">
+      <a:schemeClr val="accent2">
+        <a:shade val="60000"/>
+      </a:schemeClr>
+    </dgm:linClrLst>
+    <dgm:effectClrLst/>
+    <dgm:txLinClrLst/>
+    <dgm:txFillClrLst meth="repeat">
+      <a:schemeClr val="tx1"/>
+    </dgm:txFillClrLst>
+    <dgm:txEffectClrLst/>
+  </dgm:styleLbl>
+  <dgm:styleLbl name="parChTrans1D3">
+    <dgm:fillClrLst meth="repeat">
+      <a:schemeClr val="accent2"/>
+    </dgm:fillClrLst>
+    <dgm:linClrLst meth="repeat">
+      <a:schemeClr val="accent2">
+        <a:shade val="80000"/>
+      </a:schemeClr>
+    </dgm:linClrLst>
+    <dgm:effectClrLst/>
+    <dgm:txLinClrLst/>
+    <dgm:txFillClrLst meth="repeat">
+      <a:schemeClr val="tx1"/>
+    </dgm:txFillClrLst>
+    <dgm:txEffectClrLst/>
+  </dgm:styleLbl>
+  <dgm:styleLbl name="parChTrans1D4">
+    <dgm:fillClrLst meth="repeat">
+      <a:schemeClr val="accent2"/>
+    </dgm:fillClrLst>
+    <dgm:linClrLst meth="repeat">
+      <a:schemeClr val="accent2">
+        <a:shade val="80000"/>
+      </a:schemeClr>
+    </dgm:linClrLst>
+    <dgm:effectClrLst/>
+    <dgm:txLinClrLst/>
+    <dgm:txFillClrLst meth="repeat">
+      <a:schemeClr val="tx1"/>
+    </dgm:txFillClrLst>
+    <dgm:txEffectClrLst/>
+  </dgm:styleLbl>
+  <dgm:styleLbl name="fgAcc1">
+    <dgm:fillClrLst meth="repeat">
+      <a:schemeClr val="lt1">
+        <a:alpha val="90000"/>
+      </a:schemeClr>
+    </dgm:fillClrLst>
+    <dgm:linClrLst meth="repeat">
+      <a:schemeClr val="accent2"/>
+    </dgm:linClrLst>
+    <dgm:effectClrLst/>
+    <dgm:txLinClrLst/>
+    <dgm:txFillClrLst meth="repeat">
+      <a:schemeClr val="dk1"/>
+    </dgm:txFillClrLst>
+    <dgm:txEffectClrLst/>
+  </dgm:styleLbl>
+  <dgm:styleLbl name="conFgAcc1">
+    <dgm:fillClrLst meth="repeat">
+      <a:schemeClr val="lt1">
+        <a:alpha val="90000"/>
+      </a:schemeClr>
+    </dgm:fillClrLst>
+    <dgm:linClrLst meth="repeat">
+      <a:schemeClr val="accent2"/>
+    </dgm:linClrLst>
+    <dgm:effectClrLst/>
+    <dgm:txLinClrLst/>
+    <dgm:txFillClrLst meth="repeat">
+      <a:schemeClr val="dk1"/>
+    </dgm:txFillClrLst>
+    <dgm:txEffectClrLst/>
+  </dgm:styleLbl>
+  <dgm:styleLbl name="alignAcc1">
+    <dgm:fillClrLst meth="repeat">
+      <a:schemeClr val="lt1">
+        <a:alpha val="90000"/>
+      </a:schemeClr>
+    </dgm:fillClrLst>
+    <dgm:linClrLst meth="repeat">
+      <a:schemeClr val="accent2"/>
+    </dgm:linClrLst>
+    <dgm:effectClrLst/>
+    <dgm:txLinClrLst/>
+    <dgm:txFillClrLst meth="repeat">
+      <a:schemeClr val="dk1"/>
+    </dgm:txFillClrLst>
+    <dgm:txEffectClrLst/>
+  </dgm:styleLbl>
+  <dgm:styleLbl name="trAlignAcc1">
+    <dgm:fillClrLst meth="repeat">
+      <a:schemeClr val="lt1">
+        <a:alpha val="40000"/>
+      </a:schemeClr>
+    </dgm:fillClrLst>
+    <dgm:linClrLst meth="repeat">
+      <a:schemeClr val="accent2"/>
+    </dgm:linClrLst>
+    <dgm:effectClrLst/>
+    <dgm:txLinClrLst/>
+    <dgm:txFillClrLst meth="repeat">
+      <a:schemeClr val="dk1"/>
+    </dgm:txFillClrLst>
+    <dgm:txEffectClrLst/>
+  </dgm:styleLbl>
+  <dgm:styleLbl name="bgAcc1">
+    <dgm:fillClrLst meth="repeat">
+      <a:schemeClr val="lt1">
+        <a:alpha val="90000"/>
+      </a:schemeClr>
+    </dgm:fillClrLst>
+    <dgm:linClrLst meth="repeat">
+      <a:schemeClr val="accent2"/>
+    </dgm:linClrLst>
+    <dgm:effectClrLst/>
+    <dgm:txLinClrLst/>
+    <dgm:txFillClrLst meth="repeat">
+      <a:schemeClr val="dk1"/>
+    </dgm:txFillClrLst>
+    <dgm:txEffectClrLst/>
+  </dgm:styleLbl>
+  <dgm:styleLbl name="solidFgAcc1">
+    <dgm:fillClrLst meth="repeat">
+      <a:schemeClr val="lt1"/>
+    </dgm:fillClrLst>
+    <dgm:linClrLst meth="repeat">
+      <a:schemeClr val="accent2"/>
+    </dgm:linClrLst>
+    <dgm:effectClrLst/>
+    <dgm:txLinClrLst/>
+    <dgm:txFillClrLst meth="repeat">
+      <a:schemeClr val="dk1"/>
+    </dgm:txFillClrLst>
+    <dgm:txEffectClrLst/>
+  </dgm:styleLbl>
+  <dgm:styleLbl name="solidAlignAcc1">
+    <dgm:fillClrLst meth="repeat">
+      <a:schemeClr val="lt1"/>
+    </dgm:fillClrLst>
+    <dgm:linClrLst meth="repeat">
+      <a:schemeClr val="accent2"/>
+    </dgm:linClrLst>
+    <dgm:effectClrLst/>
+    <dgm:txLinClrLst/>
+    <dgm:txFillClrLst meth="repeat">
+      <a:schemeClr val="dk1"/>
+    </dgm:txFillClrLst>
+    <dgm:txEffectClrLst/>
+  </dgm:styleLbl>
+  <dgm:styleLbl name="solidBgAcc1">
+    <dgm:fillClrLst meth="repeat">
+      <a:schemeClr val="lt1"/>
+    </dgm:fillClrLst>
+    <dgm:linClrLst meth="repeat">
+      <a:schemeClr val="accent2"/>
+    </dgm:linClrLst>
+    <dgm:effectClrLst/>
+    <dgm:txLinClrLst/>
+    <dgm:txFillClrLst meth="repeat">
+      <a:schemeClr val="dk1"/>
+    </dgm:txFillClrLst>
+    <dgm:txEffectClrLst/>
+  </dgm:styleLbl>
+  <dgm:styleLbl name="fgAccFollowNode1">
+    <dgm:fillClrLst meth="repeat">
+      <a:schemeClr val="accent2">
+        <a:alpha val="90000"/>
+        <a:tint val="40000"/>
+      </a:schemeClr>
+    </dgm:fillClrLst>
+    <dgm:linClrLst meth="repeat">
+      <a:schemeClr val="accent2">
+        <a:alpha val="90000"/>
+        <a:tint val="40000"/>
+      </a:schemeClr>
+    </dgm:linClrLst>
+    <dgm:effectClrLst/>
+    <dgm:txLinClrLst/>
+    <dgm:txFillClrLst meth="repeat">
+      <a:schemeClr val="dk1"/>
+    </dgm:txFillClrLst>
+    <dgm:txEffectClrLst/>
+  </dgm:styleLbl>
+  <dgm:styleLbl name="alignAccFollowNode1">
+    <dgm:fillClrLst meth="repeat">
+      <a:schemeClr val="accent2">
+        <a:alpha val="90000"/>
+        <a:tint val="40000"/>
+      </a:schemeClr>
+    </dgm:fillClrLst>
+    <dgm:linClrLst meth="repeat">
+      <a:schemeClr val="accent2">
+        <a:alpha val="90000"/>
+        <a:tint val="40000"/>
+      </a:schemeClr>
+    </dgm:linClrLst>
+    <dgm:effectClrLst/>
+    <dgm:txLinClrLst/>
+    <dgm:txFillClrLst meth="repeat">
+      <a:schemeClr val="dk1"/>
+    </dgm:txFillClrLst>
+    <dgm:txEffectClrLst/>
+  </dgm:styleLbl>
+  <dgm:styleLbl name="bgAccFollowNode1">
+    <dgm:fillClrLst meth="repeat">
+      <a:schemeClr val="accent2">
+        <a:alpha val="90000"/>
+        <a:tint val="40000"/>
+      </a:schemeClr>
+    </dgm:fillClrLst>
+    <dgm:linClrLst meth="repeat">
+      <a:schemeClr val="accent2">
+        <a:alpha val="90000"/>
+        <a:tint val="40000"/>
+      </a:schemeClr>
+    </dgm:linClrLst>
+    <dgm:effectClrLst/>
+    <dgm:txLinClrLst/>
+    <dgm:txFillClrLst meth="repeat">
+      <a:schemeClr val="dk1"/>
+    </dgm:txFillClrLst>
+    <dgm:txEffectClrLst/>
+  </dgm:styleLbl>
+  <dgm:styleLbl name="fgAcc0">
+    <dgm:fillClrLst meth="repeat">
+      <a:schemeClr val="lt1">
+        <a:alpha val="90000"/>
+      </a:schemeClr>
+    </dgm:fillClrLst>
+    <dgm:linClrLst meth="repeat">
+      <a:schemeClr val="accent2"/>
+    </dgm:linClrLst>
+    <dgm:effectClrLst/>
+    <dgm:txLinClrLst/>
+    <dgm:txFillClrLst meth="repeat">
+      <a:schemeClr val="dk1"/>
+    </dgm:txFillClrLst>
+    <dgm:txEffectClrLst/>
+  </dgm:styleLbl>
+  <dgm:styleLbl name="fgAcc2">
+    <dgm:fillClrLst meth="repeat">
+      <a:schemeClr val="lt1">
+        <a:alpha val="90000"/>
+      </a:schemeClr>
+    </dgm:fillClrLst>
+    <dgm:linClrLst meth="repeat">
+      <a:schemeClr val="accent2"/>
+    </dgm:linClrLst>
+    <dgm:effectClrLst/>
+    <dgm:txLinClrLst/>
+    <dgm:txFillClrLst meth="repeat">
+      <a:schemeClr val="dk1"/>
+    </dgm:txFillClrLst>
+    <dgm:txEffectClrLst/>
+  </dgm:styleLbl>
+  <dgm:styleLbl name="fgAcc3">
+    <dgm:fillClrLst meth="repeat">
+      <a:schemeClr val="lt1">
+        <a:alpha val="90000"/>
+      </a:schemeClr>
+    </dgm:fillClrLst>
+    <dgm:linClrLst meth="repeat">
+      <a:schemeClr val="accent2"/>
+    </dgm:linClrLst>
+    <dgm:effectClrLst/>
+    <dgm:txLinClrLst/>
+    <dgm:txFillClrLst meth="repeat">
+      <a:schemeClr val="dk1"/>
+    </dgm:txFillClrLst>
+    <dgm:txEffectClrLst/>
+  </dgm:styleLbl>
+  <dgm:styleLbl name="fgAcc4">
+    <dgm:fillClrLst meth="repeat">
+      <a:schemeClr val="lt1">
+        <a:alpha val="90000"/>
+      </a:schemeClr>
+    </dgm:fillClrLst>
+    <dgm:linClrLst meth="repeat">
+      <a:schemeClr val="accent2"/>
+    </dgm:linClrLst>
+    <dgm:effectClrLst/>
+    <dgm:txLinClrLst/>
+    <dgm:txFillClrLst meth="repeat">
+      <a:schemeClr val="dk1"/>
+    </dgm:txFillClrLst>
+    <dgm:txEffectClrLst/>
+  </dgm:styleLbl>
+  <dgm:styleLbl name="bgShp">
+    <dgm:fillClrLst meth="repeat">
+      <a:schemeClr val="accent2">
+        <a:tint val="40000"/>
+      </a:schemeClr>
+    </dgm:fillClrLst>
+    <dgm:linClrLst meth="repeat">
+      <a:schemeClr val="accent2"/>
+    </dgm:linClrLst>
+    <dgm:effectClrLst/>
+    <dgm:txLinClrLst/>
+    <dgm:txFillClrLst meth="repeat">
+      <a:schemeClr val="dk1"/>
+    </dgm:txFillClrLst>
+    <dgm:txEffectClrLst/>
+  </dgm:styleLbl>
+  <dgm:styleLbl name="dkBgShp">
+    <dgm:fillClrLst meth="repeat">
+      <a:schemeClr val="accent2">
+        <a:shade val="80000"/>
+      </a:schemeClr>
+    </dgm:fillClrLst>
+    <dgm:linClrLst meth="repeat">
+      <a:schemeClr val="accent2"/>
+    </dgm:linClrLst>
+    <dgm:effectClrLst/>
+    <dgm:txLinClrLst/>
+    <dgm:txFillClrLst meth="repeat">
+      <a:schemeClr val="lt1"/>
+    </dgm:txFillClrLst>
+    <dgm:txEffectClrLst/>
+  </dgm:styleLbl>
+  <dgm:styleLbl name="trBgShp">
+    <dgm:fillClrLst meth="repeat">
+      <a:schemeClr val="accent2">
+        <a:tint val="50000"/>
+        <a:alpha val="40000"/>
+      </a:schemeClr>
+    </dgm:fillClrLst>
+    <dgm:linClrLst meth="repeat">
+      <a:schemeClr val="accent2"/>
+    </dgm:linClrLst>
+    <dgm:effectClrLst/>
+    <dgm:txLinClrLst/>
+    <dgm:txFillClrLst meth="repeat">
+      <a:schemeClr val="lt1"/>
+    </dgm:txFillClrLst>
+    <dgm:txEffectClrLst/>
+  </dgm:styleLbl>
+  <dgm:styleLbl name="fgShp">
+    <dgm:fillClrLst meth="repeat">
+      <a:schemeClr val="accent2">
+        <a:tint val="60000"/>
+      </a:schemeClr>
+    </dgm:fillClrLst>
+    <dgm:linClrLst meth="repeat">
+      <a:schemeClr val="lt1"/>
+    </dgm:linClrLst>
+    <dgm:effectClrLst/>
+    <dgm:txLinClrLst/>
+    <dgm:txFillClrLst meth="repeat">
+      <a:schemeClr val="dk1"/>
+    </dgm:txFillClrLst>
+    <dgm:txEffectClrLst/>
+  </dgm:styleLbl>
+  <dgm:styleLbl name="revTx">
+    <dgm:fillClrLst meth="repeat">
+      <a:schemeClr val="lt1">
+        <a:alpha val="0"/>
+      </a:schemeClr>
+    </dgm:fillClrLst>
+    <dgm:linClrLst meth="repeat">
+      <a:schemeClr val="dk1">
+        <a:alpha val="0"/>
+      </a:schemeClr>
+    </dgm:linClrLst>
+    <dgm:effectClrLst/>
+    <dgm:txLinClrLst/>
+    <dgm:txFillClrLst meth="repeat">
+      <a:schemeClr val="tx1"/>
+    </dgm:txFillClrLst>
+    <dgm:txEffectClrLst/>
+  </dgm:styleLbl>
+</dgm:colorsDef>
+</file>
+
 <file path=ppt/diagrams/data1.xml><?xml version="1.0" encoding="utf-8"?>
 <dgm:dataModel xmlns:dgm="http://schemas.openxmlformats.org/drawingml/2006/diagram" xmlns:a="http://schemas.openxmlformats.org/drawingml/2006/main">
   <dgm:ptLst>
@@ -3881,7 +4708,7 @@
             <a:defRPr cap="all"/>
           </a:pPr>
           <a:r>
-            <a:rPr lang="en-US"/>
+            <a:rPr lang="en-US" dirty="0"/>
             <a:t>Project Reviews</a:t>
           </a:r>
         </a:p>
@@ -4963,6 +5790,698 @@
 </dgm:dataModel>
 </file>
 
+<file path=ppt/diagrams/data4.xml><?xml version="1.0" encoding="utf-8"?>
+<dgm:dataModel xmlns:dgm="http://schemas.openxmlformats.org/drawingml/2006/diagram" xmlns:a="http://schemas.openxmlformats.org/drawingml/2006/main">
+  <dgm:ptLst>
+    <dgm:pt modelId="{7FCF141B-948B-4D9E-B1B7-0F000BD70582}" type="doc">
+      <dgm:prSet loTypeId="urn:microsoft.com/office/officeart/2018/5/layout/IconLeafLabelList" loCatId="icon" qsTypeId="urn:microsoft.com/office/officeart/2005/8/quickstyle/simple1" qsCatId="simple" csTypeId="urn:microsoft.com/office/officeart/2005/8/colors/accent2_2" csCatId="accent2" phldr="1"/>
+      <dgm:spPr/>
+      <dgm:t>
+        <a:bodyPr/>
+        <a:lstStyle/>
+        <a:p>
+          <a:endParaRPr lang="en-US"/>
+        </a:p>
+      </dgm:t>
+    </dgm:pt>
+    <dgm:pt modelId="{E63A668F-01EB-413D-B9A5-64CC06E3E245}">
+      <dgm:prSet/>
+      <dgm:spPr/>
+      <dgm:t>
+        <a:bodyPr/>
+        <a:lstStyle/>
+        <a:p>
+          <a:pPr>
+            <a:lnSpc>
+              <a:spcPct val="100000"/>
+            </a:lnSpc>
+            <a:defRPr cap="all"/>
+          </a:pPr>
+          <a:r>
+            <a:rPr lang="en-US"/>
+            <a:t>Collect, store, and access data by identifying and leveraging applicable technologies.</a:t>
+          </a:r>
+        </a:p>
+      </dgm:t>
+    </dgm:pt>
+    <dgm:pt modelId="{5C032A88-1925-4ADE-9DB7-4A0C342E6EDB}" type="parTrans" cxnId="{B9156F0C-DDCD-4749-BC37-AF6C78A7F6A6}">
+      <dgm:prSet/>
+      <dgm:spPr/>
+      <dgm:t>
+        <a:bodyPr/>
+        <a:lstStyle/>
+        <a:p>
+          <a:endParaRPr lang="en-US"/>
+        </a:p>
+      </dgm:t>
+    </dgm:pt>
+    <dgm:pt modelId="{AF254C3A-D574-4CED-B717-F3334F01E15A}" type="sibTrans" cxnId="{B9156F0C-DDCD-4749-BC37-AF6C78A7F6A6}">
+      <dgm:prSet/>
+      <dgm:spPr/>
+      <dgm:t>
+        <a:bodyPr/>
+        <a:lstStyle/>
+        <a:p>
+          <a:endParaRPr lang="en-US"/>
+        </a:p>
+      </dgm:t>
+    </dgm:pt>
+    <dgm:pt modelId="{965EF788-C557-4848-9F4D-FB330BFCA510}">
+      <dgm:prSet/>
+      <dgm:spPr/>
+      <dgm:t>
+        <a:bodyPr/>
+        <a:lstStyle/>
+        <a:p>
+          <a:pPr>
+            <a:lnSpc>
+              <a:spcPct val="100000"/>
+            </a:lnSpc>
+            <a:defRPr cap="all"/>
+          </a:pPr>
+          <a:r>
+            <a:rPr lang="en-US"/>
+            <a:t>Create actionable insight across a range of contexts (e.g., societal, business, political), using data and the full data science life cycle.</a:t>
+          </a:r>
+        </a:p>
+      </dgm:t>
+    </dgm:pt>
+    <dgm:pt modelId="{228D1E66-620A-47BD-9C28-BFC0988A8FE9}" type="parTrans" cxnId="{AE1E8495-E93C-4160-AC2E-105703BC1743}">
+      <dgm:prSet/>
+      <dgm:spPr/>
+      <dgm:t>
+        <a:bodyPr/>
+        <a:lstStyle/>
+        <a:p>
+          <a:endParaRPr lang="en-US"/>
+        </a:p>
+      </dgm:t>
+    </dgm:pt>
+    <dgm:pt modelId="{DCED030E-04AC-4749-A5C2-F52474E2DF61}" type="sibTrans" cxnId="{AE1E8495-E93C-4160-AC2E-105703BC1743}">
+      <dgm:prSet/>
+      <dgm:spPr/>
+      <dgm:t>
+        <a:bodyPr/>
+        <a:lstStyle/>
+        <a:p>
+          <a:endParaRPr lang="en-US"/>
+        </a:p>
+      </dgm:t>
+    </dgm:pt>
+    <dgm:pt modelId="{A7ABADE7-8AA8-4565-90D6-E7AFB693D143}">
+      <dgm:prSet/>
+      <dgm:spPr/>
+      <dgm:t>
+        <a:bodyPr/>
+        <a:lstStyle/>
+        <a:p>
+          <a:pPr>
+            <a:lnSpc>
+              <a:spcPct val="100000"/>
+            </a:lnSpc>
+            <a:defRPr cap="all"/>
+          </a:pPr>
+          <a:r>
+            <a:rPr lang="en-US"/>
+            <a:t>Apply visualization and predictive models to help generate actionable insight.</a:t>
+          </a:r>
+        </a:p>
+      </dgm:t>
+    </dgm:pt>
+    <dgm:pt modelId="{5241EB22-5079-44B0-A276-EC76A5745A9F}" type="parTrans" cxnId="{C5872B98-FB69-4CA6-85CB-4122E3AC9BBC}">
+      <dgm:prSet/>
+      <dgm:spPr/>
+      <dgm:t>
+        <a:bodyPr/>
+        <a:lstStyle/>
+        <a:p>
+          <a:endParaRPr lang="en-US"/>
+        </a:p>
+      </dgm:t>
+    </dgm:pt>
+    <dgm:pt modelId="{0C8CE3C4-0DD3-4F6A-9960-84D5D2DE7BDA}" type="sibTrans" cxnId="{C5872B98-FB69-4CA6-85CB-4122E3AC9BBC}">
+      <dgm:prSet/>
+      <dgm:spPr/>
+      <dgm:t>
+        <a:bodyPr/>
+        <a:lstStyle/>
+        <a:p>
+          <a:endParaRPr lang="en-US"/>
+        </a:p>
+      </dgm:t>
+    </dgm:pt>
+    <dgm:pt modelId="{B2D70FBC-D859-4BD0-920B-FD24DF65A5B9}">
+      <dgm:prSet/>
+      <dgm:spPr/>
+      <dgm:t>
+        <a:bodyPr/>
+        <a:lstStyle/>
+        <a:p>
+          <a:pPr>
+            <a:lnSpc>
+              <a:spcPct val="100000"/>
+            </a:lnSpc>
+            <a:defRPr cap="all"/>
+          </a:pPr>
+          <a:r>
+            <a:rPr lang="en-US"/>
+            <a:t>Communicate insights gained via visualization and analytics to a broad range of audiences (including project sponsors and technical team leads).</a:t>
+          </a:r>
+        </a:p>
+      </dgm:t>
+    </dgm:pt>
+    <dgm:pt modelId="{A25C1BAF-6BAA-4058-B046-26C28B4999EB}" type="parTrans" cxnId="{9273A19B-F3D1-43FC-A997-9D3E7A5B652C}">
+      <dgm:prSet/>
+      <dgm:spPr/>
+      <dgm:t>
+        <a:bodyPr/>
+        <a:lstStyle/>
+        <a:p>
+          <a:endParaRPr lang="en-US"/>
+        </a:p>
+      </dgm:t>
+    </dgm:pt>
+    <dgm:pt modelId="{C3BE35E1-F117-4498-9581-DE942171DE82}" type="sibTrans" cxnId="{9273A19B-F3D1-43FC-A997-9D3E7A5B652C}">
+      <dgm:prSet/>
+      <dgm:spPr/>
+      <dgm:t>
+        <a:bodyPr/>
+        <a:lstStyle/>
+        <a:p>
+          <a:endParaRPr lang="en-US"/>
+        </a:p>
+      </dgm:t>
+    </dgm:pt>
+    <dgm:pt modelId="{054C9B9F-5D45-4762-A026-CA83BAFA16D2}">
+      <dgm:prSet/>
+      <dgm:spPr/>
+      <dgm:t>
+        <a:bodyPr/>
+        <a:lstStyle/>
+        <a:p>
+          <a:pPr>
+            <a:lnSpc>
+              <a:spcPct val="100000"/>
+            </a:lnSpc>
+            <a:defRPr cap="all"/>
+          </a:pPr>
+          <a:r>
+            <a:rPr lang="en-US"/>
+            <a:t>Apply ethics in the development, use, and evaluation of data and predictive models (e.g., fairness, bias, transparency, privacy)</a:t>
+          </a:r>
+        </a:p>
+      </dgm:t>
+    </dgm:pt>
+    <dgm:pt modelId="{C5C7C719-5DEA-4377-A1DD-74121899966F}" type="parTrans" cxnId="{032350D2-B2A0-4A35-A5C7-BCCC7D8AA800}">
+      <dgm:prSet/>
+      <dgm:spPr/>
+      <dgm:t>
+        <a:bodyPr/>
+        <a:lstStyle/>
+        <a:p>
+          <a:endParaRPr lang="en-US"/>
+        </a:p>
+      </dgm:t>
+    </dgm:pt>
+    <dgm:pt modelId="{78C75648-7200-4D6C-BC79-AFEC087C0F9D}" type="sibTrans" cxnId="{032350D2-B2A0-4A35-A5C7-BCCC7D8AA800}">
+      <dgm:prSet/>
+      <dgm:spPr/>
+      <dgm:t>
+        <a:bodyPr/>
+        <a:lstStyle/>
+        <a:p>
+          <a:endParaRPr lang="en-US"/>
+        </a:p>
+      </dgm:t>
+    </dgm:pt>
+    <dgm:pt modelId="{A5133E13-9723-4B3A-8CDC-0D4FD27D7896}">
+      <dgm:prSet/>
+      <dgm:spPr/>
+      <dgm:t>
+        <a:bodyPr/>
+        <a:lstStyle/>
+        <a:p>
+          <a:pPr>
+            <a:lnSpc>
+              <a:spcPct val="100000"/>
+            </a:lnSpc>
+            <a:defRPr cap="all"/>
+          </a:pPr>
+          <a:r>
+            <a:rPr lang="en-US" dirty="0"/>
+            <a:t>Use programming languages such as R and Python to support the generation of actionable insights</a:t>
+          </a:r>
+        </a:p>
+      </dgm:t>
+    </dgm:pt>
+    <dgm:pt modelId="{08A3A1A8-B826-41F7-8144-DA12B2EB5DE9}" type="parTrans" cxnId="{350AA149-CA99-4772-9152-34136949F0DA}">
+      <dgm:prSet/>
+      <dgm:spPr/>
+      <dgm:t>
+        <a:bodyPr/>
+        <a:lstStyle/>
+        <a:p>
+          <a:endParaRPr lang="en-US"/>
+        </a:p>
+      </dgm:t>
+    </dgm:pt>
+    <dgm:pt modelId="{E93F3CD6-67B6-4F7B-8886-D83E92C405F5}" type="sibTrans" cxnId="{350AA149-CA99-4772-9152-34136949F0DA}">
+      <dgm:prSet/>
+      <dgm:spPr/>
+      <dgm:t>
+        <a:bodyPr/>
+        <a:lstStyle/>
+        <a:p>
+          <a:endParaRPr lang="en-US"/>
+        </a:p>
+      </dgm:t>
+    </dgm:pt>
+    <dgm:pt modelId="{A6C2D894-79CB-4ECF-85E3-386E783E6E0F}" type="pres">
+      <dgm:prSet presAssocID="{7FCF141B-948B-4D9E-B1B7-0F000BD70582}" presName="root" presStyleCnt="0">
+        <dgm:presLayoutVars>
+          <dgm:dir/>
+          <dgm:resizeHandles val="exact"/>
+        </dgm:presLayoutVars>
+      </dgm:prSet>
+      <dgm:spPr/>
+    </dgm:pt>
+    <dgm:pt modelId="{24B9DE73-B383-40FF-B1B5-6F3061767911}" type="pres">
+      <dgm:prSet presAssocID="{E63A668F-01EB-413D-B9A5-64CC06E3E245}" presName="compNode" presStyleCnt="0"/>
+      <dgm:spPr/>
+    </dgm:pt>
+    <dgm:pt modelId="{EE26346F-98E8-49F1-B2E4-5C940A1E1B10}" type="pres">
+      <dgm:prSet presAssocID="{E63A668F-01EB-413D-B9A5-64CC06E3E245}" presName="iconBgRect" presStyleLbl="bgShp" presStyleIdx="0" presStyleCnt="6"/>
+      <dgm:spPr>
+        <a:prstGeom prst="round2DiagRect">
+          <a:avLst>
+            <a:gd name="adj1" fmla="val 29727"/>
+            <a:gd name="adj2" fmla="val 0"/>
+          </a:avLst>
+        </a:prstGeom>
+      </dgm:spPr>
+    </dgm:pt>
+    <dgm:pt modelId="{ECF4A8E1-9646-44DB-92B4-AD8B007A335B}" type="pres">
+      <dgm:prSet presAssocID="{E63A668F-01EB-413D-B9A5-64CC06E3E245}" presName="iconRect" presStyleLbl="node1" presStyleIdx="0" presStyleCnt="6"/>
+      <dgm:spPr>
+        <a:blipFill>
+          <a:blip xmlns:r="http://schemas.openxmlformats.org/officeDocument/2006/relationships" r:embed="rId1">
+            <a:extLst>
+              <a:ext uri="{28A0092B-C50C-407E-A947-70E740481C1C}">
+                <a14:useLocalDpi xmlns:a14="http://schemas.microsoft.com/office/drawing/2010/main" val="0"/>
+              </a:ext>
+              <a:ext uri="{96DAC541-7B7A-43D3-8B79-37D633B846F1}">
+                <asvg:svgBlip xmlns:asvg="http://schemas.microsoft.com/office/drawing/2016/SVG/main" r:embed="rId2"/>
+              </a:ext>
+            </a:extLst>
+          </a:blip>
+          <a:stretch>
+            <a:fillRect/>
+          </a:stretch>
+        </a:blipFill>
+        <a:ln>
+          <a:noFill/>
+        </a:ln>
+      </dgm:spPr>
+      <dgm:extLst>
+        <a:ext uri="{E40237B7-FDA0-4F09-8148-C483321AD2D9}">
+          <dgm14:cNvPr xmlns:dgm14="http://schemas.microsoft.com/office/drawing/2010/diagram" id="0" name="" descr="Saw blade"/>
+        </a:ext>
+      </dgm:extLst>
+    </dgm:pt>
+    <dgm:pt modelId="{F718216D-9D50-4FFA-ADBC-8ACDD2F3911D}" type="pres">
+      <dgm:prSet presAssocID="{E63A668F-01EB-413D-B9A5-64CC06E3E245}" presName="spaceRect" presStyleCnt="0"/>
+      <dgm:spPr/>
+    </dgm:pt>
+    <dgm:pt modelId="{EF67B9E4-03E7-4714-BBE6-610AD7B91983}" type="pres">
+      <dgm:prSet presAssocID="{E63A668F-01EB-413D-B9A5-64CC06E3E245}" presName="textRect" presStyleLbl="revTx" presStyleIdx="0" presStyleCnt="6">
+        <dgm:presLayoutVars>
+          <dgm:chMax val="1"/>
+          <dgm:chPref val="1"/>
+        </dgm:presLayoutVars>
+      </dgm:prSet>
+      <dgm:spPr/>
+    </dgm:pt>
+    <dgm:pt modelId="{3E3DDC45-BFE8-4D96-A820-30BDFDC701AD}" type="pres">
+      <dgm:prSet presAssocID="{AF254C3A-D574-4CED-B717-F3334F01E15A}" presName="sibTrans" presStyleCnt="0"/>
+      <dgm:spPr/>
+    </dgm:pt>
+    <dgm:pt modelId="{372EFA74-E02F-4F13-9BA4-10F8D5249765}" type="pres">
+      <dgm:prSet presAssocID="{965EF788-C557-4848-9F4D-FB330BFCA510}" presName="compNode" presStyleCnt="0"/>
+      <dgm:spPr/>
+    </dgm:pt>
+    <dgm:pt modelId="{83942952-D9F4-4D6F-BD3F-F240983DE59F}" type="pres">
+      <dgm:prSet presAssocID="{965EF788-C557-4848-9F4D-FB330BFCA510}" presName="iconBgRect" presStyleLbl="bgShp" presStyleIdx="1" presStyleCnt="6"/>
+      <dgm:spPr>
+        <a:prstGeom prst="round2DiagRect">
+          <a:avLst>
+            <a:gd name="adj1" fmla="val 29727"/>
+            <a:gd name="adj2" fmla="val 0"/>
+          </a:avLst>
+        </a:prstGeom>
+      </dgm:spPr>
+    </dgm:pt>
+    <dgm:pt modelId="{3BD1005A-0ECD-4733-BE10-2ABB271789B7}" type="pres">
+      <dgm:prSet presAssocID="{965EF788-C557-4848-9F4D-FB330BFCA510}" presName="iconRect" presStyleLbl="node1" presStyleIdx="1" presStyleCnt="6"/>
+      <dgm:spPr>
+        <a:blipFill>
+          <a:blip xmlns:r="http://schemas.openxmlformats.org/officeDocument/2006/relationships" r:embed="rId3">
+            <a:extLst>
+              <a:ext uri="{28A0092B-C50C-407E-A947-70E740481C1C}">
+                <a14:useLocalDpi xmlns:a14="http://schemas.microsoft.com/office/drawing/2010/main" val="0"/>
+              </a:ext>
+              <a:ext uri="{96DAC541-7B7A-43D3-8B79-37D633B846F1}">
+                <asvg:svgBlip xmlns:asvg="http://schemas.microsoft.com/office/drawing/2016/SVG/main" r:embed="rId4"/>
+              </a:ext>
+            </a:extLst>
+          </a:blip>
+          <a:stretch>
+            <a:fillRect/>
+          </a:stretch>
+        </a:blipFill>
+        <a:ln>
+          <a:noFill/>
+        </a:ln>
+      </dgm:spPr>
+      <dgm:extLst>
+        <a:ext uri="{E40237B7-FDA0-4F09-8148-C483321AD2D9}">
+          <dgm14:cNvPr xmlns:dgm14="http://schemas.microsoft.com/office/drawing/2010/diagram" id="0" name="" descr="Bank"/>
+        </a:ext>
+      </dgm:extLst>
+    </dgm:pt>
+    <dgm:pt modelId="{6F7E9088-1610-4798-BA5D-3E9760DBBEDD}" type="pres">
+      <dgm:prSet presAssocID="{965EF788-C557-4848-9F4D-FB330BFCA510}" presName="spaceRect" presStyleCnt="0"/>
+      <dgm:spPr/>
+    </dgm:pt>
+    <dgm:pt modelId="{820EDD29-F6AE-47A7-85E1-6BCD8A52C3D0}" type="pres">
+      <dgm:prSet presAssocID="{965EF788-C557-4848-9F4D-FB330BFCA510}" presName="textRect" presStyleLbl="revTx" presStyleIdx="1" presStyleCnt="6">
+        <dgm:presLayoutVars>
+          <dgm:chMax val="1"/>
+          <dgm:chPref val="1"/>
+        </dgm:presLayoutVars>
+      </dgm:prSet>
+      <dgm:spPr/>
+    </dgm:pt>
+    <dgm:pt modelId="{B452783E-B9C4-4623-B849-B6F724C0B50C}" type="pres">
+      <dgm:prSet presAssocID="{DCED030E-04AC-4749-A5C2-F52474E2DF61}" presName="sibTrans" presStyleCnt="0"/>
+      <dgm:spPr/>
+    </dgm:pt>
+    <dgm:pt modelId="{4C3E7177-6D33-433E-B89F-0532465DCB6E}" type="pres">
+      <dgm:prSet presAssocID="{A7ABADE7-8AA8-4565-90D6-E7AFB693D143}" presName="compNode" presStyleCnt="0"/>
+      <dgm:spPr/>
+    </dgm:pt>
+    <dgm:pt modelId="{91707812-EFF6-48AE-81C0-4A863C6990D6}" type="pres">
+      <dgm:prSet presAssocID="{A7ABADE7-8AA8-4565-90D6-E7AFB693D143}" presName="iconBgRect" presStyleLbl="bgShp" presStyleIdx="2" presStyleCnt="6"/>
+      <dgm:spPr>
+        <a:prstGeom prst="round2DiagRect">
+          <a:avLst>
+            <a:gd name="adj1" fmla="val 29727"/>
+            <a:gd name="adj2" fmla="val 0"/>
+          </a:avLst>
+        </a:prstGeom>
+      </dgm:spPr>
+    </dgm:pt>
+    <dgm:pt modelId="{3495CAF9-D72F-4EDE-A5B9-A12BF13044DD}" type="pres">
+      <dgm:prSet presAssocID="{A7ABADE7-8AA8-4565-90D6-E7AFB693D143}" presName="iconRect" presStyleLbl="node1" presStyleIdx="2" presStyleCnt="6"/>
+      <dgm:spPr>
+        <a:blipFill>
+          <a:blip xmlns:r="http://schemas.openxmlformats.org/officeDocument/2006/relationships" r:embed="rId5">
+            <a:extLst>
+              <a:ext uri="{28A0092B-C50C-407E-A947-70E740481C1C}">
+                <a14:useLocalDpi xmlns:a14="http://schemas.microsoft.com/office/drawing/2010/main" val="0"/>
+              </a:ext>
+              <a:ext uri="{96DAC541-7B7A-43D3-8B79-37D633B846F1}">
+                <asvg:svgBlip xmlns:asvg="http://schemas.microsoft.com/office/drawing/2016/SVG/main" r:embed="rId6"/>
+              </a:ext>
+            </a:extLst>
+          </a:blip>
+          <a:stretch>
+            <a:fillRect/>
+          </a:stretch>
+        </a:blipFill>
+        <a:ln>
+          <a:noFill/>
+        </a:ln>
+      </dgm:spPr>
+      <dgm:extLst>
+        <a:ext uri="{E40237B7-FDA0-4F09-8148-C483321AD2D9}">
+          <dgm14:cNvPr xmlns:dgm14="http://schemas.microsoft.com/office/drawing/2010/diagram" id="0" name="" descr="Statistics"/>
+        </a:ext>
+      </dgm:extLst>
+    </dgm:pt>
+    <dgm:pt modelId="{5F28B5C8-1BED-4B2C-B572-F9402DD7B8CE}" type="pres">
+      <dgm:prSet presAssocID="{A7ABADE7-8AA8-4565-90D6-E7AFB693D143}" presName="spaceRect" presStyleCnt="0"/>
+      <dgm:spPr/>
+    </dgm:pt>
+    <dgm:pt modelId="{BE0FD4E3-0BA5-4AF6-B76B-568FAD917921}" type="pres">
+      <dgm:prSet presAssocID="{A7ABADE7-8AA8-4565-90D6-E7AFB693D143}" presName="textRect" presStyleLbl="revTx" presStyleIdx="2" presStyleCnt="6">
+        <dgm:presLayoutVars>
+          <dgm:chMax val="1"/>
+          <dgm:chPref val="1"/>
+        </dgm:presLayoutVars>
+      </dgm:prSet>
+      <dgm:spPr/>
+    </dgm:pt>
+    <dgm:pt modelId="{33D52AD3-BED0-4FF3-BED8-5557C61BE01E}" type="pres">
+      <dgm:prSet presAssocID="{0C8CE3C4-0DD3-4F6A-9960-84D5D2DE7BDA}" presName="sibTrans" presStyleCnt="0"/>
+      <dgm:spPr/>
+    </dgm:pt>
+    <dgm:pt modelId="{6E501717-378A-4013-BDD6-7122B265A3F1}" type="pres">
+      <dgm:prSet presAssocID="{A5133E13-9723-4B3A-8CDC-0D4FD27D7896}" presName="compNode" presStyleCnt="0"/>
+      <dgm:spPr/>
+    </dgm:pt>
+    <dgm:pt modelId="{57011BFE-1B8F-4F10-AA07-D5385794A2D8}" type="pres">
+      <dgm:prSet presAssocID="{A5133E13-9723-4B3A-8CDC-0D4FD27D7896}" presName="iconBgRect" presStyleLbl="bgShp" presStyleIdx="3" presStyleCnt="6"/>
+      <dgm:spPr>
+        <a:prstGeom prst="round2DiagRect">
+          <a:avLst>
+            <a:gd name="adj1" fmla="val 29727"/>
+            <a:gd name="adj2" fmla="val 0"/>
+          </a:avLst>
+        </a:prstGeom>
+      </dgm:spPr>
+    </dgm:pt>
+    <dgm:pt modelId="{CE6A5775-7861-4969-B3D6-A4EB673F2AF8}" type="pres">
+      <dgm:prSet presAssocID="{A5133E13-9723-4B3A-8CDC-0D4FD27D7896}" presName="iconRect" presStyleLbl="node1" presStyleIdx="3" presStyleCnt="6"/>
+      <dgm:spPr>
+        <a:blipFill>
+          <a:blip xmlns:r="http://schemas.openxmlformats.org/officeDocument/2006/relationships" r:embed="rId7">
+            <a:extLst>
+              <a:ext uri="{28A0092B-C50C-407E-A947-70E740481C1C}">
+                <a14:useLocalDpi xmlns:a14="http://schemas.microsoft.com/office/drawing/2010/main" val="0"/>
+              </a:ext>
+              <a:ext uri="{96DAC541-7B7A-43D3-8B79-37D633B846F1}">
+                <asvg:svgBlip xmlns:asvg="http://schemas.microsoft.com/office/drawing/2016/SVG/main" r:embed="rId8"/>
+              </a:ext>
+            </a:extLst>
+          </a:blip>
+          <a:stretch>
+            <a:fillRect/>
+          </a:stretch>
+        </a:blipFill>
+        <a:ln>
+          <a:noFill/>
+        </a:ln>
+      </dgm:spPr>
+      <dgm:extLst>
+        <a:ext uri="{E40237B7-FDA0-4F09-8148-C483321AD2D9}">
+          <dgm14:cNvPr xmlns:dgm14="http://schemas.microsoft.com/office/drawing/2010/diagram" id="0" name="" descr="Marketing"/>
+        </a:ext>
+      </dgm:extLst>
+    </dgm:pt>
+    <dgm:pt modelId="{0B2488C2-29DE-4AF2-9F17-CAABDAAAB666}" type="pres">
+      <dgm:prSet presAssocID="{A5133E13-9723-4B3A-8CDC-0D4FD27D7896}" presName="spaceRect" presStyleCnt="0"/>
+      <dgm:spPr/>
+    </dgm:pt>
+    <dgm:pt modelId="{D37BCC5F-DD16-463B-A32D-773C8FAC62FD}" type="pres">
+      <dgm:prSet presAssocID="{A5133E13-9723-4B3A-8CDC-0D4FD27D7896}" presName="textRect" presStyleLbl="revTx" presStyleIdx="3" presStyleCnt="6">
+        <dgm:presLayoutVars>
+          <dgm:chMax val="1"/>
+          <dgm:chPref val="1"/>
+        </dgm:presLayoutVars>
+      </dgm:prSet>
+      <dgm:spPr/>
+    </dgm:pt>
+    <dgm:pt modelId="{7519B0F1-A5DB-4123-9551-9ED9965609B5}" type="pres">
+      <dgm:prSet presAssocID="{E93F3CD6-67B6-4F7B-8886-D83E92C405F5}" presName="sibTrans" presStyleCnt="0"/>
+      <dgm:spPr/>
+    </dgm:pt>
+    <dgm:pt modelId="{82FADB89-E649-4AF5-AB5C-55DF1AD2441B}" type="pres">
+      <dgm:prSet presAssocID="{B2D70FBC-D859-4BD0-920B-FD24DF65A5B9}" presName="compNode" presStyleCnt="0"/>
+      <dgm:spPr/>
+    </dgm:pt>
+    <dgm:pt modelId="{4849E313-A130-4314-8ECB-BB0D8AA37EFA}" type="pres">
+      <dgm:prSet presAssocID="{B2D70FBC-D859-4BD0-920B-FD24DF65A5B9}" presName="iconBgRect" presStyleLbl="bgShp" presStyleIdx="4" presStyleCnt="6"/>
+      <dgm:spPr>
+        <a:prstGeom prst="round2DiagRect">
+          <a:avLst>
+            <a:gd name="adj1" fmla="val 29727"/>
+            <a:gd name="adj2" fmla="val 0"/>
+          </a:avLst>
+        </a:prstGeom>
+      </dgm:spPr>
+    </dgm:pt>
+    <dgm:pt modelId="{7C6F7636-253A-444A-B130-9688995CC9C1}" type="pres">
+      <dgm:prSet presAssocID="{B2D70FBC-D859-4BD0-920B-FD24DF65A5B9}" presName="iconRect" presStyleLbl="node1" presStyleIdx="4" presStyleCnt="6"/>
+      <dgm:spPr>
+        <a:blipFill>
+          <a:blip xmlns:r="http://schemas.openxmlformats.org/officeDocument/2006/relationships" r:embed="rId9">
+            <a:extLst>
+              <a:ext uri="{28A0092B-C50C-407E-A947-70E740481C1C}">
+                <a14:useLocalDpi xmlns:a14="http://schemas.microsoft.com/office/drawing/2010/main" val="0"/>
+              </a:ext>
+              <a:ext uri="{96DAC541-7B7A-43D3-8B79-37D633B846F1}">
+                <asvg:svgBlip xmlns:asvg="http://schemas.microsoft.com/office/drawing/2016/SVG/main" r:embed="rId10"/>
+              </a:ext>
+            </a:extLst>
+          </a:blip>
+          <a:stretch>
+            <a:fillRect/>
+          </a:stretch>
+        </a:blipFill>
+        <a:ln>
+          <a:noFill/>
+        </a:ln>
+      </dgm:spPr>
+      <dgm:extLst>
+        <a:ext uri="{E40237B7-FDA0-4F09-8148-C483321AD2D9}">
+          <dgm14:cNvPr xmlns:dgm14="http://schemas.microsoft.com/office/drawing/2010/diagram" id="0" name="" descr="Person with Idea"/>
+        </a:ext>
+      </dgm:extLst>
+    </dgm:pt>
+    <dgm:pt modelId="{2D4D9323-AEA7-4813-A36B-9769D3F4902E}" type="pres">
+      <dgm:prSet presAssocID="{B2D70FBC-D859-4BD0-920B-FD24DF65A5B9}" presName="spaceRect" presStyleCnt="0"/>
+      <dgm:spPr/>
+    </dgm:pt>
+    <dgm:pt modelId="{FB044AFB-5B48-4178-982E-62E573CEFED3}" type="pres">
+      <dgm:prSet presAssocID="{B2D70FBC-D859-4BD0-920B-FD24DF65A5B9}" presName="textRect" presStyleLbl="revTx" presStyleIdx="4" presStyleCnt="6">
+        <dgm:presLayoutVars>
+          <dgm:chMax val="1"/>
+          <dgm:chPref val="1"/>
+        </dgm:presLayoutVars>
+      </dgm:prSet>
+      <dgm:spPr/>
+    </dgm:pt>
+    <dgm:pt modelId="{7E1612CA-DB7B-4F7F-84F4-AE2B6F8C5DA5}" type="pres">
+      <dgm:prSet presAssocID="{C3BE35E1-F117-4498-9581-DE942171DE82}" presName="sibTrans" presStyleCnt="0"/>
+      <dgm:spPr/>
+    </dgm:pt>
+    <dgm:pt modelId="{DDC488B2-B613-4315-B17D-2D758D83592A}" type="pres">
+      <dgm:prSet presAssocID="{054C9B9F-5D45-4762-A026-CA83BAFA16D2}" presName="compNode" presStyleCnt="0"/>
+      <dgm:spPr/>
+    </dgm:pt>
+    <dgm:pt modelId="{95922D58-040F-41DB-8071-33AECE91DD0D}" type="pres">
+      <dgm:prSet presAssocID="{054C9B9F-5D45-4762-A026-CA83BAFA16D2}" presName="iconBgRect" presStyleLbl="bgShp" presStyleIdx="5" presStyleCnt="6"/>
+      <dgm:spPr>
+        <a:prstGeom prst="round2DiagRect">
+          <a:avLst>
+            <a:gd name="adj1" fmla="val 29727"/>
+            <a:gd name="adj2" fmla="val 0"/>
+          </a:avLst>
+        </a:prstGeom>
+      </dgm:spPr>
+    </dgm:pt>
+    <dgm:pt modelId="{6FE46406-FF02-4172-93AC-9DFD036B8E56}" type="pres">
+      <dgm:prSet presAssocID="{054C9B9F-5D45-4762-A026-CA83BAFA16D2}" presName="iconRect" presStyleLbl="node1" presStyleIdx="5" presStyleCnt="6"/>
+      <dgm:spPr>
+        <a:blipFill>
+          <a:blip xmlns:r="http://schemas.openxmlformats.org/officeDocument/2006/relationships" r:embed="rId11">
+            <a:extLst>
+              <a:ext uri="{28A0092B-C50C-407E-A947-70E740481C1C}">
+                <a14:useLocalDpi xmlns:a14="http://schemas.microsoft.com/office/drawing/2010/main" val="0"/>
+              </a:ext>
+              <a:ext uri="{96DAC541-7B7A-43D3-8B79-37D633B846F1}">
+                <asvg:svgBlip xmlns:asvg="http://schemas.microsoft.com/office/drawing/2016/SVG/main" r:embed="rId12"/>
+              </a:ext>
+            </a:extLst>
+          </a:blip>
+          <a:stretch>
+            <a:fillRect/>
+          </a:stretch>
+        </a:blipFill>
+        <a:ln>
+          <a:noFill/>
+        </a:ln>
+      </dgm:spPr>
+      <dgm:extLst>
+        <a:ext uri="{E40237B7-FDA0-4F09-8148-C483321AD2D9}">
+          <dgm14:cNvPr xmlns:dgm14="http://schemas.microsoft.com/office/drawing/2010/diagram" id="0" name="" descr="Processor"/>
+        </a:ext>
+      </dgm:extLst>
+    </dgm:pt>
+    <dgm:pt modelId="{43695BD4-5D91-45B4-AC86-82B1C28037C8}" type="pres">
+      <dgm:prSet presAssocID="{054C9B9F-5D45-4762-A026-CA83BAFA16D2}" presName="spaceRect" presStyleCnt="0"/>
+      <dgm:spPr/>
+    </dgm:pt>
+    <dgm:pt modelId="{E83F4DCA-7102-4757-B715-BB33849D8441}" type="pres">
+      <dgm:prSet presAssocID="{054C9B9F-5D45-4762-A026-CA83BAFA16D2}" presName="textRect" presStyleLbl="revTx" presStyleIdx="5" presStyleCnt="6">
+        <dgm:presLayoutVars>
+          <dgm:chMax val="1"/>
+          <dgm:chPref val="1"/>
+        </dgm:presLayoutVars>
+      </dgm:prSet>
+      <dgm:spPr/>
+    </dgm:pt>
+  </dgm:ptLst>
+  <dgm:cxnLst>
+    <dgm:cxn modelId="{B9156F0C-DDCD-4749-BC37-AF6C78A7F6A6}" srcId="{7FCF141B-948B-4D9E-B1B7-0F000BD70582}" destId="{E63A668F-01EB-413D-B9A5-64CC06E3E245}" srcOrd="0" destOrd="0" parTransId="{5C032A88-1925-4ADE-9DB7-4A0C342E6EDB}" sibTransId="{AF254C3A-D574-4CED-B717-F3334F01E15A}"/>
+    <dgm:cxn modelId="{D7101B3C-6666-45AF-9BF0-7B129E8245C5}" type="presOf" srcId="{054C9B9F-5D45-4762-A026-CA83BAFA16D2}" destId="{E83F4DCA-7102-4757-B715-BB33849D8441}" srcOrd="0" destOrd="0" presId="urn:microsoft.com/office/officeart/2018/5/layout/IconLeafLabelList"/>
+    <dgm:cxn modelId="{350AA149-CA99-4772-9152-34136949F0DA}" srcId="{7FCF141B-948B-4D9E-B1B7-0F000BD70582}" destId="{A5133E13-9723-4B3A-8CDC-0D4FD27D7896}" srcOrd="3" destOrd="0" parTransId="{08A3A1A8-B826-41F7-8144-DA12B2EB5DE9}" sibTransId="{E93F3CD6-67B6-4F7B-8886-D83E92C405F5}"/>
+    <dgm:cxn modelId="{14C8DB4F-6B1D-4AE2-BD5C-C5B72070F38C}" type="presOf" srcId="{B2D70FBC-D859-4BD0-920B-FD24DF65A5B9}" destId="{FB044AFB-5B48-4178-982E-62E573CEFED3}" srcOrd="0" destOrd="0" presId="urn:microsoft.com/office/officeart/2018/5/layout/IconLeafLabelList"/>
+    <dgm:cxn modelId="{2944BD57-B067-4CAF-B0BC-49B9BB08A435}" type="presOf" srcId="{E63A668F-01EB-413D-B9A5-64CC06E3E245}" destId="{EF67B9E4-03E7-4714-BBE6-610AD7B91983}" srcOrd="0" destOrd="0" presId="urn:microsoft.com/office/officeart/2018/5/layout/IconLeafLabelList"/>
+    <dgm:cxn modelId="{18FEDA5A-2B32-4D94-90B8-F2421F78F457}" type="presOf" srcId="{A5133E13-9723-4B3A-8CDC-0D4FD27D7896}" destId="{D37BCC5F-DD16-463B-A32D-773C8FAC62FD}" srcOrd="0" destOrd="0" presId="urn:microsoft.com/office/officeart/2018/5/layout/IconLeafLabelList"/>
+    <dgm:cxn modelId="{AE1E8495-E93C-4160-AC2E-105703BC1743}" srcId="{7FCF141B-948B-4D9E-B1B7-0F000BD70582}" destId="{965EF788-C557-4848-9F4D-FB330BFCA510}" srcOrd="1" destOrd="0" parTransId="{228D1E66-620A-47BD-9C28-BFC0988A8FE9}" sibTransId="{DCED030E-04AC-4749-A5C2-F52474E2DF61}"/>
+    <dgm:cxn modelId="{C5872B98-FB69-4CA6-85CB-4122E3AC9BBC}" srcId="{7FCF141B-948B-4D9E-B1B7-0F000BD70582}" destId="{A7ABADE7-8AA8-4565-90D6-E7AFB693D143}" srcOrd="2" destOrd="0" parTransId="{5241EB22-5079-44B0-A276-EC76A5745A9F}" sibTransId="{0C8CE3C4-0DD3-4F6A-9960-84D5D2DE7BDA}"/>
+    <dgm:cxn modelId="{9273A19B-F3D1-43FC-A997-9D3E7A5B652C}" srcId="{7FCF141B-948B-4D9E-B1B7-0F000BD70582}" destId="{B2D70FBC-D859-4BD0-920B-FD24DF65A5B9}" srcOrd="4" destOrd="0" parTransId="{A25C1BAF-6BAA-4058-B046-26C28B4999EB}" sibTransId="{C3BE35E1-F117-4498-9581-DE942171DE82}"/>
+    <dgm:cxn modelId="{695F2FCE-AE47-4E37-A5F6-2458219E1689}" type="presOf" srcId="{7FCF141B-948B-4D9E-B1B7-0F000BD70582}" destId="{A6C2D894-79CB-4ECF-85E3-386E783E6E0F}" srcOrd="0" destOrd="0" presId="urn:microsoft.com/office/officeart/2018/5/layout/IconLeafLabelList"/>
+    <dgm:cxn modelId="{032350D2-B2A0-4A35-A5C7-BCCC7D8AA800}" srcId="{7FCF141B-948B-4D9E-B1B7-0F000BD70582}" destId="{054C9B9F-5D45-4762-A026-CA83BAFA16D2}" srcOrd="5" destOrd="0" parTransId="{C5C7C719-5DEA-4377-A1DD-74121899966F}" sibTransId="{78C75648-7200-4D6C-BC79-AFEC087C0F9D}"/>
+    <dgm:cxn modelId="{1E31DAF4-FB7F-4D9F-A60C-44EF9950E7AB}" type="presOf" srcId="{965EF788-C557-4848-9F4D-FB330BFCA510}" destId="{820EDD29-F6AE-47A7-85E1-6BCD8A52C3D0}" srcOrd="0" destOrd="0" presId="urn:microsoft.com/office/officeart/2018/5/layout/IconLeafLabelList"/>
+    <dgm:cxn modelId="{E5AACFFE-7D02-432B-8728-7A3ADC8064A5}" type="presOf" srcId="{A7ABADE7-8AA8-4565-90D6-E7AFB693D143}" destId="{BE0FD4E3-0BA5-4AF6-B76B-568FAD917921}" srcOrd="0" destOrd="0" presId="urn:microsoft.com/office/officeart/2018/5/layout/IconLeafLabelList"/>
+    <dgm:cxn modelId="{567A965B-92AB-4EF6-A5A9-4C6DD8E0F8A8}" type="presParOf" srcId="{A6C2D894-79CB-4ECF-85E3-386E783E6E0F}" destId="{24B9DE73-B383-40FF-B1B5-6F3061767911}" srcOrd="0" destOrd="0" presId="urn:microsoft.com/office/officeart/2018/5/layout/IconLeafLabelList"/>
+    <dgm:cxn modelId="{9F74AF4F-26CA-481A-934A-ED88B42ADB40}" type="presParOf" srcId="{24B9DE73-B383-40FF-B1B5-6F3061767911}" destId="{EE26346F-98E8-49F1-B2E4-5C940A1E1B10}" srcOrd="0" destOrd="0" presId="urn:microsoft.com/office/officeart/2018/5/layout/IconLeafLabelList"/>
+    <dgm:cxn modelId="{7EFF13F5-7A82-441D-9552-490FBBE039B0}" type="presParOf" srcId="{24B9DE73-B383-40FF-B1B5-6F3061767911}" destId="{ECF4A8E1-9646-44DB-92B4-AD8B007A335B}" srcOrd="1" destOrd="0" presId="urn:microsoft.com/office/officeart/2018/5/layout/IconLeafLabelList"/>
+    <dgm:cxn modelId="{0E7FC2F0-D956-4842-A471-B595880DA07D}" type="presParOf" srcId="{24B9DE73-B383-40FF-B1B5-6F3061767911}" destId="{F718216D-9D50-4FFA-ADBC-8ACDD2F3911D}" srcOrd="2" destOrd="0" presId="urn:microsoft.com/office/officeart/2018/5/layout/IconLeafLabelList"/>
+    <dgm:cxn modelId="{57A73418-2AB0-4643-9EE8-DEE351C95B13}" type="presParOf" srcId="{24B9DE73-B383-40FF-B1B5-6F3061767911}" destId="{EF67B9E4-03E7-4714-BBE6-610AD7B91983}" srcOrd="3" destOrd="0" presId="urn:microsoft.com/office/officeart/2018/5/layout/IconLeafLabelList"/>
+    <dgm:cxn modelId="{3A40FD57-8669-48BE-8C35-CB27C3434B9A}" type="presParOf" srcId="{A6C2D894-79CB-4ECF-85E3-386E783E6E0F}" destId="{3E3DDC45-BFE8-4D96-A820-30BDFDC701AD}" srcOrd="1" destOrd="0" presId="urn:microsoft.com/office/officeart/2018/5/layout/IconLeafLabelList"/>
+    <dgm:cxn modelId="{3069D36D-67EB-4051-8F53-36D98716F824}" type="presParOf" srcId="{A6C2D894-79CB-4ECF-85E3-386E783E6E0F}" destId="{372EFA74-E02F-4F13-9BA4-10F8D5249765}" srcOrd="2" destOrd="0" presId="urn:microsoft.com/office/officeart/2018/5/layout/IconLeafLabelList"/>
+    <dgm:cxn modelId="{0B2DB212-657A-4079-9566-C18F939EBC8D}" type="presParOf" srcId="{372EFA74-E02F-4F13-9BA4-10F8D5249765}" destId="{83942952-D9F4-4D6F-BD3F-F240983DE59F}" srcOrd="0" destOrd="0" presId="urn:microsoft.com/office/officeart/2018/5/layout/IconLeafLabelList"/>
+    <dgm:cxn modelId="{D038D2C1-C6C0-47D8-8F9E-898C9C32062C}" type="presParOf" srcId="{372EFA74-E02F-4F13-9BA4-10F8D5249765}" destId="{3BD1005A-0ECD-4733-BE10-2ABB271789B7}" srcOrd="1" destOrd="0" presId="urn:microsoft.com/office/officeart/2018/5/layout/IconLeafLabelList"/>
+    <dgm:cxn modelId="{617A2AF8-CB2A-4DEE-963F-B06B38047AF2}" type="presParOf" srcId="{372EFA74-E02F-4F13-9BA4-10F8D5249765}" destId="{6F7E9088-1610-4798-BA5D-3E9760DBBEDD}" srcOrd="2" destOrd="0" presId="urn:microsoft.com/office/officeart/2018/5/layout/IconLeafLabelList"/>
+    <dgm:cxn modelId="{BD69095C-33CB-4F70-A624-868FDFC3C34D}" type="presParOf" srcId="{372EFA74-E02F-4F13-9BA4-10F8D5249765}" destId="{820EDD29-F6AE-47A7-85E1-6BCD8A52C3D0}" srcOrd="3" destOrd="0" presId="urn:microsoft.com/office/officeart/2018/5/layout/IconLeafLabelList"/>
+    <dgm:cxn modelId="{5FEF1E4E-094C-4B9D-B063-0DD7256CA173}" type="presParOf" srcId="{A6C2D894-79CB-4ECF-85E3-386E783E6E0F}" destId="{B452783E-B9C4-4623-B849-B6F724C0B50C}" srcOrd="3" destOrd="0" presId="urn:microsoft.com/office/officeart/2018/5/layout/IconLeafLabelList"/>
+    <dgm:cxn modelId="{FF240537-1A02-4833-BB41-C573E46DE349}" type="presParOf" srcId="{A6C2D894-79CB-4ECF-85E3-386E783E6E0F}" destId="{4C3E7177-6D33-433E-B89F-0532465DCB6E}" srcOrd="4" destOrd="0" presId="urn:microsoft.com/office/officeart/2018/5/layout/IconLeafLabelList"/>
+    <dgm:cxn modelId="{BC4D44BB-D19D-49D5-BE6B-3D9D1552DBA6}" type="presParOf" srcId="{4C3E7177-6D33-433E-B89F-0532465DCB6E}" destId="{91707812-EFF6-48AE-81C0-4A863C6990D6}" srcOrd="0" destOrd="0" presId="urn:microsoft.com/office/officeart/2018/5/layout/IconLeafLabelList"/>
+    <dgm:cxn modelId="{AB820D86-2A23-435D-BA45-0897D16FDB91}" type="presParOf" srcId="{4C3E7177-6D33-433E-B89F-0532465DCB6E}" destId="{3495CAF9-D72F-4EDE-A5B9-A12BF13044DD}" srcOrd="1" destOrd="0" presId="urn:microsoft.com/office/officeart/2018/5/layout/IconLeafLabelList"/>
+    <dgm:cxn modelId="{9BFDDD52-9EE3-4616-8761-61DA6D7D5DD9}" type="presParOf" srcId="{4C3E7177-6D33-433E-B89F-0532465DCB6E}" destId="{5F28B5C8-1BED-4B2C-B572-F9402DD7B8CE}" srcOrd="2" destOrd="0" presId="urn:microsoft.com/office/officeart/2018/5/layout/IconLeafLabelList"/>
+    <dgm:cxn modelId="{D7E0EF40-5971-4B0A-AF6D-01B0E3FAAB6C}" type="presParOf" srcId="{4C3E7177-6D33-433E-B89F-0532465DCB6E}" destId="{BE0FD4E3-0BA5-4AF6-B76B-568FAD917921}" srcOrd="3" destOrd="0" presId="urn:microsoft.com/office/officeart/2018/5/layout/IconLeafLabelList"/>
+    <dgm:cxn modelId="{5F0968CD-F1AA-479D-9E8E-6184DE2F0B89}" type="presParOf" srcId="{A6C2D894-79CB-4ECF-85E3-386E783E6E0F}" destId="{33D52AD3-BED0-4FF3-BED8-5557C61BE01E}" srcOrd="5" destOrd="0" presId="urn:microsoft.com/office/officeart/2018/5/layout/IconLeafLabelList"/>
+    <dgm:cxn modelId="{37650BF8-8A05-4BEC-82A9-AA51014D8A57}" type="presParOf" srcId="{A6C2D894-79CB-4ECF-85E3-386E783E6E0F}" destId="{6E501717-378A-4013-BDD6-7122B265A3F1}" srcOrd="6" destOrd="0" presId="urn:microsoft.com/office/officeart/2018/5/layout/IconLeafLabelList"/>
+    <dgm:cxn modelId="{72C7A669-67CE-4E77-A07E-333AE5955233}" type="presParOf" srcId="{6E501717-378A-4013-BDD6-7122B265A3F1}" destId="{57011BFE-1B8F-4F10-AA07-D5385794A2D8}" srcOrd="0" destOrd="0" presId="urn:microsoft.com/office/officeart/2018/5/layout/IconLeafLabelList"/>
+    <dgm:cxn modelId="{626BEE56-055D-49BD-ABFE-AD230255FB41}" type="presParOf" srcId="{6E501717-378A-4013-BDD6-7122B265A3F1}" destId="{CE6A5775-7861-4969-B3D6-A4EB673F2AF8}" srcOrd="1" destOrd="0" presId="urn:microsoft.com/office/officeart/2018/5/layout/IconLeafLabelList"/>
+    <dgm:cxn modelId="{B24D7B9B-88EE-4DF1-9FAA-5F91AE6398C3}" type="presParOf" srcId="{6E501717-378A-4013-BDD6-7122B265A3F1}" destId="{0B2488C2-29DE-4AF2-9F17-CAABDAAAB666}" srcOrd="2" destOrd="0" presId="urn:microsoft.com/office/officeart/2018/5/layout/IconLeafLabelList"/>
+    <dgm:cxn modelId="{E779A46E-C77D-4A48-9DE7-5C6745066DF0}" type="presParOf" srcId="{6E501717-378A-4013-BDD6-7122B265A3F1}" destId="{D37BCC5F-DD16-463B-A32D-773C8FAC62FD}" srcOrd="3" destOrd="0" presId="urn:microsoft.com/office/officeart/2018/5/layout/IconLeafLabelList"/>
+    <dgm:cxn modelId="{8FDDC765-ECE3-4C1F-A94B-8BBD73EA78C8}" type="presParOf" srcId="{A6C2D894-79CB-4ECF-85E3-386E783E6E0F}" destId="{7519B0F1-A5DB-4123-9551-9ED9965609B5}" srcOrd="7" destOrd="0" presId="urn:microsoft.com/office/officeart/2018/5/layout/IconLeafLabelList"/>
+    <dgm:cxn modelId="{A6EE03F0-4869-45B8-B8D8-4C29787B5B06}" type="presParOf" srcId="{A6C2D894-79CB-4ECF-85E3-386E783E6E0F}" destId="{82FADB89-E649-4AF5-AB5C-55DF1AD2441B}" srcOrd="8" destOrd="0" presId="urn:microsoft.com/office/officeart/2018/5/layout/IconLeafLabelList"/>
+    <dgm:cxn modelId="{6B69F193-2FDD-4A19-88A1-8914D6C16596}" type="presParOf" srcId="{82FADB89-E649-4AF5-AB5C-55DF1AD2441B}" destId="{4849E313-A130-4314-8ECB-BB0D8AA37EFA}" srcOrd="0" destOrd="0" presId="urn:microsoft.com/office/officeart/2018/5/layout/IconLeafLabelList"/>
+    <dgm:cxn modelId="{240AC7F1-BD5A-4FEA-B3DE-99EFCE7267F9}" type="presParOf" srcId="{82FADB89-E649-4AF5-AB5C-55DF1AD2441B}" destId="{7C6F7636-253A-444A-B130-9688995CC9C1}" srcOrd="1" destOrd="0" presId="urn:microsoft.com/office/officeart/2018/5/layout/IconLeafLabelList"/>
+    <dgm:cxn modelId="{148C0BE2-4E8A-4E2B-A967-F7877D364810}" type="presParOf" srcId="{82FADB89-E649-4AF5-AB5C-55DF1AD2441B}" destId="{2D4D9323-AEA7-4813-A36B-9769D3F4902E}" srcOrd="2" destOrd="0" presId="urn:microsoft.com/office/officeart/2018/5/layout/IconLeafLabelList"/>
+    <dgm:cxn modelId="{388CA186-8850-4C79-AFCF-F9F533561B3D}" type="presParOf" srcId="{82FADB89-E649-4AF5-AB5C-55DF1AD2441B}" destId="{FB044AFB-5B48-4178-982E-62E573CEFED3}" srcOrd="3" destOrd="0" presId="urn:microsoft.com/office/officeart/2018/5/layout/IconLeafLabelList"/>
+    <dgm:cxn modelId="{2E9A7BC8-8592-43FE-9C1F-2E9D50877097}" type="presParOf" srcId="{A6C2D894-79CB-4ECF-85E3-386E783E6E0F}" destId="{7E1612CA-DB7B-4F7F-84F4-AE2B6F8C5DA5}" srcOrd="9" destOrd="0" presId="urn:microsoft.com/office/officeart/2018/5/layout/IconLeafLabelList"/>
+    <dgm:cxn modelId="{2D44BFF8-A156-44A6-99E5-D882D991C269}" type="presParOf" srcId="{A6C2D894-79CB-4ECF-85E3-386E783E6E0F}" destId="{DDC488B2-B613-4315-B17D-2D758D83592A}" srcOrd="10" destOrd="0" presId="urn:microsoft.com/office/officeart/2018/5/layout/IconLeafLabelList"/>
+    <dgm:cxn modelId="{CE61FD2A-A075-47BD-AAE9-700C20C3C79A}" type="presParOf" srcId="{DDC488B2-B613-4315-B17D-2D758D83592A}" destId="{95922D58-040F-41DB-8071-33AECE91DD0D}" srcOrd="0" destOrd="0" presId="urn:microsoft.com/office/officeart/2018/5/layout/IconLeafLabelList"/>
+    <dgm:cxn modelId="{62C710AF-B3C6-4A8E-BE1C-CFAF1AD3AAA0}" type="presParOf" srcId="{DDC488B2-B613-4315-B17D-2D758D83592A}" destId="{6FE46406-FF02-4172-93AC-9DFD036B8E56}" srcOrd="1" destOrd="0" presId="urn:microsoft.com/office/officeart/2018/5/layout/IconLeafLabelList"/>
+    <dgm:cxn modelId="{F07841F3-19AC-4039-8FED-ABDF9D14E88B}" type="presParOf" srcId="{DDC488B2-B613-4315-B17D-2D758D83592A}" destId="{43695BD4-5D91-45B4-AC86-82B1C28037C8}" srcOrd="2" destOrd="0" presId="urn:microsoft.com/office/officeart/2018/5/layout/IconLeafLabelList"/>
+    <dgm:cxn modelId="{A7531575-106F-4194-8B15-FE8EFA73EF04}" type="presParOf" srcId="{DDC488B2-B613-4315-B17D-2D758D83592A}" destId="{E83F4DCA-7102-4757-B715-BB33849D8441}" srcOrd="3" destOrd="0" presId="urn:microsoft.com/office/officeart/2018/5/layout/IconLeafLabelList"/>
+  </dgm:cxnLst>
+  <dgm:bg/>
+  <dgm:whole/>
+  <dgm:extLst>
+    <a:ext uri="http://schemas.microsoft.com/office/drawing/2008/diagram">
+      <dsp:dataModelExt xmlns:dsp="http://schemas.microsoft.com/office/drawing/2008/diagram" relId="rId6" minVer="http://schemas.openxmlformats.org/drawingml/2006/diagram"/>
+    </a:ext>
+  </dgm:extLst>
+</dgm:dataModel>
+</file>
+
 <file path=ppt/diagrams/drawing1.xml><?xml version="1.0" encoding="utf-8"?>
 <dsp:drawing xmlns:dgm="http://schemas.openxmlformats.org/drawingml/2006/diagram" xmlns:dsp="http://schemas.microsoft.com/office/drawing/2008/diagram" xmlns:a="http://schemas.openxmlformats.org/drawingml/2006/main">
   <dsp:spTree>
@@ -5269,7 +6788,7 @@
             <a:defRPr cap="all"/>
           </a:pPr>
           <a:r>
-            <a:rPr lang="en-US" sz="1900" kern="1200"/>
+            <a:rPr lang="en-US" sz="1900" kern="1200" dirty="0"/>
             <a:t>Project Reviews</a:t>
           </a:r>
         </a:p>
@@ -6542,6 +8061,942 @@
 </dsp:drawing>
 </file>
 
+<file path=ppt/diagrams/drawing4.xml><?xml version="1.0" encoding="utf-8"?>
+<dsp:drawing xmlns:dgm="http://schemas.openxmlformats.org/drawingml/2006/diagram" xmlns:dsp="http://schemas.microsoft.com/office/drawing/2008/diagram" xmlns:a="http://schemas.openxmlformats.org/drawingml/2006/main">
+  <dsp:spTree>
+    <dsp:nvGrpSpPr>
+      <dsp:cNvPr id="0" name=""/>
+      <dsp:cNvGrpSpPr/>
+    </dsp:nvGrpSpPr>
+    <dsp:grpSpPr/>
+    <dsp:sp modelId="{EE26346F-98E8-49F1-B2E4-5C940A1E1B10}">
+      <dsp:nvSpPr>
+        <dsp:cNvPr id="0" name=""/>
+        <dsp:cNvSpPr/>
+      </dsp:nvSpPr>
+      <dsp:spPr>
+        <a:xfrm>
+          <a:off x="278293" y="824511"/>
+          <a:ext cx="868535" cy="868535"/>
+        </a:xfrm>
+        <a:prstGeom prst="round2DiagRect">
+          <a:avLst>
+            <a:gd name="adj1" fmla="val 29727"/>
+            <a:gd name="adj2" fmla="val 0"/>
+          </a:avLst>
+        </a:prstGeom>
+        <a:solidFill>
+          <a:schemeClr val="accent2">
+            <a:tint val="40000"/>
+            <a:hueOff val="0"/>
+            <a:satOff val="0"/>
+            <a:lumOff val="0"/>
+            <a:alphaOff val="0"/>
+          </a:schemeClr>
+        </a:solidFill>
+        <a:ln>
+          <a:noFill/>
+        </a:ln>
+        <a:effectLst/>
+      </dsp:spPr>
+      <dsp:style>
+        <a:lnRef idx="0">
+          <a:scrgbClr r="0" g="0" b="0"/>
+        </a:lnRef>
+        <a:fillRef idx="1">
+          <a:scrgbClr r="0" g="0" b="0"/>
+        </a:fillRef>
+        <a:effectRef idx="0">
+          <a:scrgbClr r="0" g="0" b="0"/>
+        </a:effectRef>
+        <a:fontRef idx="minor"/>
+      </dsp:style>
+    </dsp:sp>
+    <dsp:sp modelId="{ECF4A8E1-9646-44DB-92B4-AD8B007A335B}">
+      <dsp:nvSpPr>
+        <dsp:cNvPr id="0" name=""/>
+        <dsp:cNvSpPr/>
+      </dsp:nvSpPr>
+      <dsp:spPr>
+        <a:xfrm>
+          <a:off x="463390" y="1009609"/>
+          <a:ext cx="498339" cy="498339"/>
+        </a:xfrm>
+        <a:prstGeom prst="rect">
+          <a:avLst/>
+        </a:prstGeom>
+        <a:blipFill>
+          <a:blip xmlns:r="http://schemas.openxmlformats.org/officeDocument/2006/relationships" r:embed="rId1">
+            <a:extLst>
+              <a:ext uri="{28A0092B-C50C-407E-A947-70E740481C1C}">
+                <a14:useLocalDpi xmlns:a14="http://schemas.microsoft.com/office/drawing/2010/main" val="0"/>
+              </a:ext>
+              <a:ext uri="{96DAC541-7B7A-43D3-8B79-37D633B846F1}">
+                <asvg:svgBlip xmlns:asvg="http://schemas.microsoft.com/office/drawing/2016/SVG/main" r:embed="rId2"/>
+              </a:ext>
+            </a:extLst>
+          </a:blip>
+          <a:stretch>
+            <a:fillRect/>
+          </a:stretch>
+        </a:blipFill>
+        <a:ln w="12700" cap="flat" cmpd="sng" algn="ctr">
+          <a:noFill/>
+          <a:prstDash val="solid"/>
+          <a:miter lim="800000"/>
+        </a:ln>
+        <a:effectLst/>
+      </dsp:spPr>
+      <dsp:style>
+        <a:lnRef idx="2">
+          <a:scrgbClr r="0" g="0" b="0"/>
+        </a:lnRef>
+        <a:fillRef idx="1">
+          <a:scrgbClr r="0" g="0" b="0"/>
+        </a:fillRef>
+        <a:effectRef idx="0">
+          <a:scrgbClr r="0" g="0" b="0"/>
+        </a:effectRef>
+        <a:fontRef idx="minor">
+          <a:schemeClr val="lt1"/>
+        </a:fontRef>
+      </dsp:style>
+    </dsp:sp>
+    <dsp:sp modelId="{EF67B9E4-03E7-4714-BBE6-610AD7B91983}">
+      <dsp:nvSpPr>
+        <dsp:cNvPr id="0" name=""/>
+        <dsp:cNvSpPr/>
+      </dsp:nvSpPr>
+      <dsp:spPr>
+        <a:xfrm>
+          <a:off x="646" y="1963574"/>
+          <a:ext cx="1423828" cy="1098113"/>
+        </a:xfrm>
+        <a:prstGeom prst="rect">
+          <a:avLst/>
+        </a:prstGeom>
+        <a:noFill/>
+        <a:ln>
+          <a:noFill/>
+        </a:ln>
+        <a:effectLst/>
+      </dsp:spPr>
+      <dsp:style>
+        <a:lnRef idx="0">
+          <a:scrgbClr r="0" g="0" b="0"/>
+        </a:lnRef>
+        <a:fillRef idx="0">
+          <a:scrgbClr r="0" g="0" b="0"/>
+        </a:fillRef>
+        <a:effectRef idx="0">
+          <a:scrgbClr r="0" g="0" b="0"/>
+        </a:effectRef>
+        <a:fontRef idx="minor"/>
+      </dsp:style>
+      <dsp:txBody>
+        <a:bodyPr spcFirstLastPara="0" vert="horz" wrap="square" lIns="0" tIns="0" rIns="0" bIns="0" numCol="1" spcCol="1270" anchor="t" anchorCtr="0">
+          <a:noAutofit/>
+        </a:bodyPr>
+        <a:lstStyle/>
+        <a:p>
+          <a:pPr marL="0" lvl="0" indent="0" algn="ctr" defTabSz="488950">
+            <a:lnSpc>
+              <a:spcPct val="100000"/>
+            </a:lnSpc>
+            <a:spcBef>
+              <a:spcPct val="0"/>
+            </a:spcBef>
+            <a:spcAft>
+              <a:spcPct val="35000"/>
+            </a:spcAft>
+            <a:buNone/>
+            <a:defRPr cap="all"/>
+          </a:pPr>
+          <a:r>
+            <a:rPr lang="en-US" sz="1100" kern="1200"/>
+            <a:t>Collect, store, and access data by identifying and leveraging applicable technologies.</a:t>
+          </a:r>
+        </a:p>
+      </dsp:txBody>
+      <dsp:txXfrm>
+        <a:off x="646" y="1963574"/>
+        <a:ext cx="1423828" cy="1098113"/>
+      </dsp:txXfrm>
+    </dsp:sp>
+    <dsp:sp modelId="{83942952-D9F4-4D6F-BD3F-F240983DE59F}">
+      <dsp:nvSpPr>
+        <dsp:cNvPr id="0" name=""/>
+        <dsp:cNvSpPr/>
+      </dsp:nvSpPr>
+      <dsp:spPr>
+        <a:xfrm>
+          <a:off x="1951291" y="824511"/>
+          <a:ext cx="868535" cy="868535"/>
+        </a:xfrm>
+        <a:prstGeom prst="round2DiagRect">
+          <a:avLst>
+            <a:gd name="adj1" fmla="val 29727"/>
+            <a:gd name="adj2" fmla="val 0"/>
+          </a:avLst>
+        </a:prstGeom>
+        <a:solidFill>
+          <a:schemeClr val="accent2">
+            <a:tint val="40000"/>
+            <a:hueOff val="0"/>
+            <a:satOff val="0"/>
+            <a:lumOff val="0"/>
+            <a:alphaOff val="0"/>
+          </a:schemeClr>
+        </a:solidFill>
+        <a:ln>
+          <a:noFill/>
+        </a:ln>
+        <a:effectLst/>
+      </dsp:spPr>
+      <dsp:style>
+        <a:lnRef idx="0">
+          <a:scrgbClr r="0" g="0" b="0"/>
+        </a:lnRef>
+        <a:fillRef idx="1">
+          <a:scrgbClr r="0" g="0" b="0"/>
+        </a:fillRef>
+        <a:effectRef idx="0">
+          <a:scrgbClr r="0" g="0" b="0"/>
+        </a:effectRef>
+        <a:fontRef idx="minor"/>
+      </dsp:style>
+    </dsp:sp>
+    <dsp:sp modelId="{3BD1005A-0ECD-4733-BE10-2ABB271789B7}">
+      <dsp:nvSpPr>
+        <dsp:cNvPr id="0" name=""/>
+        <dsp:cNvSpPr/>
+      </dsp:nvSpPr>
+      <dsp:spPr>
+        <a:xfrm>
+          <a:off x="2136389" y="1009609"/>
+          <a:ext cx="498339" cy="498339"/>
+        </a:xfrm>
+        <a:prstGeom prst="rect">
+          <a:avLst/>
+        </a:prstGeom>
+        <a:blipFill>
+          <a:blip xmlns:r="http://schemas.openxmlformats.org/officeDocument/2006/relationships" r:embed="rId3">
+            <a:extLst>
+              <a:ext uri="{28A0092B-C50C-407E-A947-70E740481C1C}">
+                <a14:useLocalDpi xmlns:a14="http://schemas.microsoft.com/office/drawing/2010/main" val="0"/>
+              </a:ext>
+              <a:ext uri="{96DAC541-7B7A-43D3-8B79-37D633B846F1}">
+                <asvg:svgBlip xmlns:asvg="http://schemas.microsoft.com/office/drawing/2016/SVG/main" r:embed="rId4"/>
+              </a:ext>
+            </a:extLst>
+          </a:blip>
+          <a:stretch>
+            <a:fillRect/>
+          </a:stretch>
+        </a:blipFill>
+        <a:ln w="12700" cap="flat" cmpd="sng" algn="ctr">
+          <a:noFill/>
+          <a:prstDash val="solid"/>
+          <a:miter lim="800000"/>
+        </a:ln>
+        <a:effectLst/>
+      </dsp:spPr>
+      <dsp:style>
+        <a:lnRef idx="2">
+          <a:scrgbClr r="0" g="0" b="0"/>
+        </a:lnRef>
+        <a:fillRef idx="1">
+          <a:scrgbClr r="0" g="0" b="0"/>
+        </a:fillRef>
+        <a:effectRef idx="0">
+          <a:scrgbClr r="0" g="0" b="0"/>
+        </a:effectRef>
+        <a:fontRef idx="minor">
+          <a:schemeClr val="lt1"/>
+        </a:fontRef>
+      </dsp:style>
+    </dsp:sp>
+    <dsp:sp modelId="{820EDD29-F6AE-47A7-85E1-6BCD8A52C3D0}">
+      <dsp:nvSpPr>
+        <dsp:cNvPr id="0" name=""/>
+        <dsp:cNvSpPr/>
+      </dsp:nvSpPr>
+      <dsp:spPr>
+        <a:xfrm>
+          <a:off x="1673644" y="1963574"/>
+          <a:ext cx="1423828" cy="1098113"/>
+        </a:xfrm>
+        <a:prstGeom prst="rect">
+          <a:avLst/>
+        </a:prstGeom>
+        <a:noFill/>
+        <a:ln>
+          <a:noFill/>
+        </a:ln>
+        <a:effectLst/>
+      </dsp:spPr>
+      <dsp:style>
+        <a:lnRef idx="0">
+          <a:scrgbClr r="0" g="0" b="0"/>
+        </a:lnRef>
+        <a:fillRef idx="0">
+          <a:scrgbClr r="0" g="0" b="0"/>
+        </a:fillRef>
+        <a:effectRef idx="0">
+          <a:scrgbClr r="0" g="0" b="0"/>
+        </a:effectRef>
+        <a:fontRef idx="minor"/>
+      </dsp:style>
+      <dsp:txBody>
+        <a:bodyPr spcFirstLastPara="0" vert="horz" wrap="square" lIns="0" tIns="0" rIns="0" bIns="0" numCol="1" spcCol="1270" anchor="t" anchorCtr="0">
+          <a:noAutofit/>
+        </a:bodyPr>
+        <a:lstStyle/>
+        <a:p>
+          <a:pPr marL="0" lvl="0" indent="0" algn="ctr" defTabSz="488950">
+            <a:lnSpc>
+              <a:spcPct val="100000"/>
+            </a:lnSpc>
+            <a:spcBef>
+              <a:spcPct val="0"/>
+            </a:spcBef>
+            <a:spcAft>
+              <a:spcPct val="35000"/>
+            </a:spcAft>
+            <a:buNone/>
+            <a:defRPr cap="all"/>
+          </a:pPr>
+          <a:r>
+            <a:rPr lang="en-US" sz="1100" kern="1200"/>
+            <a:t>Create actionable insight across a range of contexts (e.g., societal, business, political), using data and the full data science life cycle.</a:t>
+          </a:r>
+        </a:p>
+      </dsp:txBody>
+      <dsp:txXfrm>
+        <a:off x="1673644" y="1963574"/>
+        <a:ext cx="1423828" cy="1098113"/>
+      </dsp:txXfrm>
+    </dsp:sp>
+    <dsp:sp modelId="{91707812-EFF6-48AE-81C0-4A863C6990D6}">
+      <dsp:nvSpPr>
+        <dsp:cNvPr id="0" name=""/>
+        <dsp:cNvSpPr/>
+      </dsp:nvSpPr>
+      <dsp:spPr>
+        <a:xfrm>
+          <a:off x="3624289" y="824511"/>
+          <a:ext cx="868535" cy="868535"/>
+        </a:xfrm>
+        <a:prstGeom prst="round2DiagRect">
+          <a:avLst>
+            <a:gd name="adj1" fmla="val 29727"/>
+            <a:gd name="adj2" fmla="val 0"/>
+          </a:avLst>
+        </a:prstGeom>
+        <a:solidFill>
+          <a:schemeClr val="accent2">
+            <a:tint val="40000"/>
+            <a:hueOff val="0"/>
+            <a:satOff val="0"/>
+            <a:lumOff val="0"/>
+            <a:alphaOff val="0"/>
+          </a:schemeClr>
+        </a:solidFill>
+        <a:ln>
+          <a:noFill/>
+        </a:ln>
+        <a:effectLst/>
+      </dsp:spPr>
+      <dsp:style>
+        <a:lnRef idx="0">
+          <a:scrgbClr r="0" g="0" b="0"/>
+        </a:lnRef>
+        <a:fillRef idx="1">
+          <a:scrgbClr r="0" g="0" b="0"/>
+        </a:fillRef>
+        <a:effectRef idx="0">
+          <a:scrgbClr r="0" g="0" b="0"/>
+        </a:effectRef>
+        <a:fontRef idx="minor"/>
+      </dsp:style>
+    </dsp:sp>
+    <dsp:sp modelId="{3495CAF9-D72F-4EDE-A5B9-A12BF13044DD}">
+      <dsp:nvSpPr>
+        <dsp:cNvPr id="0" name=""/>
+        <dsp:cNvSpPr/>
+      </dsp:nvSpPr>
+      <dsp:spPr>
+        <a:xfrm>
+          <a:off x="3809387" y="1009609"/>
+          <a:ext cx="498339" cy="498339"/>
+        </a:xfrm>
+        <a:prstGeom prst="rect">
+          <a:avLst/>
+        </a:prstGeom>
+        <a:blipFill>
+          <a:blip xmlns:r="http://schemas.openxmlformats.org/officeDocument/2006/relationships" r:embed="rId5">
+            <a:extLst>
+              <a:ext uri="{28A0092B-C50C-407E-A947-70E740481C1C}">
+                <a14:useLocalDpi xmlns:a14="http://schemas.microsoft.com/office/drawing/2010/main" val="0"/>
+              </a:ext>
+              <a:ext uri="{96DAC541-7B7A-43D3-8B79-37D633B846F1}">
+                <asvg:svgBlip xmlns:asvg="http://schemas.microsoft.com/office/drawing/2016/SVG/main" r:embed="rId6"/>
+              </a:ext>
+            </a:extLst>
+          </a:blip>
+          <a:stretch>
+            <a:fillRect/>
+          </a:stretch>
+        </a:blipFill>
+        <a:ln w="12700" cap="flat" cmpd="sng" algn="ctr">
+          <a:noFill/>
+          <a:prstDash val="solid"/>
+          <a:miter lim="800000"/>
+        </a:ln>
+        <a:effectLst/>
+      </dsp:spPr>
+      <dsp:style>
+        <a:lnRef idx="2">
+          <a:scrgbClr r="0" g="0" b="0"/>
+        </a:lnRef>
+        <a:fillRef idx="1">
+          <a:scrgbClr r="0" g="0" b="0"/>
+        </a:fillRef>
+        <a:effectRef idx="0">
+          <a:scrgbClr r="0" g="0" b="0"/>
+        </a:effectRef>
+        <a:fontRef idx="minor">
+          <a:schemeClr val="lt1"/>
+        </a:fontRef>
+      </dsp:style>
+    </dsp:sp>
+    <dsp:sp modelId="{BE0FD4E3-0BA5-4AF6-B76B-568FAD917921}">
+      <dsp:nvSpPr>
+        <dsp:cNvPr id="0" name=""/>
+        <dsp:cNvSpPr/>
+      </dsp:nvSpPr>
+      <dsp:spPr>
+        <a:xfrm>
+          <a:off x="3346642" y="1963574"/>
+          <a:ext cx="1423828" cy="1098113"/>
+        </a:xfrm>
+        <a:prstGeom prst="rect">
+          <a:avLst/>
+        </a:prstGeom>
+        <a:noFill/>
+        <a:ln>
+          <a:noFill/>
+        </a:ln>
+        <a:effectLst/>
+      </dsp:spPr>
+      <dsp:style>
+        <a:lnRef idx="0">
+          <a:scrgbClr r="0" g="0" b="0"/>
+        </a:lnRef>
+        <a:fillRef idx="0">
+          <a:scrgbClr r="0" g="0" b="0"/>
+        </a:fillRef>
+        <a:effectRef idx="0">
+          <a:scrgbClr r="0" g="0" b="0"/>
+        </a:effectRef>
+        <a:fontRef idx="minor"/>
+      </dsp:style>
+      <dsp:txBody>
+        <a:bodyPr spcFirstLastPara="0" vert="horz" wrap="square" lIns="0" tIns="0" rIns="0" bIns="0" numCol="1" spcCol="1270" anchor="t" anchorCtr="0">
+          <a:noAutofit/>
+        </a:bodyPr>
+        <a:lstStyle/>
+        <a:p>
+          <a:pPr marL="0" lvl="0" indent="0" algn="ctr" defTabSz="488950">
+            <a:lnSpc>
+              <a:spcPct val="100000"/>
+            </a:lnSpc>
+            <a:spcBef>
+              <a:spcPct val="0"/>
+            </a:spcBef>
+            <a:spcAft>
+              <a:spcPct val="35000"/>
+            </a:spcAft>
+            <a:buNone/>
+            <a:defRPr cap="all"/>
+          </a:pPr>
+          <a:r>
+            <a:rPr lang="en-US" sz="1100" kern="1200"/>
+            <a:t>Apply visualization and predictive models to help generate actionable insight.</a:t>
+          </a:r>
+        </a:p>
+      </dsp:txBody>
+      <dsp:txXfrm>
+        <a:off x="3346642" y="1963574"/>
+        <a:ext cx="1423828" cy="1098113"/>
+      </dsp:txXfrm>
+    </dsp:sp>
+    <dsp:sp modelId="{57011BFE-1B8F-4F10-AA07-D5385794A2D8}">
+      <dsp:nvSpPr>
+        <dsp:cNvPr id="0" name=""/>
+        <dsp:cNvSpPr/>
+      </dsp:nvSpPr>
+      <dsp:spPr>
+        <a:xfrm>
+          <a:off x="5297287" y="824511"/>
+          <a:ext cx="868535" cy="868535"/>
+        </a:xfrm>
+        <a:prstGeom prst="round2DiagRect">
+          <a:avLst>
+            <a:gd name="adj1" fmla="val 29727"/>
+            <a:gd name="adj2" fmla="val 0"/>
+          </a:avLst>
+        </a:prstGeom>
+        <a:solidFill>
+          <a:schemeClr val="accent2">
+            <a:tint val="40000"/>
+            <a:hueOff val="0"/>
+            <a:satOff val="0"/>
+            <a:lumOff val="0"/>
+            <a:alphaOff val="0"/>
+          </a:schemeClr>
+        </a:solidFill>
+        <a:ln>
+          <a:noFill/>
+        </a:ln>
+        <a:effectLst/>
+      </dsp:spPr>
+      <dsp:style>
+        <a:lnRef idx="0">
+          <a:scrgbClr r="0" g="0" b="0"/>
+        </a:lnRef>
+        <a:fillRef idx="1">
+          <a:scrgbClr r="0" g="0" b="0"/>
+        </a:fillRef>
+        <a:effectRef idx="0">
+          <a:scrgbClr r="0" g="0" b="0"/>
+        </a:effectRef>
+        <a:fontRef idx="minor"/>
+      </dsp:style>
+    </dsp:sp>
+    <dsp:sp modelId="{CE6A5775-7861-4969-B3D6-A4EB673F2AF8}">
+      <dsp:nvSpPr>
+        <dsp:cNvPr id="0" name=""/>
+        <dsp:cNvSpPr/>
+      </dsp:nvSpPr>
+      <dsp:spPr>
+        <a:xfrm>
+          <a:off x="5482385" y="1009609"/>
+          <a:ext cx="498339" cy="498339"/>
+        </a:xfrm>
+        <a:prstGeom prst="rect">
+          <a:avLst/>
+        </a:prstGeom>
+        <a:blipFill>
+          <a:blip xmlns:r="http://schemas.openxmlformats.org/officeDocument/2006/relationships" r:embed="rId7">
+            <a:extLst>
+              <a:ext uri="{28A0092B-C50C-407E-A947-70E740481C1C}">
+                <a14:useLocalDpi xmlns:a14="http://schemas.microsoft.com/office/drawing/2010/main" val="0"/>
+              </a:ext>
+              <a:ext uri="{96DAC541-7B7A-43D3-8B79-37D633B846F1}">
+                <asvg:svgBlip xmlns:asvg="http://schemas.microsoft.com/office/drawing/2016/SVG/main" r:embed="rId8"/>
+              </a:ext>
+            </a:extLst>
+          </a:blip>
+          <a:stretch>
+            <a:fillRect/>
+          </a:stretch>
+        </a:blipFill>
+        <a:ln w="12700" cap="flat" cmpd="sng" algn="ctr">
+          <a:noFill/>
+          <a:prstDash val="solid"/>
+          <a:miter lim="800000"/>
+        </a:ln>
+        <a:effectLst/>
+      </dsp:spPr>
+      <dsp:style>
+        <a:lnRef idx="2">
+          <a:scrgbClr r="0" g="0" b="0"/>
+        </a:lnRef>
+        <a:fillRef idx="1">
+          <a:scrgbClr r="0" g="0" b="0"/>
+        </a:fillRef>
+        <a:effectRef idx="0">
+          <a:scrgbClr r="0" g="0" b="0"/>
+        </a:effectRef>
+        <a:fontRef idx="minor">
+          <a:schemeClr val="lt1"/>
+        </a:fontRef>
+      </dsp:style>
+    </dsp:sp>
+    <dsp:sp modelId="{D37BCC5F-DD16-463B-A32D-773C8FAC62FD}">
+      <dsp:nvSpPr>
+        <dsp:cNvPr id="0" name=""/>
+        <dsp:cNvSpPr/>
+      </dsp:nvSpPr>
+      <dsp:spPr>
+        <a:xfrm>
+          <a:off x="5019640" y="1963574"/>
+          <a:ext cx="1423828" cy="1098113"/>
+        </a:xfrm>
+        <a:prstGeom prst="rect">
+          <a:avLst/>
+        </a:prstGeom>
+        <a:noFill/>
+        <a:ln>
+          <a:noFill/>
+        </a:ln>
+        <a:effectLst/>
+      </dsp:spPr>
+      <dsp:style>
+        <a:lnRef idx="0">
+          <a:scrgbClr r="0" g="0" b="0"/>
+        </a:lnRef>
+        <a:fillRef idx="0">
+          <a:scrgbClr r="0" g="0" b="0"/>
+        </a:fillRef>
+        <a:effectRef idx="0">
+          <a:scrgbClr r="0" g="0" b="0"/>
+        </a:effectRef>
+        <a:fontRef idx="minor"/>
+      </dsp:style>
+      <dsp:txBody>
+        <a:bodyPr spcFirstLastPara="0" vert="horz" wrap="square" lIns="0" tIns="0" rIns="0" bIns="0" numCol="1" spcCol="1270" anchor="t" anchorCtr="0">
+          <a:noAutofit/>
+        </a:bodyPr>
+        <a:lstStyle/>
+        <a:p>
+          <a:pPr marL="0" lvl="0" indent="0" algn="ctr" defTabSz="488950">
+            <a:lnSpc>
+              <a:spcPct val="100000"/>
+            </a:lnSpc>
+            <a:spcBef>
+              <a:spcPct val="0"/>
+            </a:spcBef>
+            <a:spcAft>
+              <a:spcPct val="35000"/>
+            </a:spcAft>
+            <a:buNone/>
+            <a:defRPr cap="all"/>
+          </a:pPr>
+          <a:r>
+            <a:rPr lang="en-US" sz="1100" kern="1200" dirty="0"/>
+            <a:t>Use programming languages such as R and Python to support the generation of actionable insights</a:t>
+          </a:r>
+        </a:p>
+      </dsp:txBody>
+      <dsp:txXfrm>
+        <a:off x="5019640" y="1963574"/>
+        <a:ext cx="1423828" cy="1098113"/>
+      </dsp:txXfrm>
+    </dsp:sp>
+    <dsp:sp modelId="{4849E313-A130-4314-8ECB-BB0D8AA37EFA}">
+      <dsp:nvSpPr>
+        <dsp:cNvPr id="0" name=""/>
+        <dsp:cNvSpPr/>
+      </dsp:nvSpPr>
+      <dsp:spPr>
+        <a:xfrm>
+          <a:off x="6970285" y="824511"/>
+          <a:ext cx="868535" cy="868535"/>
+        </a:xfrm>
+        <a:prstGeom prst="round2DiagRect">
+          <a:avLst>
+            <a:gd name="adj1" fmla="val 29727"/>
+            <a:gd name="adj2" fmla="val 0"/>
+          </a:avLst>
+        </a:prstGeom>
+        <a:solidFill>
+          <a:schemeClr val="accent2">
+            <a:tint val="40000"/>
+            <a:hueOff val="0"/>
+            <a:satOff val="0"/>
+            <a:lumOff val="0"/>
+            <a:alphaOff val="0"/>
+          </a:schemeClr>
+        </a:solidFill>
+        <a:ln>
+          <a:noFill/>
+        </a:ln>
+        <a:effectLst/>
+      </dsp:spPr>
+      <dsp:style>
+        <a:lnRef idx="0">
+          <a:scrgbClr r="0" g="0" b="0"/>
+        </a:lnRef>
+        <a:fillRef idx="1">
+          <a:scrgbClr r="0" g="0" b="0"/>
+        </a:fillRef>
+        <a:effectRef idx="0">
+          <a:scrgbClr r="0" g="0" b="0"/>
+        </a:effectRef>
+        <a:fontRef idx="minor"/>
+      </dsp:style>
+    </dsp:sp>
+    <dsp:sp modelId="{7C6F7636-253A-444A-B130-9688995CC9C1}">
+      <dsp:nvSpPr>
+        <dsp:cNvPr id="0" name=""/>
+        <dsp:cNvSpPr/>
+      </dsp:nvSpPr>
+      <dsp:spPr>
+        <a:xfrm>
+          <a:off x="7155383" y="1009609"/>
+          <a:ext cx="498339" cy="498339"/>
+        </a:xfrm>
+        <a:prstGeom prst="rect">
+          <a:avLst/>
+        </a:prstGeom>
+        <a:blipFill>
+          <a:blip xmlns:r="http://schemas.openxmlformats.org/officeDocument/2006/relationships" r:embed="rId9">
+            <a:extLst>
+              <a:ext uri="{28A0092B-C50C-407E-A947-70E740481C1C}">
+                <a14:useLocalDpi xmlns:a14="http://schemas.microsoft.com/office/drawing/2010/main" val="0"/>
+              </a:ext>
+              <a:ext uri="{96DAC541-7B7A-43D3-8B79-37D633B846F1}">
+                <asvg:svgBlip xmlns:asvg="http://schemas.microsoft.com/office/drawing/2016/SVG/main" r:embed="rId10"/>
+              </a:ext>
+            </a:extLst>
+          </a:blip>
+          <a:stretch>
+            <a:fillRect/>
+          </a:stretch>
+        </a:blipFill>
+        <a:ln w="12700" cap="flat" cmpd="sng" algn="ctr">
+          <a:noFill/>
+          <a:prstDash val="solid"/>
+          <a:miter lim="800000"/>
+        </a:ln>
+        <a:effectLst/>
+      </dsp:spPr>
+      <dsp:style>
+        <a:lnRef idx="2">
+          <a:scrgbClr r="0" g="0" b="0"/>
+        </a:lnRef>
+        <a:fillRef idx="1">
+          <a:scrgbClr r="0" g="0" b="0"/>
+        </a:fillRef>
+        <a:effectRef idx="0">
+          <a:scrgbClr r="0" g="0" b="0"/>
+        </a:effectRef>
+        <a:fontRef idx="minor">
+          <a:schemeClr val="lt1"/>
+        </a:fontRef>
+      </dsp:style>
+    </dsp:sp>
+    <dsp:sp modelId="{FB044AFB-5B48-4178-982E-62E573CEFED3}">
+      <dsp:nvSpPr>
+        <dsp:cNvPr id="0" name=""/>
+        <dsp:cNvSpPr/>
+      </dsp:nvSpPr>
+      <dsp:spPr>
+        <a:xfrm>
+          <a:off x="6692639" y="1963574"/>
+          <a:ext cx="1423828" cy="1098113"/>
+        </a:xfrm>
+        <a:prstGeom prst="rect">
+          <a:avLst/>
+        </a:prstGeom>
+        <a:noFill/>
+        <a:ln>
+          <a:noFill/>
+        </a:ln>
+        <a:effectLst/>
+      </dsp:spPr>
+      <dsp:style>
+        <a:lnRef idx="0">
+          <a:scrgbClr r="0" g="0" b="0"/>
+        </a:lnRef>
+        <a:fillRef idx="0">
+          <a:scrgbClr r="0" g="0" b="0"/>
+        </a:fillRef>
+        <a:effectRef idx="0">
+          <a:scrgbClr r="0" g="0" b="0"/>
+        </a:effectRef>
+        <a:fontRef idx="minor"/>
+      </dsp:style>
+      <dsp:txBody>
+        <a:bodyPr spcFirstLastPara="0" vert="horz" wrap="square" lIns="0" tIns="0" rIns="0" bIns="0" numCol="1" spcCol="1270" anchor="t" anchorCtr="0">
+          <a:noAutofit/>
+        </a:bodyPr>
+        <a:lstStyle/>
+        <a:p>
+          <a:pPr marL="0" lvl="0" indent="0" algn="ctr" defTabSz="488950">
+            <a:lnSpc>
+              <a:spcPct val="100000"/>
+            </a:lnSpc>
+            <a:spcBef>
+              <a:spcPct val="0"/>
+            </a:spcBef>
+            <a:spcAft>
+              <a:spcPct val="35000"/>
+            </a:spcAft>
+            <a:buNone/>
+            <a:defRPr cap="all"/>
+          </a:pPr>
+          <a:r>
+            <a:rPr lang="en-US" sz="1100" kern="1200"/>
+            <a:t>Communicate insights gained via visualization and analytics to a broad range of audiences (including project sponsors and technical team leads).</a:t>
+          </a:r>
+        </a:p>
+      </dsp:txBody>
+      <dsp:txXfrm>
+        <a:off x="6692639" y="1963574"/>
+        <a:ext cx="1423828" cy="1098113"/>
+      </dsp:txXfrm>
+    </dsp:sp>
+    <dsp:sp modelId="{95922D58-040F-41DB-8071-33AECE91DD0D}">
+      <dsp:nvSpPr>
+        <dsp:cNvPr id="0" name=""/>
+        <dsp:cNvSpPr/>
+      </dsp:nvSpPr>
+      <dsp:spPr>
+        <a:xfrm>
+          <a:off x="8643283" y="824511"/>
+          <a:ext cx="868535" cy="868535"/>
+        </a:xfrm>
+        <a:prstGeom prst="round2DiagRect">
+          <a:avLst>
+            <a:gd name="adj1" fmla="val 29727"/>
+            <a:gd name="adj2" fmla="val 0"/>
+          </a:avLst>
+        </a:prstGeom>
+        <a:solidFill>
+          <a:schemeClr val="accent2">
+            <a:tint val="40000"/>
+            <a:hueOff val="0"/>
+            <a:satOff val="0"/>
+            <a:lumOff val="0"/>
+            <a:alphaOff val="0"/>
+          </a:schemeClr>
+        </a:solidFill>
+        <a:ln>
+          <a:noFill/>
+        </a:ln>
+        <a:effectLst/>
+      </dsp:spPr>
+      <dsp:style>
+        <a:lnRef idx="0">
+          <a:scrgbClr r="0" g="0" b="0"/>
+        </a:lnRef>
+        <a:fillRef idx="1">
+          <a:scrgbClr r="0" g="0" b="0"/>
+        </a:fillRef>
+        <a:effectRef idx="0">
+          <a:scrgbClr r="0" g="0" b="0"/>
+        </a:effectRef>
+        <a:fontRef idx="minor"/>
+      </dsp:style>
+    </dsp:sp>
+    <dsp:sp modelId="{6FE46406-FF02-4172-93AC-9DFD036B8E56}">
+      <dsp:nvSpPr>
+        <dsp:cNvPr id="0" name=""/>
+        <dsp:cNvSpPr/>
+      </dsp:nvSpPr>
+      <dsp:spPr>
+        <a:xfrm>
+          <a:off x="8828381" y="1009609"/>
+          <a:ext cx="498339" cy="498339"/>
+        </a:xfrm>
+        <a:prstGeom prst="rect">
+          <a:avLst/>
+        </a:prstGeom>
+        <a:blipFill>
+          <a:blip xmlns:r="http://schemas.openxmlformats.org/officeDocument/2006/relationships" r:embed="rId11">
+            <a:extLst>
+              <a:ext uri="{28A0092B-C50C-407E-A947-70E740481C1C}">
+                <a14:useLocalDpi xmlns:a14="http://schemas.microsoft.com/office/drawing/2010/main" val="0"/>
+              </a:ext>
+              <a:ext uri="{96DAC541-7B7A-43D3-8B79-37D633B846F1}">
+                <asvg:svgBlip xmlns:asvg="http://schemas.microsoft.com/office/drawing/2016/SVG/main" r:embed="rId12"/>
+              </a:ext>
+            </a:extLst>
+          </a:blip>
+          <a:stretch>
+            <a:fillRect/>
+          </a:stretch>
+        </a:blipFill>
+        <a:ln w="12700" cap="flat" cmpd="sng" algn="ctr">
+          <a:noFill/>
+          <a:prstDash val="solid"/>
+          <a:miter lim="800000"/>
+        </a:ln>
+        <a:effectLst/>
+      </dsp:spPr>
+      <dsp:style>
+        <a:lnRef idx="2">
+          <a:scrgbClr r="0" g="0" b="0"/>
+        </a:lnRef>
+        <a:fillRef idx="1">
+          <a:scrgbClr r="0" g="0" b="0"/>
+        </a:fillRef>
+        <a:effectRef idx="0">
+          <a:scrgbClr r="0" g="0" b="0"/>
+        </a:effectRef>
+        <a:fontRef idx="minor">
+          <a:schemeClr val="lt1"/>
+        </a:fontRef>
+      </dsp:style>
+    </dsp:sp>
+    <dsp:sp modelId="{E83F4DCA-7102-4757-B715-BB33849D8441}">
+      <dsp:nvSpPr>
+        <dsp:cNvPr id="0" name=""/>
+        <dsp:cNvSpPr/>
+      </dsp:nvSpPr>
+      <dsp:spPr>
+        <a:xfrm>
+          <a:off x="8365637" y="1963574"/>
+          <a:ext cx="1423828" cy="1098113"/>
+        </a:xfrm>
+        <a:prstGeom prst="rect">
+          <a:avLst/>
+        </a:prstGeom>
+        <a:noFill/>
+        <a:ln>
+          <a:noFill/>
+        </a:ln>
+        <a:effectLst/>
+      </dsp:spPr>
+      <dsp:style>
+        <a:lnRef idx="0">
+          <a:scrgbClr r="0" g="0" b="0"/>
+        </a:lnRef>
+        <a:fillRef idx="0">
+          <a:scrgbClr r="0" g="0" b="0"/>
+        </a:fillRef>
+        <a:effectRef idx="0">
+          <a:scrgbClr r="0" g="0" b="0"/>
+        </a:effectRef>
+        <a:fontRef idx="minor"/>
+      </dsp:style>
+      <dsp:txBody>
+        <a:bodyPr spcFirstLastPara="0" vert="horz" wrap="square" lIns="0" tIns="0" rIns="0" bIns="0" numCol="1" spcCol="1270" anchor="t" anchorCtr="0">
+          <a:noAutofit/>
+        </a:bodyPr>
+        <a:lstStyle/>
+        <a:p>
+          <a:pPr marL="0" lvl="0" indent="0" algn="ctr" defTabSz="488950">
+            <a:lnSpc>
+              <a:spcPct val="100000"/>
+            </a:lnSpc>
+            <a:spcBef>
+              <a:spcPct val="0"/>
+            </a:spcBef>
+            <a:spcAft>
+              <a:spcPct val="35000"/>
+            </a:spcAft>
+            <a:buNone/>
+            <a:defRPr cap="all"/>
+          </a:pPr>
+          <a:r>
+            <a:rPr lang="en-US" sz="1100" kern="1200"/>
+            <a:t>Apply ethics in the development, use, and evaluation of data and predictive models (e.g., fairness, bias, transparency, privacy)</a:t>
+          </a:r>
+        </a:p>
+      </dsp:txBody>
+      <dsp:txXfrm>
+        <a:off x="8365637" y="1963574"/>
+        <a:ext cx="1423828" cy="1098113"/>
+      </dsp:txXfrm>
+    </dsp:sp>
+  </dsp:spTree>
+</dsp:drawing>
+</file>
+
 <file path=ppt/diagrams/layout1.xml><?xml version="1.0" encoding="utf-8"?>
 <dgm:layoutDef xmlns:dgm="http://schemas.openxmlformats.org/drawingml/2006/diagram" xmlns:a="http://schemas.openxmlformats.org/drawingml/2006/main" uniqueId="urn:microsoft.com/office/officeart/2018/5/layout/IconLeafLabelList">
   <dgm:title val="Icon Leaf Label List"/>
@@ -7217,6 +9672,233 @@
 </dgm:layoutDef>
 </file>
 
+<file path=ppt/diagrams/layout4.xml><?xml version="1.0" encoding="utf-8"?>
+<dgm:layoutDef xmlns:dgm="http://schemas.openxmlformats.org/drawingml/2006/diagram" xmlns:a="http://schemas.openxmlformats.org/drawingml/2006/main" uniqueId="urn:microsoft.com/office/officeart/2018/5/layout/IconLeafLabelList">
+  <dgm:title val="Icon Leaf Label List"/>
+  <dgm:desc val="Use to show non-sequential or grouped chunks of information accompanied by a related visuals. Works best with icons or small pictures with short text captions."/>
+  <dgm:catLst>
+    <dgm:cat type="icon" pri="500"/>
+  </dgm:catLst>
+  <dgm:sampData useDef="1">
+    <dgm:dataModel>
+      <dgm:ptLst/>
+      <dgm:bg/>
+      <dgm:whole/>
+    </dgm:dataModel>
+  </dgm:sampData>
+  <dgm:styleData useDef="1">
+    <dgm:dataModel>
+      <dgm:ptLst/>
+      <dgm:bg/>
+      <dgm:whole/>
+    </dgm:dataModel>
+  </dgm:styleData>
+  <dgm:clrData useDef="1">
+    <dgm:dataModel>
+      <dgm:ptLst/>
+      <dgm:bg/>
+      <dgm:whole/>
+    </dgm:dataModel>
+  </dgm:clrData>
+  <dgm:layoutNode name="root">
+    <dgm:varLst>
+      <dgm:dir/>
+      <dgm:resizeHandles val="exact"/>
+    </dgm:varLst>
+    <dgm:choose name="Name0">
+      <dgm:if name="Name1" axis="self" func="var" arg="dir" op="equ" val="norm">
+        <dgm:alg type="snake">
+          <dgm:param type="grDir" val="tL"/>
+          <dgm:param type="flowDir" val="row"/>
+          <dgm:param type="contDir" val="sameDir"/>
+          <dgm:param type="off" val="ctr"/>
+          <dgm:param type="vertAlign" val="mid"/>
+          <dgm:param type="horzAlign" val="ctr"/>
+        </dgm:alg>
+      </dgm:if>
+      <dgm:else name="Name2">
+        <dgm:alg type="snake">
+          <dgm:param type="grDir" val="tR"/>
+          <dgm:param type="flowDir" val="row"/>
+          <dgm:param type="contDir" val="sameDir"/>
+          <dgm:param type="off" val="ctr"/>
+          <dgm:param type="vertAlign" val="mid"/>
+          <dgm:param type="horzAlign" val="ctr"/>
+        </dgm:alg>
+      </dgm:else>
+    </dgm:choose>
+    <dgm:shape xmlns:r="http://schemas.openxmlformats.org/officeDocument/2006/relationships" r:blip="">
+      <dgm:adjLst/>
+    </dgm:shape>
+    <dgm:presOf/>
+    <dgm:choose name="Name3">
+      <dgm:if name="Name4" axis="ch" ptType="node" func="cnt" op="lte" val="2">
+        <dgm:constrLst>
+          <dgm:constr type="h" for="ch" forName="compNode" refType="h" fact="0.4"/>
+          <dgm:constr type="w" for="ch" forName="compNode" val="100"/>
+          <dgm:constr type="w" for="ch" forName="sibTrans" refType="w" refFor="ch" refForName="compNode" fact="0.175"/>
+          <dgm:constr type="sp" refType="w" refFor="ch" refForName="compNode" op="equ" fact="0.25"/>
+          <dgm:constr type="primFontSz" for="des" ptType="node" op="equ" val="44"/>
+          <dgm:constr type="h" for="des" forName="compNode" op="equ"/>
+          <dgm:constr type="h" for="des" forName="textRect" op="equ"/>
+        </dgm:constrLst>
+      </dgm:if>
+      <dgm:if name="Name5" axis="ch" ptType="node" func="cnt" op="lte" val="3">
+        <dgm:constrLst>
+          <dgm:constr type="h" for="ch" forName="compNode" refType="h" fact="0.4"/>
+          <dgm:constr type="w" for="ch" forName="compNode" val="100"/>
+          <dgm:constr type="w" for="ch" forName="sibTrans" refType="w" refFor="ch" refForName="compNode" fact="0.175"/>
+          <dgm:constr type="sp" refType="w" refFor="ch" refForName="compNode" op="equ" fact="0.25"/>
+          <dgm:constr type="primFontSz" for="des" ptType="node" op="equ" val="40"/>
+          <dgm:constr type="h" for="des" forName="compNode" op="equ"/>
+          <dgm:constr type="h" for="des" forName="textRect" op="equ"/>
+        </dgm:constrLst>
+      </dgm:if>
+      <dgm:if name="Name6" axis="ch" ptType="node" func="cnt" op="lte" val="4">
+        <dgm:constrLst>
+          <dgm:constr type="h" for="ch" forName="compNode" refType="h" fact="0.4"/>
+          <dgm:constr type="w" for="ch" forName="compNode" refType="w"/>
+          <dgm:constr type="w" for="ch" forName="sibTrans" refType="w" refFor="ch" refForName="compNode" fact="0.175"/>
+          <dgm:constr type="sp" refType="w" refFor="ch" refForName="compNode" op="equ" fact="0.25"/>
+          <dgm:constr type="primFontSz" for="des" ptType="node" op="equ" val="32"/>
+          <dgm:constr type="h" for="des" forName="compNode" op="equ"/>
+          <dgm:constr type="h" for="des" forName="textRect" op="equ"/>
+        </dgm:constrLst>
+      </dgm:if>
+      <dgm:else name="Name7">
+        <dgm:constrLst>
+          <dgm:constr type="h" for="ch" forName="compNode" refType="h" fact="0.4"/>
+          <dgm:constr type="w" for="ch" forName="compNode" refType="w"/>
+          <dgm:constr type="w" for="ch" forName="sibTrans" refType="w" refFor="ch" refForName="compNode" fact="0.175"/>
+          <dgm:constr type="sp" refType="w" refFor="ch" refForName="compNode" op="equ" fact="0.25"/>
+          <dgm:constr type="primFontSz" for="des" ptType="node" op="equ" val="24"/>
+          <dgm:constr type="h" for="des" forName="compNode" op="equ"/>
+          <dgm:constr type="h" for="des" forName="textRect" op="equ"/>
+        </dgm:constrLst>
+      </dgm:else>
+    </dgm:choose>
+    <dgm:ruleLst>
+      <dgm:rule type="w" for="ch" forName="compNode" val="50" fact="NaN" max="NaN"/>
+    </dgm:ruleLst>
+    <dgm:forEach name="Name8" axis="ch" ptType="node">
+      <dgm:layoutNode name="compNode">
+        <dgm:alg type="composite"/>
+        <dgm:shape xmlns:r="http://schemas.openxmlformats.org/officeDocument/2006/relationships" r:blip="">
+          <dgm:adjLst/>
+        </dgm:shape>
+        <dgm:presOf axis="self"/>
+        <dgm:constrLst>
+          <dgm:constr type="w" for="ch" forName="iconBgRect" refType="w" fact="0.61"/>
+          <dgm:constr type="h" for="ch" forName="iconBgRect" refType="w" refFor="ch" refForName="iconBgRect"/>
+          <dgm:constr type="t" for="ch" forName="iconBgRect"/>
+          <dgm:constr type="ctrX" for="ch" forName="iconBgRect" refType="w" fact="0.5"/>
+          <dgm:constr type="w" for="ch" forName="iconRect" refType="w" fact="0.35"/>
+          <dgm:constr type="h" for="ch" forName="iconRect" refType="w" refFor="ch" refForName="iconRect"/>
+          <dgm:constr type="ctrX" for="ch" forName="iconRect" refType="ctrX" refFor="ch" refForName="iconBgRect"/>
+          <dgm:constr type="ctrY" for="ch" forName="iconRect" refType="ctrY" refFor="ch" refForName="iconBgRect"/>
+          <dgm:constr type="h" for="ch" forName="spaceRect" refType="w" fact="0.19"/>
+          <dgm:constr type="w" for="ch" forName="spaceRect" refType="w"/>
+          <dgm:constr type="l" for="ch" forName="spaceRect"/>
+          <dgm:constr type="t" for="ch" forName="spaceRect" refType="b" refFor="ch" refForName="iconBgRect"/>
+          <dgm:constr type="h" for="ch" forName="textRect" val="20"/>
+          <dgm:constr type="w" for="ch" forName="textRect" refType="w"/>
+          <dgm:constr type="l" for="ch" forName="textRect"/>
+          <dgm:constr type="t" for="ch" forName="textRect" refType="b" refFor="ch" refForName="spaceRect"/>
+        </dgm:constrLst>
+        <dgm:ruleLst>
+          <dgm:rule type="h" val="INF" fact="NaN" max="NaN"/>
+        </dgm:ruleLst>
+        <dgm:layoutNode name="iconBgRect" styleLbl="bgShp">
+          <dgm:alg type="sp"/>
+          <dgm:shape xmlns:r="http://schemas.openxmlformats.org/officeDocument/2006/relationships" type="round2DiagRect" r:blip="">
+            <dgm:adjLst/>
+            <dgm:extLst>
+              <a:ext uri="{B698B0E9-8C71-41B9-8309-B3DCBF30829C}">
+                <dgm1612:spPr xmlns:dgm1612="http://schemas.microsoft.com/office/drawing/2016/12/diagram">
+                  <a:prstGeom prst="round2DiagRect">
+                    <a:avLst>
+                      <a:gd name="adj1" fmla="val 29727"/>
+                      <a:gd name="adj2" fmla="val 0"/>
+                    </a:avLst>
+                  </a:prstGeom>
+                </dgm1612:spPr>
+              </a:ext>
+            </dgm:extLst>
+          </dgm:shape>
+          <dgm:presOf/>
+          <dgm:constrLst/>
+          <dgm:ruleLst/>
+        </dgm:layoutNode>
+        <dgm:layoutNode name="iconRect" styleLbl="node1">
+          <dgm:alg type="sp"/>
+          <dgm:shape xmlns:r="http://schemas.openxmlformats.org/officeDocument/2006/relationships" type="rect" r:blip="" blipPhldr="1">
+            <dgm:adjLst/>
+          </dgm:shape>
+          <dgm:presOf/>
+          <dgm:constrLst/>
+          <dgm:ruleLst/>
+        </dgm:layoutNode>
+        <dgm:layoutNode name="spaceRect">
+          <dgm:alg type="sp"/>
+          <dgm:shape xmlns:r="http://schemas.openxmlformats.org/officeDocument/2006/relationships" r:blip="">
+            <dgm:adjLst/>
+          </dgm:shape>
+          <dgm:presOf/>
+          <dgm:constrLst/>
+          <dgm:ruleLst/>
+        </dgm:layoutNode>
+        <dgm:layoutNode name="textRect" styleLbl="revTx">
+          <dgm:varLst>
+            <dgm:chMax val="1"/>
+            <dgm:chPref val="1"/>
+          </dgm:varLst>
+          <dgm:alg type="tx">
+            <dgm:param type="txAnchorVert" val="t"/>
+          </dgm:alg>
+          <dgm:shape xmlns:r="http://schemas.openxmlformats.org/officeDocument/2006/relationships" type="rect" r:blip="">
+            <dgm:adjLst/>
+          </dgm:shape>
+          <dgm:presOf axis="self" ptType="node"/>
+          <dgm:constrLst>
+            <dgm:constr type="lMarg"/>
+            <dgm:constr type="rMarg"/>
+            <dgm:constr type="tMarg"/>
+            <dgm:constr type="bMarg"/>
+          </dgm:constrLst>
+          <dgm:ruleLst>
+            <dgm:rule type="primFontSz" val="11" fact="NaN" max="NaN"/>
+            <dgm:rule type="h" val="INF" fact="NaN" max="NaN"/>
+          </dgm:ruleLst>
+        </dgm:layoutNode>
+      </dgm:layoutNode>
+      <dgm:forEach name="Name9" axis="followSib" ptType="sibTrans" cnt="1">
+        <dgm:layoutNode name="sibTrans">
+          <dgm:alg type="sp"/>
+          <dgm:shape xmlns:r="http://schemas.openxmlformats.org/officeDocument/2006/relationships" r:blip="">
+            <dgm:adjLst/>
+          </dgm:shape>
+          <dgm:presOf axis="self"/>
+          <dgm:constrLst/>
+          <dgm:ruleLst/>
+        </dgm:layoutNode>
+      </dgm:forEach>
+    </dgm:forEach>
+  </dgm:layoutNode>
+  <dgm:extLst>
+    <a:ext uri="{68A01E43-0DF5-4B5B-8FA6-DAF915123BFB}">
+      <dgm1612:lstStyle xmlns:dgm1612="http://schemas.microsoft.com/office/drawing/2016/12/diagram">
+        <a:lvl1pPr>
+          <a:lnSpc>
+            <a:spcPct val="100000"/>
+          </a:lnSpc>
+          <a:defRPr cap="all"/>
+        </a:lvl1pPr>
+      </dgm1612:lstStyle>
+    </a:ext>
+  </dgm:extLst>
+</dgm:layoutDef>
+</file>
+
 <file path=ppt/diagrams/quickStyle1.xml><?xml version="1.0" encoding="utf-8"?>
 <dgm:styleDef xmlns:dgm="http://schemas.openxmlformats.org/drawingml/2006/diagram" xmlns:a="http://schemas.openxmlformats.org/drawingml/2006/main" uniqueId="urn:microsoft.com/office/officeart/2005/8/quickstyle/simple1">
   <dgm:title val=""/>
@@ -10291,6 +12973,1040 @@
         <a:scrgbClr r="0" g="0" b="0"/>
       </a:fillRef>
       <a:effectRef idx="1">
+        <a:scrgbClr r="0" g="0" b="0"/>
+      </a:effectRef>
+      <a:fontRef idx="minor"/>
+    </dgm:style>
+  </dgm:styleLbl>
+  <dgm:styleLbl name="revTx">
+    <dgm:scene3d>
+      <a:camera prst="orthographicFront"/>
+      <a:lightRig rig="threePt" dir="t"/>
+    </dgm:scene3d>
+    <dgm:sp3d/>
+    <dgm:txPr/>
+    <dgm:style>
+      <a:lnRef idx="0">
+        <a:scrgbClr r="0" g="0" b="0"/>
+      </a:lnRef>
+      <a:fillRef idx="0">
+        <a:scrgbClr r="0" g="0" b="0"/>
+      </a:fillRef>
+      <a:effectRef idx="0">
+        <a:scrgbClr r="0" g="0" b="0"/>
+      </a:effectRef>
+      <a:fontRef idx="minor"/>
+    </dgm:style>
+  </dgm:styleLbl>
+</dgm:styleDef>
+</file>
+
+<file path=ppt/diagrams/quickStyle4.xml><?xml version="1.0" encoding="utf-8"?>
+<dgm:styleDef xmlns:dgm="http://schemas.openxmlformats.org/drawingml/2006/diagram" xmlns:a="http://schemas.openxmlformats.org/drawingml/2006/main" uniqueId="urn:microsoft.com/office/officeart/2005/8/quickstyle/simple1">
+  <dgm:title val=""/>
+  <dgm:desc val=""/>
+  <dgm:catLst>
+    <dgm:cat type="simple" pri="10100"/>
+  </dgm:catLst>
+  <dgm:scene3d>
+    <a:camera prst="orthographicFront"/>
+    <a:lightRig rig="threePt" dir="t"/>
+  </dgm:scene3d>
+  <dgm:styleLbl name="node0">
+    <dgm:scene3d>
+      <a:camera prst="orthographicFront"/>
+      <a:lightRig rig="threePt" dir="t"/>
+    </dgm:scene3d>
+    <dgm:sp3d/>
+    <dgm:txPr/>
+    <dgm:style>
+      <a:lnRef idx="2">
+        <a:scrgbClr r="0" g="0" b="0"/>
+      </a:lnRef>
+      <a:fillRef idx="1">
+        <a:scrgbClr r="0" g="0" b="0"/>
+      </a:fillRef>
+      <a:effectRef idx="0">
+        <a:scrgbClr r="0" g="0" b="0"/>
+      </a:effectRef>
+      <a:fontRef idx="minor">
+        <a:schemeClr val="lt1"/>
+      </a:fontRef>
+    </dgm:style>
+  </dgm:styleLbl>
+  <dgm:styleLbl name="lnNode1">
+    <dgm:scene3d>
+      <a:camera prst="orthographicFront"/>
+      <a:lightRig rig="threePt" dir="t"/>
+    </dgm:scene3d>
+    <dgm:sp3d/>
+    <dgm:txPr/>
+    <dgm:style>
+      <a:lnRef idx="2">
+        <a:scrgbClr r="0" g="0" b="0"/>
+      </a:lnRef>
+      <a:fillRef idx="1">
+        <a:scrgbClr r="0" g="0" b="0"/>
+      </a:fillRef>
+      <a:effectRef idx="0">
+        <a:scrgbClr r="0" g="0" b="0"/>
+      </a:effectRef>
+      <a:fontRef idx="minor">
+        <a:schemeClr val="lt1"/>
+      </a:fontRef>
+    </dgm:style>
+  </dgm:styleLbl>
+  <dgm:styleLbl name="vennNode1">
+    <dgm:scene3d>
+      <a:camera prst="orthographicFront"/>
+      <a:lightRig rig="threePt" dir="t"/>
+    </dgm:scene3d>
+    <dgm:sp3d/>
+    <dgm:txPr/>
+    <dgm:style>
+      <a:lnRef idx="2">
+        <a:scrgbClr r="0" g="0" b="0"/>
+      </a:lnRef>
+      <a:fillRef idx="1">
+        <a:scrgbClr r="0" g="0" b="0"/>
+      </a:fillRef>
+      <a:effectRef idx="0">
+        <a:scrgbClr r="0" g="0" b="0"/>
+      </a:effectRef>
+      <a:fontRef idx="minor">
+        <a:schemeClr val="tx1"/>
+      </a:fontRef>
+    </dgm:style>
+  </dgm:styleLbl>
+  <dgm:styleLbl name="alignNode1">
+    <dgm:scene3d>
+      <a:camera prst="orthographicFront"/>
+      <a:lightRig rig="threePt" dir="t"/>
+    </dgm:scene3d>
+    <dgm:sp3d/>
+    <dgm:txPr/>
+    <dgm:style>
+      <a:lnRef idx="2">
+        <a:scrgbClr r="0" g="0" b="0"/>
+      </a:lnRef>
+      <a:fillRef idx="1">
+        <a:scrgbClr r="0" g="0" b="0"/>
+      </a:fillRef>
+      <a:effectRef idx="0">
+        <a:scrgbClr r="0" g="0" b="0"/>
+      </a:effectRef>
+      <a:fontRef idx="minor">
+        <a:schemeClr val="lt1"/>
+      </a:fontRef>
+    </dgm:style>
+  </dgm:styleLbl>
+  <dgm:styleLbl name="node1">
+    <dgm:scene3d>
+      <a:camera prst="orthographicFront"/>
+      <a:lightRig rig="threePt" dir="t"/>
+    </dgm:scene3d>
+    <dgm:sp3d/>
+    <dgm:txPr/>
+    <dgm:style>
+      <a:lnRef idx="2">
+        <a:scrgbClr r="0" g="0" b="0"/>
+      </a:lnRef>
+      <a:fillRef idx="1">
+        <a:scrgbClr r="0" g="0" b="0"/>
+      </a:fillRef>
+      <a:effectRef idx="0">
+        <a:scrgbClr r="0" g="0" b="0"/>
+      </a:effectRef>
+      <a:fontRef idx="minor">
+        <a:schemeClr val="lt1"/>
+      </a:fontRef>
+    </dgm:style>
+  </dgm:styleLbl>
+  <dgm:styleLbl name="node2">
+    <dgm:scene3d>
+      <a:camera prst="orthographicFront"/>
+      <a:lightRig rig="threePt" dir="t"/>
+    </dgm:scene3d>
+    <dgm:sp3d/>
+    <dgm:txPr/>
+    <dgm:style>
+      <a:lnRef idx="2">
+        <a:scrgbClr r="0" g="0" b="0"/>
+      </a:lnRef>
+      <a:fillRef idx="1">
+        <a:scrgbClr r="0" g="0" b="0"/>
+      </a:fillRef>
+      <a:effectRef idx="0">
+        <a:scrgbClr r="0" g="0" b="0"/>
+      </a:effectRef>
+      <a:fontRef idx="minor">
+        <a:schemeClr val="lt1"/>
+      </a:fontRef>
+    </dgm:style>
+  </dgm:styleLbl>
+  <dgm:styleLbl name="node3">
+    <dgm:scene3d>
+      <a:camera prst="orthographicFront"/>
+      <a:lightRig rig="threePt" dir="t"/>
+    </dgm:scene3d>
+    <dgm:sp3d/>
+    <dgm:txPr/>
+    <dgm:style>
+      <a:lnRef idx="2">
+        <a:scrgbClr r="0" g="0" b="0"/>
+      </a:lnRef>
+      <a:fillRef idx="1">
+        <a:scrgbClr r="0" g="0" b="0"/>
+      </a:fillRef>
+      <a:effectRef idx="0">
+        <a:scrgbClr r="0" g="0" b="0"/>
+      </a:effectRef>
+      <a:fontRef idx="minor">
+        <a:schemeClr val="lt1"/>
+      </a:fontRef>
+    </dgm:style>
+  </dgm:styleLbl>
+  <dgm:styleLbl name="node4">
+    <dgm:scene3d>
+      <a:camera prst="orthographicFront"/>
+      <a:lightRig rig="threePt" dir="t"/>
+    </dgm:scene3d>
+    <dgm:sp3d/>
+    <dgm:txPr/>
+    <dgm:style>
+      <a:lnRef idx="2">
+        <a:scrgbClr r="0" g="0" b="0"/>
+      </a:lnRef>
+      <a:fillRef idx="1">
+        <a:scrgbClr r="0" g="0" b="0"/>
+      </a:fillRef>
+      <a:effectRef idx="0">
+        <a:scrgbClr r="0" g="0" b="0"/>
+      </a:effectRef>
+      <a:fontRef idx="minor">
+        <a:schemeClr val="lt1"/>
+      </a:fontRef>
+    </dgm:style>
+  </dgm:styleLbl>
+  <dgm:styleLbl name="fgImgPlace1">
+    <dgm:scene3d>
+      <a:camera prst="orthographicFront"/>
+      <a:lightRig rig="threePt" dir="t"/>
+    </dgm:scene3d>
+    <dgm:sp3d/>
+    <dgm:txPr/>
+    <dgm:style>
+      <a:lnRef idx="2">
+        <a:scrgbClr r="0" g="0" b="0"/>
+      </a:lnRef>
+      <a:fillRef idx="1">
+        <a:scrgbClr r="0" g="0" b="0"/>
+      </a:fillRef>
+      <a:effectRef idx="0">
+        <a:scrgbClr r="0" g="0" b="0"/>
+      </a:effectRef>
+      <a:fontRef idx="minor"/>
+    </dgm:style>
+  </dgm:styleLbl>
+  <dgm:styleLbl name="alignImgPlace1">
+    <dgm:scene3d>
+      <a:camera prst="orthographicFront"/>
+      <a:lightRig rig="threePt" dir="t"/>
+    </dgm:scene3d>
+    <dgm:sp3d/>
+    <dgm:txPr/>
+    <dgm:style>
+      <a:lnRef idx="2">
+        <a:scrgbClr r="0" g="0" b="0"/>
+      </a:lnRef>
+      <a:fillRef idx="1">
+        <a:scrgbClr r="0" g="0" b="0"/>
+      </a:fillRef>
+      <a:effectRef idx="0">
+        <a:scrgbClr r="0" g="0" b="0"/>
+      </a:effectRef>
+      <a:fontRef idx="minor"/>
+    </dgm:style>
+  </dgm:styleLbl>
+  <dgm:styleLbl name="bgImgPlace1">
+    <dgm:scene3d>
+      <a:camera prst="orthographicFront"/>
+      <a:lightRig rig="threePt" dir="t"/>
+    </dgm:scene3d>
+    <dgm:sp3d/>
+    <dgm:txPr/>
+    <dgm:style>
+      <a:lnRef idx="2">
+        <a:scrgbClr r="0" g="0" b="0"/>
+      </a:lnRef>
+      <a:fillRef idx="1">
+        <a:scrgbClr r="0" g="0" b="0"/>
+      </a:fillRef>
+      <a:effectRef idx="0">
+        <a:scrgbClr r="0" g="0" b="0"/>
+      </a:effectRef>
+      <a:fontRef idx="minor"/>
+    </dgm:style>
+  </dgm:styleLbl>
+  <dgm:styleLbl name="sibTrans2D1">
+    <dgm:scene3d>
+      <a:camera prst="orthographicFront"/>
+      <a:lightRig rig="threePt" dir="t"/>
+    </dgm:scene3d>
+    <dgm:sp3d/>
+    <dgm:txPr/>
+    <dgm:style>
+      <a:lnRef idx="0">
+        <a:scrgbClr r="0" g="0" b="0"/>
+      </a:lnRef>
+      <a:fillRef idx="1">
+        <a:scrgbClr r="0" g="0" b="0"/>
+      </a:fillRef>
+      <a:effectRef idx="0">
+        <a:scrgbClr r="0" g="0" b="0"/>
+      </a:effectRef>
+      <a:fontRef idx="minor">
+        <a:schemeClr val="lt1"/>
+      </a:fontRef>
+    </dgm:style>
+  </dgm:styleLbl>
+  <dgm:styleLbl name="fgSibTrans2D1">
+    <dgm:scene3d>
+      <a:camera prst="orthographicFront"/>
+      <a:lightRig rig="threePt" dir="t"/>
+    </dgm:scene3d>
+    <dgm:sp3d/>
+    <dgm:txPr/>
+    <dgm:style>
+      <a:lnRef idx="0">
+        <a:scrgbClr r="0" g="0" b="0"/>
+      </a:lnRef>
+      <a:fillRef idx="1">
+        <a:scrgbClr r="0" g="0" b="0"/>
+      </a:fillRef>
+      <a:effectRef idx="0">
+        <a:scrgbClr r="0" g="0" b="0"/>
+      </a:effectRef>
+      <a:fontRef idx="minor">
+        <a:schemeClr val="lt1"/>
+      </a:fontRef>
+    </dgm:style>
+  </dgm:styleLbl>
+  <dgm:styleLbl name="bgSibTrans2D1">
+    <dgm:scene3d>
+      <a:camera prst="orthographicFront"/>
+      <a:lightRig rig="threePt" dir="t"/>
+    </dgm:scene3d>
+    <dgm:sp3d/>
+    <dgm:txPr/>
+    <dgm:style>
+      <a:lnRef idx="0">
+        <a:scrgbClr r="0" g="0" b="0"/>
+      </a:lnRef>
+      <a:fillRef idx="1">
+        <a:scrgbClr r="0" g="0" b="0"/>
+      </a:fillRef>
+      <a:effectRef idx="0">
+        <a:scrgbClr r="0" g="0" b="0"/>
+      </a:effectRef>
+      <a:fontRef idx="minor">
+        <a:schemeClr val="lt1"/>
+      </a:fontRef>
+    </dgm:style>
+  </dgm:styleLbl>
+  <dgm:styleLbl name="sibTrans1D1">
+    <dgm:scene3d>
+      <a:camera prst="orthographicFront"/>
+      <a:lightRig rig="threePt" dir="t"/>
+    </dgm:scene3d>
+    <dgm:sp3d/>
+    <dgm:txPr/>
+    <dgm:style>
+      <a:lnRef idx="1">
+        <a:scrgbClr r="0" g="0" b="0"/>
+      </a:lnRef>
+      <a:fillRef idx="0">
+        <a:scrgbClr r="0" g="0" b="0"/>
+      </a:fillRef>
+      <a:effectRef idx="0">
+        <a:scrgbClr r="0" g="0" b="0"/>
+      </a:effectRef>
+      <a:fontRef idx="minor"/>
+    </dgm:style>
+  </dgm:styleLbl>
+  <dgm:styleLbl name="callout">
+    <dgm:scene3d>
+      <a:camera prst="orthographicFront"/>
+      <a:lightRig rig="threePt" dir="t"/>
+    </dgm:scene3d>
+    <dgm:sp3d/>
+    <dgm:txPr/>
+    <dgm:style>
+      <a:lnRef idx="2">
+        <a:scrgbClr r="0" g="0" b="0"/>
+      </a:lnRef>
+      <a:fillRef idx="1">
+        <a:scrgbClr r="0" g="0" b="0"/>
+      </a:fillRef>
+      <a:effectRef idx="0">
+        <a:scrgbClr r="0" g="0" b="0"/>
+      </a:effectRef>
+      <a:fontRef idx="minor"/>
+    </dgm:style>
+  </dgm:styleLbl>
+  <dgm:styleLbl name="asst0">
+    <dgm:scene3d>
+      <a:camera prst="orthographicFront"/>
+      <a:lightRig rig="threePt" dir="t"/>
+    </dgm:scene3d>
+    <dgm:sp3d/>
+    <dgm:txPr/>
+    <dgm:style>
+      <a:lnRef idx="2">
+        <a:scrgbClr r="0" g="0" b="0"/>
+      </a:lnRef>
+      <a:fillRef idx="1">
+        <a:scrgbClr r="0" g="0" b="0"/>
+      </a:fillRef>
+      <a:effectRef idx="0">
+        <a:scrgbClr r="0" g="0" b="0"/>
+      </a:effectRef>
+      <a:fontRef idx="minor">
+        <a:schemeClr val="lt1"/>
+      </a:fontRef>
+    </dgm:style>
+  </dgm:styleLbl>
+  <dgm:styleLbl name="asst1">
+    <dgm:scene3d>
+      <a:camera prst="orthographicFront"/>
+      <a:lightRig rig="threePt" dir="t"/>
+    </dgm:scene3d>
+    <dgm:sp3d/>
+    <dgm:txPr/>
+    <dgm:style>
+      <a:lnRef idx="2">
+        <a:scrgbClr r="0" g="0" b="0"/>
+      </a:lnRef>
+      <a:fillRef idx="1">
+        <a:scrgbClr r="0" g="0" b="0"/>
+      </a:fillRef>
+      <a:effectRef idx="0">
+        <a:scrgbClr r="0" g="0" b="0"/>
+      </a:effectRef>
+      <a:fontRef idx="minor">
+        <a:schemeClr val="lt1"/>
+      </a:fontRef>
+    </dgm:style>
+  </dgm:styleLbl>
+  <dgm:styleLbl name="asst2">
+    <dgm:scene3d>
+      <a:camera prst="orthographicFront"/>
+      <a:lightRig rig="threePt" dir="t"/>
+    </dgm:scene3d>
+    <dgm:sp3d/>
+    <dgm:txPr/>
+    <dgm:style>
+      <a:lnRef idx="2">
+        <a:scrgbClr r="0" g="0" b="0"/>
+      </a:lnRef>
+      <a:fillRef idx="1">
+        <a:scrgbClr r="0" g="0" b="0"/>
+      </a:fillRef>
+      <a:effectRef idx="0">
+        <a:scrgbClr r="0" g="0" b="0"/>
+      </a:effectRef>
+      <a:fontRef idx="minor">
+        <a:schemeClr val="lt1"/>
+      </a:fontRef>
+    </dgm:style>
+  </dgm:styleLbl>
+  <dgm:styleLbl name="asst3">
+    <dgm:scene3d>
+      <a:camera prst="orthographicFront"/>
+      <a:lightRig rig="threePt" dir="t"/>
+    </dgm:scene3d>
+    <dgm:sp3d/>
+    <dgm:txPr/>
+    <dgm:style>
+      <a:lnRef idx="2">
+        <a:scrgbClr r="0" g="0" b="0"/>
+      </a:lnRef>
+      <a:fillRef idx="1">
+        <a:scrgbClr r="0" g="0" b="0"/>
+      </a:fillRef>
+      <a:effectRef idx="0">
+        <a:scrgbClr r="0" g="0" b="0"/>
+      </a:effectRef>
+      <a:fontRef idx="minor">
+        <a:schemeClr val="lt1"/>
+      </a:fontRef>
+    </dgm:style>
+  </dgm:styleLbl>
+  <dgm:styleLbl name="asst4">
+    <dgm:scene3d>
+      <a:camera prst="orthographicFront"/>
+      <a:lightRig rig="threePt" dir="t"/>
+    </dgm:scene3d>
+    <dgm:sp3d/>
+    <dgm:txPr/>
+    <dgm:style>
+      <a:lnRef idx="2">
+        <a:scrgbClr r="0" g="0" b="0"/>
+      </a:lnRef>
+      <a:fillRef idx="1">
+        <a:scrgbClr r="0" g="0" b="0"/>
+      </a:fillRef>
+      <a:effectRef idx="0">
+        <a:scrgbClr r="0" g="0" b="0"/>
+      </a:effectRef>
+      <a:fontRef idx="minor">
+        <a:schemeClr val="lt1"/>
+      </a:fontRef>
+    </dgm:style>
+  </dgm:styleLbl>
+  <dgm:styleLbl name="parChTrans2D1">
+    <dgm:scene3d>
+      <a:camera prst="orthographicFront"/>
+      <a:lightRig rig="threePt" dir="t"/>
+    </dgm:scene3d>
+    <dgm:sp3d/>
+    <dgm:txPr/>
+    <dgm:style>
+      <a:lnRef idx="2">
+        <a:scrgbClr r="0" g="0" b="0"/>
+      </a:lnRef>
+      <a:fillRef idx="1">
+        <a:scrgbClr r="0" g="0" b="0"/>
+      </a:fillRef>
+      <a:effectRef idx="0">
+        <a:scrgbClr r="0" g="0" b="0"/>
+      </a:effectRef>
+      <a:fontRef idx="minor">
+        <a:schemeClr val="lt1"/>
+      </a:fontRef>
+    </dgm:style>
+  </dgm:styleLbl>
+  <dgm:styleLbl name="parChTrans2D2">
+    <dgm:scene3d>
+      <a:camera prst="orthographicFront"/>
+      <a:lightRig rig="threePt" dir="t"/>
+    </dgm:scene3d>
+    <dgm:sp3d/>
+    <dgm:txPr/>
+    <dgm:style>
+      <a:lnRef idx="2">
+        <a:scrgbClr r="0" g="0" b="0"/>
+      </a:lnRef>
+      <a:fillRef idx="1">
+        <a:scrgbClr r="0" g="0" b="0"/>
+      </a:fillRef>
+      <a:effectRef idx="0">
+        <a:scrgbClr r="0" g="0" b="0"/>
+      </a:effectRef>
+      <a:fontRef idx="minor">
+        <a:schemeClr val="lt1"/>
+      </a:fontRef>
+    </dgm:style>
+  </dgm:styleLbl>
+  <dgm:styleLbl name="parChTrans2D3">
+    <dgm:scene3d>
+      <a:camera prst="orthographicFront"/>
+      <a:lightRig rig="threePt" dir="t"/>
+    </dgm:scene3d>
+    <dgm:sp3d/>
+    <dgm:txPr/>
+    <dgm:style>
+      <a:lnRef idx="2">
+        <a:scrgbClr r="0" g="0" b="0"/>
+      </a:lnRef>
+      <a:fillRef idx="1">
+        <a:scrgbClr r="0" g="0" b="0"/>
+      </a:fillRef>
+      <a:effectRef idx="0">
+        <a:scrgbClr r="0" g="0" b="0"/>
+      </a:effectRef>
+      <a:fontRef idx="minor">
+        <a:schemeClr val="lt1"/>
+      </a:fontRef>
+    </dgm:style>
+  </dgm:styleLbl>
+  <dgm:styleLbl name="parChTrans2D4">
+    <dgm:scene3d>
+      <a:camera prst="orthographicFront"/>
+      <a:lightRig rig="threePt" dir="t"/>
+    </dgm:scene3d>
+    <dgm:sp3d/>
+    <dgm:txPr/>
+    <dgm:style>
+      <a:lnRef idx="2">
+        <a:scrgbClr r="0" g="0" b="0"/>
+      </a:lnRef>
+      <a:fillRef idx="1">
+        <a:scrgbClr r="0" g="0" b="0"/>
+      </a:fillRef>
+      <a:effectRef idx="0">
+        <a:scrgbClr r="0" g="0" b="0"/>
+      </a:effectRef>
+      <a:fontRef idx="minor">
+        <a:schemeClr val="lt1"/>
+      </a:fontRef>
+    </dgm:style>
+  </dgm:styleLbl>
+  <dgm:styleLbl name="parChTrans1D1">
+    <dgm:scene3d>
+      <a:camera prst="orthographicFront"/>
+      <a:lightRig rig="threePt" dir="t"/>
+    </dgm:scene3d>
+    <dgm:sp3d/>
+    <dgm:txPr/>
+    <dgm:style>
+      <a:lnRef idx="2">
+        <a:scrgbClr r="0" g="0" b="0"/>
+      </a:lnRef>
+      <a:fillRef idx="0">
+        <a:scrgbClr r="0" g="0" b="0"/>
+      </a:fillRef>
+      <a:effectRef idx="0">
+        <a:scrgbClr r="0" g="0" b="0"/>
+      </a:effectRef>
+      <a:fontRef idx="minor"/>
+    </dgm:style>
+  </dgm:styleLbl>
+  <dgm:styleLbl name="parChTrans1D2">
+    <dgm:scene3d>
+      <a:camera prst="orthographicFront"/>
+      <a:lightRig rig="threePt" dir="t"/>
+    </dgm:scene3d>
+    <dgm:sp3d/>
+    <dgm:txPr/>
+    <dgm:style>
+      <a:lnRef idx="2">
+        <a:scrgbClr r="0" g="0" b="0"/>
+      </a:lnRef>
+      <a:fillRef idx="0">
+        <a:scrgbClr r="0" g="0" b="0"/>
+      </a:fillRef>
+      <a:effectRef idx="0">
+        <a:scrgbClr r="0" g="0" b="0"/>
+      </a:effectRef>
+      <a:fontRef idx="minor"/>
+    </dgm:style>
+  </dgm:styleLbl>
+  <dgm:styleLbl name="parChTrans1D3">
+    <dgm:scene3d>
+      <a:camera prst="orthographicFront"/>
+      <a:lightRig rig="threePt" dir="t"/>
+    </dgm:scene3d>
+    <dgm:sp3d/>
+    <dgm:txPr/>
+    <dgm:style>
+      <a:lnRef idx="2">
+        <a:scrgbClr r="0" g="0" b="0"/>
+      </a:lnRef>
+      <a:fillRef idx="0">
+        <a:scrgbClr r="0" g="0" b="0"/>
+      </a:fillRef>
+      <a:effectRef idx="0">
+        <a:scrgbClr r="0" g="0" b="0"/>
+      </a:effectRef>
+      <a:fontRef idx="minor"/>
+    </dgm:style>
+  </dgm:styleLbl>
+  <dgm:styleLbl name="parChTrans1D4">
+    <dgm:scene3d>
+      <a:camera prst="orthographicFront"/>
+      <a:lightRig rig="threePt" dir="t"/>
+    </dgm:scene3d>
+    <dgm:sp3d/>
+    <dgm:txPr/>
+    <dgm:style>
+      <a:lnRef idx="2">
+        <a:scrgbClr r="0" g="0" b="0"/>
+      </a:lnRef>
+      <a:fillRef idx="0">
+        <a:scrgbClr r="0" g="0" b="0"/>
+      </a:fillRef>
+      <a:effectRef idx="0">
+        <a:scrgbClr r="0" g="0" b="0"/>
+      </a:effectRef>
+      <a:fontRef idx="minor"/>
+    </dgm:style>
+  </dgm:styleLbl>
+  <dgm:styleLbl name="fgAcc1">
+    <dgm:scene3d>
+      <a:camera prst="orthographicFront"/>
+      <a:lightRig rig="threePt" dir="t"/>
+    </dgm:scene3d>
+    <dgm:sp3d/>
+    <dgm:txPr/>
+    <dgm:style>
+      <a:lnRef idx="2">
+        <a:scrgbClr r="0" g="0" b="0"/>
+      </a:lnRef>
+      <a:fillRef idx="1">
+        <a:scrgbClr r="0" g="0" b="0"/>
+      </a:fillRef>
+      <a:effectRef idx="0">
+        <a:scrgbClr r="0" g="0" b="0"/>
+      </a:effectRef>
+      <a:fontRef idx="minor"/>
+    </dgm:style>
+  </dgm:styleLbl>
+  <dgm:styleLbl name="conFgAcc1">
+    <dgm:scene3d>
+      <a:camera prst="orthographicFront"/>
+      <a:lightRig rig="threePt" dir="t"/>
+    </dgm:scene3d>
+    <dgm:sp3d/>
+    <dgm:txPr/>
+    <dgm:style>
+      <a:lnRef idx="2">
+        <a:scrgbClr r="0" g="0" b="0"/>
+      </a:lnRef>
+      <a:fillRef idx="1">
+        <a:scrgbClr r="0" g="0" b="0"/>
+      </a:fillRef>
+      <a:effectRef idx="0">
+        <a:scrgbClr r="0" g="0" b="0"/>
+      </a:effectRef>
+      <a:fontRef idx="minor"/>
+    </dgm:style>
+  </dgm:styleLbl>
+  <dgm:styleLbl name="alignAcc1">
+    <dgm:scene3d>
+      <a:camera prst="orthographicFront"/>
+      <a:lightRig rig="threePt" dir="t"/>
+    </dgm:scene3d>
+    <dgm:sp3d/>
+    <dgm:txPr/>
+    <dgm:style>
+      <a:lnRef idx="2">
+        <a:scrgbClr r="0" g="0" b="0"/>
+      </a:lnRef>
+      <a:fillRef idx="1">
+        <a:scrgbClr r="0" g="0" b="0"/>
+      </a:fillRef>
+      <a:effectRef idx="0">
+        <a:scrgbClr r="0" g="0" b="0"/>
+      </a:effectRef>
+      <a:fontRef idx="minor"/>
+    </dgm:style>
+  </dgm:styleLbl>
+  <dgm:styleLbl name="trAlignAcc1">
+    <dgm:scene3d>
+      <a:camera prst="orthographicFront"/>
+      <a:lightRig rig="threePt" dir="t"/>
+    </dgm:scene3d>
+    <dgm:sp3d/>
+    <dgm:txPr/>
+    <dgm:style>
+      <a:lnRef idx="1">
+        <a:scrgbClr r="0" g="0" b="0"/>
+      </a:lnRef>
+      <a:fillRef idx="1">
+        <a:scrgbClr r="0" g="0" b="0"/>
+      </a:fillRef>
+      <a:effectRef idx="0">
+        <a:scrgbClr r="0" g="0" b="0"/>
+      </a:effectRef>
+      <a:fontRef idx="minor"/>
+    </dgm:style>
+  </dgm:styleLbl>
+  <dgm:styleLbl name="bgAcc1">
+    <dgm:scene3d>
+      <a:camera prst="orthographicFront"/>
+      <a:lightRig rig="threePt" dir="t"/>
+    </dgm:scene3d>
+    <dgm:sp3d/>
+    <dgm:txPr/>
+    <dgm:style>
+      <a:lnRef idx="2">
+        <a:scrgbClr r="0" g="0" b="0"/>
+      </a:lnRef>
+      <a:fillRef idx="1">
+        <a:scrgbClr r="0" g="0" b="0"/>
+      </a:fillRef>
+      <a:effectRef idx="0">
+        <a:scrgbClr r="0" g="0" b="0"/>
+      </a:effectRef>
+      <a:fontRef idx="minor"/>
+    </dgm:style>
+  </dgm:styleLbl>
+  <dgm:styleLbl name="solidFgAcc1">
+    <dgm:scene3d>
+      <a:camera prst="orthographicFront"/>
+      <a:lightRig rig="threePt" dir="t"/>
+    </dgm:scene3d>
+    <dgm:sp3d/>
+    <dgm:txPr/>
+    <dgm:style>
+      <a:lnRef idx="2">
+        <a:scrgbClr r="0" g="0" b="0"/>
+      </a:lnRef>
+      <a:fillRef idx="1">
+        <a:scrgbClr r="0" g="0" b="0"/>
+      </a:fillRef>
+      <a:effectRef idx="0">
+        <a:scrgbClr r="0" g="0" b="0"/>
+      </a:effectRef>
+      <a:fontRef idx="minor"/>
+    </dgm:style>
+  </dgm:styleLbl>
+  <dgm:styleLbl name="solidAlignAcc1">
+    <dgm:scene3d>
+      <a:camera prst="orthographicFront"/>
+      <a:lightRig rig="threePt" dir="t"/>
+    </dgm:scene3d>
+    <dgm:sp3d/>
+    <dgm:txPr/>
+    <dgm:style>
+      <a:lnRef idx="2">
+        <a:scrgbClr r="0" g="0" b="0"/>
+      </a:lnRef>
+      <a:fillRef idx="1">
+        <a:scrgbClr r="0" g="0" b="0"/>
+      </a:fillRef>
+      <a:effectRef idx="0">
+        <a:scrgbClr r="0" g="0" b="0"/>
+      </a:effectRef>
+      <a:fontRef idx="minor"/>
+    </dgm:style>
+  </dgm:styleLbl>
+  <dgm:styleLbl name="solidBgAcc1">
+    <dgm:scene3d>
+      <a:camera prst="orthographicFront"/>
+      <a:lightRig rig="threePt" dir="t"/>
+    </dgm:scene3d>
+    <dgm:sp3d/>
+    <dgm:txPr/>
+    <dgm:style>
+      <a:lnRef idx="2">
+        <a:scrgbClr r="0" g="0" b="0"/>
+      </a:lnRef>
+      <a:fillRef idx="1">
+        <a:scrgbClr r="0" g="0" b="0"/>
+      </a:fillRef>
+      <a:effectRef idx="0">
+        <a:scrgbClr r="0" g="0" b="0"/>
+      </a:effectRef>
+      <a:fontRef idx="minor"/>
+    </dgm:style>
+  </dgm:styleLbl>
+  <dgm:styleLbl name="fgAccFollowNode1">
+    <dgm:scene3d>
+      <a:camera prst="orthographicFront"/>
+      <a:lightRig rig="threePt" dir="t"/>
+    </dgm:scene3d>
+    <dgm:sp3d/>
+    <dgm:txPr/>
+    <dgm:style>
+      <a:lnRef idx="2">
+        <a:scrgbClr r="0" g="0" b="0"/>
+      </a:lnRef>
+      <a:fillRef idx="1">
+        <a:scrgbClr r="0" g="0" b="0"/>
+      </a:fillRef>
+      <a:effectRef idx="0">
+        <a:scrgbClr r="0" g="0" b="0"/>
+      </a:effectRef>
+      <a:fontRef idx="minor"/>
+    </dgm:style>
+  </dgm:styleLbl>
+  <dgm:styleLbl name="alignAccFollowNode1">
+    <dgm:scene3d>
+      <a:camera prst="orthographicFront"/>
+      <a:lightRig rig="threePt" dir="t"/>
+    </dgm:scene3d>
+    <dgm:sp3d/>
+    <dgm:txPr/>
+    <dgm:style>
+      <a:lnRef idx="2">
+        <a:scrgbClr r="0" g="0" b="0"/>
+      </a:lnRef>
+      <a:fillRef idx="1">
+        <a:scrgbClr r="0" g="0" b="0"/>
+      </a:fillRef>
+      <a:effectRef idx="0">
+        <a:scrgbClr r="0" g="0" b="0"/>
+      </a:effectRef>
+      <a:fontRef idx="minor"/>
+    </dgm:style>
+  </dgm:styleLbl>
+  <dgm:styleLbl name="bgAccFollowNode1">
+    <dgm:scene3d>
+      <a:camera prst="orthographicFront"/>
+      <a:lightRig rig="threePt" dir="t"/>
+    </dgm:scene3d>
+    <dgm:sp3d/>
+    <dgm:txPr/>
+    <dgm:style>
+      <a:lnRef idx="2">
+        <a:scrgbClr r="0" g="0" b="0"/>
+      </a:lnRef>
+      <a:fillRef idx="1">
+        <a:scrgbClr r="0" g="0" b="0"/>
+      </a:fillRef>
+      <a:effectRef idx="0">
+        <a:scrgbClr r="0" g="0" b="0"/>
+      </a:effectRef>
+      <a:fontRef idx="minor"/>
+    </dgm:style>
+  </dgm:styleLbl>
+  <dgm:styleLbl name="fgAcc0">
+    <dgm:scene3d>
+      <a:camera prst="orthographicFront"/>
+      <a:lightRig rig="threePt" dir="t"/>
+    </dgm:scene3d>
+    <dgm:sp3d/>
+    <dgm:txPr/>
+    <dgm:style>
+      <a:lnRef idx="2">
+        <a:scrgbClr r="0" g="0" b="0"/>
+      </a:lnRef>
+      <a:fillRef idx="1">
+        <a:scrgbClr r="0" g="0" b="0"/>
+      </a:fillRef>
+      <a:effectRef idx="0">
+        <a:scrgbClr r="0" g="0" b="0"/>
+      </a:effectRef>
+      <a:fontRef idx="minor"/>
+    </dgm:style>
+  </dgm:styleLbl>
+  <dgm:styleLbl name="fgAcc2">
+    <dgm:scene3d>
+      <a:camera prst="orthographicFront"/>
+      <a:lightRig rig="threePt" dir="t"/>
+    </dgm:scene3d>
+    <dgm:sp3d/>
+    <dgm:txPr/>
+    <dgm:style>
+      <a:lnRef idx="2">
+        <a:scrgbClr r="0" g="0" b="0"/>
+      </a:lnRef>
+      <a:fillRef idx="1">
+        <a:scrgbClr r="0" g="0" b="0"/>
+      </a:fillRef>
+      <a:effectRef idx="0">
+        <a:scrgbClr r="0" g="0" b="0"/>
+      </a:effectRef>
+      <a:fontRef idx="minor"/>
+    </dgm:style>
+  </dgm:styleLbl>
+  <dgm:styleLbl name="fgAcc3">
+    <dgm:scene3d>
+      <a:camera prst="orthographicFront"/>
+      <a:lightRig rig="threePt" dir="t"/>
+    </dgm:scene3d>
+    <dgm:sp3d/>
+    <dgm:txPr/>
+    <dgm:style>
+      <a:lnRef idx="2">
+        <a:scrgbClr r="0" g="0" b="0"/>
+      </a:lnRef>
+      <a:fillRef idx="1">
+        <a:scrgbClr r="0" g="0" b="0"/>
+      </a:fillRef>
+      <a:effectRef idx="0">
+        <a:scrgbClr r="0" g="0" b="0"/>
+      </a:effectRef>
+      <a:fontRef idx="minor"/>
+    </dgm:style>
+  </dgm:styleLbl>
+  <dgm:styleLbl name="fgAcc4">
+    <dgm:scene3d>
+      <a:camera prst="orthographicFront"/>
+      <a:lightRig rig="threePt" dir="t"/>
+    </dgm:scene3d>
+    <dgm:sp3d/>
+    <dgm:txPr/>
+    <dgm:style>
+      <a:lnRef idx="2">
+        <a:scrgbClr r="0" g="0" b="0"/>
+      </a:lnRef>
+      <a:fillRef idx="1">
+        <a:scrgbClr r="0" g="0" b="0"/>
+      </a:fillRef>
+      <a:effectRef idx="0">
+        <a:scrgbClr r="0" g="0" b="0"/>
+      </a:effectRef>
+      <a:fontRef idx="minor"/>
+    </dgm:style>
+  </dgm:styleLbl>
+  <dgm:styleLbl name="bgShp">
+    <dgm:scene3d>
+      <a:camera prst="orthographicFront"/>
+      <a:lightRig rig="threePt" dir="t"/>
+    </dgm:scene3d>
+    <dgm:sp3d/>
+    <dgm:txPr/>
+    <dgm:style>
+      <a:lnRef idx="0">
+        <a:scrgbClr r="0" g="0" b="0"/>
+      </a:lnRef>
+      <a:fillRef idx="1">
+        <a:scrgbClr r="0" g="0" b="0"/>
+      </a:fillRef>
+      <a:effectRef idx="0">
+        <a:scrgbClr r="0" g="0" b="0"/>
+      </a:effectRef>
+      <a:fontRef idx="minor"/>
+    </dgm:style>
+  </dgm:styleLbl>
+  <dgm:styleLbl name="dkBgShp">
+    <dgm:scene3d>
+      <a:camera prst="orthographicFront"/>
+      <a:lightRig rig="threePt" dir="t"/>
+    </dgm:scene3d>
+    <dgm:sp3d/>
+    <dgm:txPr/>
+    <dgm:style>
+      <a:lnRef idx="0">
+        <a:scrgbClr r="0" g="0" b="0"/>
+      </a:lnRef>
+      <a:fillRef idx="1">
+        <a:scrgbClr r="0" g="0" b="0"/>
+      </a:fillRef>
+      <a:effectRef idx="0">
+        <a:scrgbClr r="0" g="0" b="0"/>
+      </a:effectRef>
+      <a:fontRef idx="minor"/>
+    </dgm:style>
+  </dgm:styleLbl>
+  <dgm:styleLbl name="trBgShp">
+    <dgm:scene3d>
+      <a:camera prst="orthographicFront"/>
+      <a:lightRig rig="threePt" dir="t"/>
+    </dgm:scene3d>
+    <dgm:sp3d/>
+    <dgm:txPr/>
+    <dgm:style>
+      <a:lnRef idx="0">
+        <a:scrgbClr r="0" g="0" b="0"/>
+      </a:lnRef>
+      <a:fillRef idx="1">
+        <a:scrgbClr r="0" g="0" b="0"/>
+      </a:fillRef>
+      <a:effectRef idx="0">
+        <a:scrgbClr r="0" g="0" b="0"/>
+      </a:effectRef>
+      <a:fontRef idx="minor"/>
+    </dgm:style>
+  </dgm:styleLbl>
+  <dgm:styleLbl name="fgShp">
+    <dgm:scene3d>
+      <a:camera prst="orthographicFront"/>
+      <a:lightRig rig="threePt" dir="t"/>
+    </dgm:scene3d>
+    <dgm:sp3d/>
+    <dgm:txPr/>
+    <dgm:style>
+      <a:lnRef idx="2">
+        <a:scrgbClr r="0" g="0" b="0"/>
+      </a:lnRef>
+      <a:fillRef idx="1">
+        <a:scrgbClr r="0" g="0" b="0"/>
+      </a:fillRef>
+      <a:effectRef idx="0">
         <a:scrgbClr r="0" g="0" b="0"/>
       </a:effectRef>
       <a:fontRef idx="minor"/>
@@ -10413,7 +14129,7 @@
           <a:p>
             <a:fld id="{4BE6205E-B305-4B90-9534-3C5E99A0275E}" type="datetimeFigureOut">
               <a:rPr lang="en-US" smtClean="0"/>
-              <a:t>4/5/2025</a:t>
+              <a:t>4/12/2025</a:t>
             </a:fld>
             <a:endParaRPr lang="en-US" dirty="0"/>
           </a:p>
@@ -10590,7 +14306,7 @@
           <a:p>
             <a:fld id="{233722F1-E430-42A1-A473-1759336AECCE}" type="datetimeFigureOut">
               <a:rPr lang="en-US" smtClean="0"/>
-              <a:t>4/5/2025</a:t>
+              <a:t>4/12/2025</a:t>
             </a:fld>
             <a:endParaRPr lang="en-US" dirty="0"/>
           </a:p>
@@ -11036,6 +14752,410 @@
     <p:extLst>
       <p:ext uri="{BB962C8B-B14F-4D97-AF65-F5344CB8AC3E}">
         <p14:creationId xmlns:p14="http://schemas.microsoft.com/office/powerpoint/2010/main" val="3450387068"/>
+      </p:ext>
+    </p:extLst>
+  </p:cSld>
+  <p:clrMapOvr>
+    <a:masterClrMapping/>
+  </p:clrMapOvr>
+</p:notes>
+</file>
+
+<file path=ppt/notesSlides/notesSlide3.xml><?xml version="1.0" encoding="utf-8"?>
+<p:notes xmlns:a="http://schemas.openxmlformats.org/drawingml/2006/main" xmlns:r="http://schemas.openxmlformats.org/officeDocument/2006/relationships" xmlns:p="http://schemas.openxmlformats.org/presentationml/2006/main">
+  <p:cSld>
+    <p:spTree>
+      <p:nvGrpSpPr>
+        <p:cNvPr id="1" name=""/>
+        <p:cNvGrpSpPr/>
+        <p:nvPr/>
+      </p:nvGrpSpPr>
+      <p:grpSpPr>
+        <a:xfrm>
+          <a:off x="0" y="0"/>
+          <a:ext cx="0" cy="0"/>
+          <a:chOff x="0" y="0"/>
+          <a:chExt cx="0" cy="0"/>
+        </a:xfrm>
+      </p:grpSpPr>
+      <p:sp>
+        <p:nvSpPr>
+          <p:cNvPr id="2" name="Slide Image Placeholder 1"/>
+          <p:cNvSpPr>
+            <a:spLocks noGrp="1" noRot="1" noChangeAspect="1"/>
+          </p:cNvSpPr>
+          <p:nvPr>
+            <p:ph type="sldImg"/>
+          </p:nvPr>
+        </p:nvSpPr>
+        <p:spPr/>
+      </p:sp>
+      <p:sp>
+        <p:nvSpPr>
+          <p:cNvPr id="3" name="Notes Placeholder 2"/>
+          <p:cNvSpPr>
+            <a:spLocks noGrp="1"/>
+          </p:cNvSpPr>
+          <p:nvPr>
+            <p:ph type="body" idx="1"/>
+          </p:nvPr>
+        </p:nvSpPr>
+        <p:spPr/>
+        <p:txBody>
+          <a:bodyPr/>
+          <a:lstStyle/>
+          <a:p>
+            <a:r>
+              <a:rPr lang="en-US" dirty="0"/>
+              <a:t>IST718 </a:t>
+            </a:r>
+          </a:p>
+          <a:p>
+            <a:pPr marL="171450" indent="-171450">
+              <a:buFontTx/>
+              <a:buChar char="-"/>
+            </a:pPr>
+            <a:r>
+              <a:rPr lang="en-US" dirty="0"/>
+              <a:t>Large size of reddit posts lead to </a:t>
+            </a:r>
+            <a:r>
+              <a:rPr lang="en-US" dirty="0" err="1"/>
+              <a:t>PySpark</a:t>
+            </a:r>
+            <a:r>
+              <a:rPr lang="en-US" dirty="0"/>
+              <a:t> </a:t>
+            </a:r>
+          </a:p>
+          <a:p>
+            <a:pPr marL="171450" indent="-171450">
+              <a:buFontTx/>
+              <a:buChar char="-"/>
+            </a:pPr>
+            <a:r>
+              <a:rPr lang="en-US" dirty="0"/>
+              <a:t>Google </a:t>
+            </a:r>
+            <a:r>
+              <a:rPr lang="en-US" dirty="0" err="1"/>
+              <a:t>Colab</a:t>
+            </a:r>
+            <a:r>
+              <a:rPr lang="en-US" dirty="0"/>
+              <a:t> chosen because cloud service freed resources</a:t>
+            </a:r>
+          </a:p>
+          <a:p>
+            <a:pPr marL="171450" indent="-171450">
+              <a:buFontTx/>
+              <a:buChar char="-"/>
+            </a:pPr>
+            <a:r>
+              <a:rPr lang="en-US" dirty="0"/>
+              <a:t>Google </a:t>
+            </a:r>
+            <a:r>
+              <a:rPr lang="en-US" dirty="0" err="1"/>
+              <a:t>Colab</a:t>
+            </a:r>
+            <a:r>
+              <a:rPr lang="en-US" dirty="0"/>
+              <a:t> allowed for up to 12 hours of running time on one session.</a:t>
+            </a:r>
+          </a:p>
+          <a:p>
+            <a:pPr marL="171450" indent="-171450">
+              <a:buFontTx/>
+              <a:buChar char="-"/>
+            </a:pPr>
+            <a:endParaRPr lang="en-US" dirty="0"/>
+          </a:p>
+          <a:p>
+            <a:pPr marL="0" indent="0">
+              <a:buFontTx/>
+              <a:buNone/>
+            </a:pPr>
+            <a:r>
+              <a:rPr lang="en-US" dirty="0"/>
+              <a:t>IST 707</a:t>
+            </a:r>
+          </a:p>
+          <a:p>
+            <a:pPr marL="0" indent="0">
+              <a:buFontTx/>
+              <a:buNone/>
+            </a:pPr>
+            <a:endParaRPr lang="en-US" dirty="0"/>
+          </a:p>
+          <a:p>
+            <a:pPr marL="171450" indent="-171450">
+              <a:buFontTx/>
+              <a:buChar char="-"/>
+            </a:pPr>
+            <a:r>
+              <a:rPr lang="en-US" dirty="0"/>
+              <a:t>Google </a:t>
+            </a:r>
+            <a:r>
+              <a:rPr lang="en-US" dirty="0" err="1"/>
+              <a:t>Colab</a:t>
+            </a:r>
+            <a:r>
+              <a:rPr lang="en-US" dirty="0"/>
+              <a:t> chosen for long running hours</a:t>
+            </a:r>
+          </a:p>
+          <a:p>
+            <a:pPr marL="171450" indent="-171450">
+              <a:buFontTx/>
+              <a:buChar char="-"/>
+            </a:pPr>
+            <a:r>
+              <a:rPr lang="en-US" dirty="0"/>
+              <a:t>Google </a:t>
+            </a:r>
+            <a:r>
+              <a:rPr lang="en-US" dirty="0" err="1"/>
+              <a:t>Colab</a:t>
+            </a:r>
+            <a:r>
+              <a:rPr lang="en-US" dirty="0"/>
+              <a:t> allowed for collaborative work on the same notebook</a:t>
+            </a:r>
+          </a:p>
+        </p:txBody>
+      </p:sp>
+      <p:sp>
+        <p:nvSpPr>
+          <p:cNvPr id="4" name="Slide Number Placeholder 3"/>
+          <p:cNvSpPr>
+            <a:spLocks noGrp="1"/>
+          </p:cNvSpPr>
+          <p:nvPr>
+            <p:ph type="sldNum" sz="quarter" idx="5"/>
+          </p:nvPr>
+        </p:nvSpPr>
+        <p:spPr/>
+        <p:txBody>
+          <a:bodyPr/>
+          <a:lstStyle/>
+          <a:p>
+            <a:fld id="{C37D7554-D10C-4E29-B8E6-BB7111FA614F}" type="slidenum">
+              <a:rPr lang="en-US" smtClean="0"/>
+              <a:t>6</a:t>
+            </a:fld>
+            <a:endParaRPr lang="en-US" dirty="0"/>
+          </a:p>
+        </p:txBody>
+      </p:sp>
+    </p:spTree>
+    <p:extLst>
+      <p:ext uri="{BB962C8B-B14F-4D97-AF65-F5344CB8AC3E}">
+        <p14:creationId xmlns:p14="http://schemas.microsoft.com/office/powerpoint/2010/main" val="1883948325"/>
+      </p:ext>
+    </p:extLst>
+  </p:cSld>
+  <p:clrMapOvr>
+    <a:masterClrMapping/>
+  </p:clrMapOvr>
+</p:notes>
+</file>
+
+<file path=ppt/notesSlides/notesSlide4.xml><?xml version="1.0" encoding="utf-8"?>
+<p:notes xmlns:a="http://schemas.openxmlformats.org/drawingml/2006/main" xmlns:r="http://schemas.openxmlformats.org/officeDocument/2006/relationships" xmlns:p="http://schemas.openxmlformats.org/presentationml/2006/main">
+  <p:cSld>
+    <p:spTree>
+      <p:nvGrpSpPr>
+        <p:cNvPr id="1" name=""/>
+        <p:cNvGrpSpPr/>
+        <p:nvPr/>
+      </p:nvGrpSpPr>
+      <p:grpSpPr>
+        <a:xfrm>
+          <a:off x="0" y="0"/>
+          <a:ext cx="0" cy="0"/>
+          <a:chOff x="0" y="0"/>
+          <a:chExt cx="0" cy="0"/>
+        </a:xfrm>
+      </p:grpSpPr>
+      <p:sp>
+        <p:nvSpPr>
+          <p:cNvPr id="2" name="Slide Image Placeholder 1"/>
+          <p:cNvSpPr>
+            <a:spLocks noGrp="1" noRot="1" noChangeAspect="1"/>
+          </p:cNvSpPr>
+          <p:nvPr>
+            <p:ph type="sldImg"/>
+          </p:nvPr>
+        </p:nvSpPr>
+        <p:spPr/>
+      </p:sp>
+      <p:sp>
+        <p:nvSpPr>
+          <p:cNvPr id="3" name="Notes Placeholder 2"/>
+          <p:cNvSpPr>
+            <a:spLocks noGrp="1"/>
+          </p:cNvSpPr>
+          <p:nvPr>
+            <p:ph type="body" idx="1"/>
+          </p:nvPr>
+        </p:nvSpPr>
+        <p:spPr/>
+        <p:txBody>
+          <a:bodyPr/>
+          <a:lstStyle/>
+          <a:p>
+            <a:r>
+              <a:rPr lang="en-US" dirty="0"/>
+              <a:t>Various analysis were performed for imbalance, SHAP and LIME feature analysis, Data Drift, </a:t>
+            </a:r>
+            <a:r>
+              <a:rPr lang="en-US" dirty="0" err="1"/>
+              <a:t>Fairlearn</a:t>
+            </a:r>
+            <a:r>
+              <a:rPr lang="en-US" dirty="0"/>
+              <a:t> metrics.</a:t>
+            </a:r>
+          </a:p>
+        </p:txBody>
+      </p:sp>
+      <p:sp>
+        <p:nvSpPr>
+          <p:cNvPr id="4" name="Slide Number Placeholder 3"/>
+          <p:cNvSpPr>
+            <a:spLocks noGrp="1"/>
+          </p:cNvSpPr>
+          <p:nvPr>
+            <p:ph type="sldNum" sz="quarter" idx="5"/>
+          </p:nvPr>
+        </p:nvSpPr>
+        <p:spPr/>
+        <p:txBody>
+          <a:bodyPr/>
+          <a:lstStyle/>
+          <a:p>
+            <a:fld id="{C37D7554-D10C-4E29-B8E6-BB7111FA614F}" type="slidenum">
+              <a:rPr lang="en-US" smtClean="0"/>
+              <a:t>7</a:t>
+            </a:fld>
+            <a:endParaRPr lang="en-US" dirty="0"/>
+          </a:p>
+        </p:txBody>
+      </p:sp>
+    </p:spTree>
+    <p:extLst>
+      <p:ext uri="{BB962C8B-B14F-4D97-AF65-F5344CB8AC3E}">
+        <p14:creationId xmlns:p14="http://schemas.microsoft.com/office/powerpoint/2010/main" val="1024055755"/>
+      </p:ext>
+    </p:extLst>
+  </p:cSld>
+  <p:clrMapOvr>
+    <a:masterClrMapping/>
+  </p:clrMapOvr>
+</p:notes>
+</file>
+
+<file path=ppt/notesSlides/notesSlide5.xml><?xml version="1.0" encoding="utf-8"?>
+<p:notes xmlns:a="http://schemas.openxmlformats.org/drawingml/2006/main" xmlns:r="http://schemas.openxmlformats.org/officeDocument/2006/relationships" xmlns:p="http://schemas.openxmlformats.org/presentationml/2006/main">
+  <p:cSld>
+    <p:spTree>
+      <p:nvGrpSpPr>
+        <p:cNvPr id="1" name="">
+          <a:extLst>
+            <a:ext uri="{FF2B5EF4-FFF2-40B4-BE49-F238E27FC236}">
+              <a16:creationId xmlns:a16="http://schemas.microsoft.com/office/drawing/2014/main" id="{9DBE304C-B820-5B8E-2875-594F4BE0C92E}"/>
+            </a:ext>
+          </a:extLst>
+        </p:cNvPr>
+        <p:cNvGrpSpPr/>
+        <p:nvPr/>
+      </p:nvGrpSpPr>
+      <p:grpSpPr>
+        <a:xfrm>
+          <a:off x="0" y="0"/>
+          <a:ext cx="0" cy="0"/>
+          <a:chOff x="0" y="0"/>
+          <a:chExt cx="0" cy="0"/>
+        </a:xfrm>
+      </p:grpSpPr>
+      <p:sp>
+        <p:nvSpPr>
+          <p:cNvPr id="2" name="Slide Image Placeholder 1">
+            <a:extLst>
+              <a:ext uri="{FF2B5EF4-FFF2-40B4-BE49-F238E27FC236}">
+                <a16:creationId xmlns:a16="http://schemas.microsoft.com/office/drawing/2014/main" id="{99C9EAF1-7BA2-7214-96C2-89ECD331B759}"/>
+              </a:ext>
+            </a:extLst>
+          </p:cNvPr>
+          <p:cNvSpPr>
+            <a:spLocks noGrp="1" noRot="1" noChangeAspect="1"/>
+          </p:cNvSpPr>
+          <p:nvPr>
+            <p:ph type="sldImg"/>
+          </p:nvPr>
+        </p:nvSpPr>
+        <p:spPr/>
+      </p:sp>
+      <p:sp>
+        <p:nvSpPr>
+          <p:cNvPr id="3" name="Notes Placeholder 2">
+            <a:extLst>
+              <a:ext uri="{FF2B5EF4-FFF2-40B4-BE49-F238E27FC236}">
+                <a16:creationId xmlns:a16="http://schemas.microsoft.com/office/drawing/2014/main" id="{88B667F4-7076-14EE-93BF-ABCCE923ECCD}"/>
+              </a:ext>
+            </a:extLst>
+          </p:cNvPr>
+          <p:cNvSpPr>
+            <a:spLocks noGrp="1"/>
+          </p:cNvSpPr>
+          <p:nvPr>
+            <p:ph type="body" idx="1"/>
+          </p:nvPr>
+        </p:nvSpPr>
+        <p:spPr/>
+        <p:txBody>
+          <a:bodyPr/>
+          <a:lstStyle/>
+          <a:p>
+            <a:endParaRPr lang="en-US" dirty="0"/>
+          </a:p>
+        </p:txBody>
+      </p:sp>
+      <p:sp>
+        <p:nvSpPr>
+          <p:cNvPr id="4" name="Slide Number Placeholder 3">
+            <a:extLst>
+              <a:ext uri="{FF2B5EF4-FFF2-40B4-BE49-F238E27FC236}">
+                <a16:creationId xmlns:a16="http://schemas.microsoft.com/office/drawing/2014/main" id="{DF6D659F-E8B8-200C-E5D4-E270830725E8}"/>
+              </a:ext>
+            </a:extLst>
+          </p:cNvPr>
+          <p:cNvSpPr>
+            <a:spLocks noGrp="1"/>
+          </p:cNvSpPr>
+          <p:nvPr>
+            <p:ph type="sldNum" sz="quarter" idx="5"/>
+          </p:nvPr>
+        </p:nvSpPr>
+        <p:spPr/>
+        <p:txBody>
+          <a:bodyPr/>
+          <a:lstStyle/>
+          <a:p>
+            <a:fld id="{C37D7554-D10C-4E29-B8E6-BB7111FA614F}" type="slidenum">
+              <a:rPr lang="en-US" smtClean="0"/>
+              <a:t>11</a:t>
+            </a:fld>
+            <a:endParaRPr lang="en-US" dirty="0"/>
+          </a:p>
+        </p:txBody>
+      </p:sp>
+    </p:spTree>
+    <p:extLst>
+      <p:ext uri="{BB962C8B-B14F-4D97-AF65-F5344CB8AC3E}">
+        <p14:creationId xmlns:p14="http://schemas.microsoft.com/office/powerpoint/2010/main" val="2874908880"/>
       </p:ext>
     </p:extLst>
   </p:cSld>
@@ -16621,6 +20741,255 @@
         <p:cNvPr id="1" name="">
           <a:extLst>
             <a:ext uri="{FF2B5EF4-FFF2-40B4-BE49-F238E27FC236}">
+              <a16:creationId xmlns:a16="http://schemas.microsoft.com/office/drawing/2014/main" id="{DAEFE372-0C22-F1C8-1265-8A03CBE99FE8}"/>
+            </a:ext>
+          </a:extLst>
+        </p:cNvPr>
+        <p:cNvGrpSpPr/>
+        <p:nvPr/>
+      </p:nvGrpSpPr>
+      <p:grpSpPr>
+        <a:xfrm>
+          <a:off x="0" y="0"/>
+          <a:ext cx="0" cy="0"/>
+          <a:chOff x="0" y="0"/>
+          <a:chExt cx="0" cy="0"/>
+        </a:xfrm>
+      </p:grpSpPr>
+      <p:sp>
+        <p:nvSpPr>
+          <p:cNvPr id="2" name="Title 1">
+            <a:extLst>
+              <a:ext uri="{FF2B5EF4-FFF2-40B4-BE49-F238E27FC236}">
+                <a16:creationId xmlns:a16="http://schemas.microsoft.com/office/drawing/2014/main" id="{E615E800-5A55-651C-30C2-9177361178CB}"/>
+              </a:ext>
+            </a:extLst>
+          </p:cNvPr>
+          <p:cNvSpPr>
+            <a:spLocks noGrp="1"/>
+          </p:cNvSpPr>
+          <p:nvPr>
+            <p:ph type="title"/>
+          </p:nvPr>
+        </p:nvSpPr>
+        <p:spPr/>
+        <p:txBody>
+          <a:bodyPr>
+            <a:normAutofit/>
+          </a:bodyPr>
+          <a:lstStyle/>
+          <a:p>
+            <a:pPr marL="0" marR="0">
+              <a:lnSpc>
+                <a:spcPct val="107000"/>
+              </a:lnSpc>
+              <a:spcBef>
+                <a:spcPts val="800"/>
+              </a:spcBef>
+              <a:spcAft>
+                <a:spcPts val="400"/>
+              </a:spcAft>
+            </a:pPr>
+            <a:r>
+              <a:rPr lang="en-US" sz="3200" dirty="0">
+                <a:effectLst/>
+                <a:ea typeface="Times New Roman" panose="02020603050405020304" pitchFamily="18" charset="0"/>
+                <a:cs typeface="Times New Roman" panose="02020603050405020304" pitchFamily="18" charset="0"/>
+              </a:rPr>
+              <a:t>Use programming languages such as R and Python to support the generation of actionable insights</a:t>
+            </a:r>
+          </a:p>
+        </p:txBody>
+      </p:sp>
+      <p:sp>
+        <p:nvSpPr>
+          <p:cNvPr id="5" name="Slide Number Placeholder 4">
+            <a:extLst>
+              <a:ext uri="{FF2B5EF4-FFF2-40B4-BE49-F238E27FC236}">
+                <a16:creationId xmlns:a16="http://schemas.microsoft.com/office/drawing/2014/main" id="{3DD3BB98-941B-0C25-41EA-4A426A05E458}"/>
+              </a:ext>
+            </a:extLst>
+          </p:cNvPr>
+          <p:cNvSpPr>
+            <a:spLocks noGrp="1"/>
+          </p:cNvSpPr>
+          <p:nvPr>
+            <p:ph type="sldNum" sz="quarter" idx="15"/>
+          </p:nvPr>
+        </p:nvSpPr>
+        <p:spPr/>
+        <p:txBody>
+          <a:bodyPr/>
+          <a:lstStyle/>
+          <a:p>
+            <a:fld id="{18D65601-5AE2-46FC-B138-694DDD2B510D}" type="slidenum">
+              <a:rPr lang="en-US" smtClean="0"/>
+              <a:pPr/>
+              <a:t>11</a:t>
+            </a:fld>
+            <a:endParaRPr lang="en-US" dirty="0"/>
+          </a:p>
+        </p:txBody>
+      </p:sp>
+      <p:sp>
+        <p:nvSpPr>
+          <p:cNvPr id="7" name="Content Placeholder 6">
+            <a:extLst>
+              <a:ext uri="{FF2B5EF4-FFF2-40B4-BE49-F238E27FC236}">
+                <a16:creationId xmlns:a16="http://schemas.microsoft.com/office/drawing/2014/main" id="{7408B6D6-BAE3-ECBB-8252-1E6E26D8B48E}"/>
+              </a:ext>
+            </a:extLst>
+          </p:cNvPr>
+          <p:cNvSpPr>
+            <a:spLocks noGrp="1"/>
+          </p:cNvSpPr>
+          <p:nvPr>
+            <p:ph sz="quarter" idx="12"/>
+          </p:nvPr>
+        </p:nvSpPr>
+        <p:spPr/>
+        <p:txBody>
+          <a:bodyPr>
+            <a:normAutofit fontScale="92500"/>
+          </a:bodyPr>
+          <a:lstStyle/>
+          <a:p>
+            <a:r>
+              <a:rPr lang="en-US" dirty="0"/>
+              <a:t>IST707 – NBA Match Outcome Predictor</a:t>
+            </a:r>
+          </a:p>
+          <a:p>
+            <a:pPr marL="342900" indent="-342900">
+              <a:buFontTx/>
+              <a:buChar char="-"/>
+            </a:pPr>
+            <a:r>
+              <a:rPr lang="en-US" dirty="0"/>
+              <a:t>Used bar charts and line charts to visualize performance metrics to fine-tune the model</a:t>
+            </a:r>
+          </a:p>
+          <a:p>
+            <a:pPr marL="342900" indent="-342900">
+              <a:buFontTx/>
+              <a:buChar char="-"/>
+            </a:pPr>
+            <a:r>
+              <a:rPr lang="en-US" dirty="0"/>
+              <a:t>Used confusion matrix to help determine how accurately the model was able to predict the outcomes of matches and spread</a:t>
+            </a:r>
+          </a:p>
+          <a:p>
+            <a:pPr marL="342900" indent="-342900">
+              <a:buFontTx/>
+              <a:buChar char="-"/>
+            </a:pPr>
+            <a:r>
+              <a:rPr lang="en-US" dirty="0"/>
+              <a:t>Used PCA analysis and correlations to determine what features should be included in the training dataset</a:t>
+            </a:r>
+          </a:p>
+        </p:txBody>
+      </p:sp>
+      <p:pic>
+        <p:nvPicPr>
+          <p:cNvPr id="8" name="Content Placeholder 7" descr="A chart of a number of colored squares&#10;&#10;AI-generated content may be incorrect.">
+            <a:extLst>
+              <a:ext uri="{FF2B5EF4-FFF2-40B4-BE49-F238E27FC236}">
+                <a16:creationId xmlns:a16="http://schemas.microsoft.com/office/drawing/2014/main" id="{80AEA236-5FAF-6C17-629E-08419B0B9A71}"/>
+              </a:ext>
+            </a:extLst>
+          </p:cNvPr>
+          <p:cNvPicPr>
+            <a:picLocks noGrp="1" noChangeAspect="1"/>
+          </p:cNvPicPr>
+          <p:nvPr>
+            <p:ph sz="quarter" idx="11"/>
+          </p:nvPr>
+        </p:nvPicPr>
+        <p:blipFill>
+          <a:blip r:embed="rId3">
+            <a:extLst>
+              <a:ext uri="{28A0092B-C50C-407E-A947-70E740481C1C}">
+                <a14:useLocalDpi xmlns:a14="http://schemas.microsoft.com/office/drawing/2010/main" val="0"/>
+              </a:ext>
+            </a:extLst>
+          </a:blip>
+          <a:srcRect/>
+          <a:stretch>
+            <a:fillRect/>
+          </a:stretch>
+        </p:blipFill>
+        <p:spPr bwMode="auto">
+          <a:xfrm>
+            <a:off x="6996223" y="2142073"/>
+            <a:ext cx="4235598" cy="3609031"/>
+          </a:xfrm>
+          <a:prstGeom prst="rect">
+            <a:avLst/>
+          </a:prstGeom>
+          <a:noFill/>
+          <a:ln>
+            <a:noFill/>
+          </a:ln>
+        </p:spPr>
+      </p:pic>
+      <p:sp>
+        <p:nvSpPr>
+          <p:cNvPr id="9" name="TextBox 8">
+            <a:extLst>
+              <a:ext uri="{FF2B5EF4-FFF2-40B4-BE49-F238E27FC236}">
+                <a16:creationId xmlns:a16="http://schemas.microsoft.com/office/drawing/2014/main" id="{3F10DC69-699A-CA27-610F-4C5A7940C97A}"/>
+              </a:ext>
+            </a:extLst>
+          </p:cNvPr>
+          <p:cNvSpPr txBox="1"/>
+          <p:nvPr/>
+        </p:nvSpPr>
+        <p:spPr>
+          <a:xfrm>
+            <a:off x="9122735" y="5728960"/>
+            <a:ext cx="2154852" cy="369332"/>
+          </a:xfrm>
+          <a:prstGeom prst="rect">
+            <a:avLst/>
+          </a:prstGeom>
+          <a:noFill/>
+        </p:spPr>
+        <p:txBody>
+          <a:bodyPr wrap="square" rtlCol="0">
+            <a:spAutoFit/>
+          </a:bodyPr>
+          <a:lstStyle/>
+          <a:p>
+            <a:r>
+              <a:rPr lang="en-US" dirty="0"/>
+              <a:t>Figure: 4</a:t>
+            </a:r>
+          </a:p>
+        </p:txBody>
+      </p:sp>
+    </p:spTree>
+    <p:extLst>
+      <p:ext uri="{BB962C8B-B14F-4D97-AF65-F5344CB8AC3E}">
+        <p14:creationId xmlns:p14="http://schemas.microsoft.com/office/powerpoint/2010/main" val="966353419"/>
+      </p:ext>
+    </p:extLst>
+  </p:cSld>
+  <p:clrMapOvr>
+    <a:masterClrMapping/>
+  </p:clrMapOvr>
+</p:sld>
+</file>
+
+<file path=ppt/slides/slide12.xml><?xml version="1.0" encoding="utf-8"?>
+<p:sld xmlns:a="http://schemas.openxmlformats.org/drawingml/2006/main" xmlns:r="http://schemas.openxmlformats.org/officeDocument/2006/relationships" xmlns:p="http://schemas.openxmlformats.org/presentationml/2006/main">
+  <p:cSld>
+    <p:spTree>
+      <p:nvGrpSpPr>
+        <p:cNvPr id="1" name="">
+          <a:extLst>
+            <a:ext uri="{FF2B5EF4-FFF2-40B4-BE49-F238E27FC236}">
               <a16:creationId xmlns:a16="http://schemas.microsoft.com/office/drawing/2014/main" id="{D00DB0A1-12B0-4259-3178-A2BD25C0B277}"/>
             </a:ext>
           </a:extLst>
@@ -16708,7 +21077,7 @@
             </a:pPr>
             <a:r>
               <a:rPr lang="en-US" dirty="0"/>
-              <a:t>Figure 4 illustrates a SHAP analysis on the features that most influence loan approval.</a:t>
+              <a:t>Figure 5 illustrates a SHAP analysis on the features that most influence loan approval.</a:t>
             </a:r>
           </a:p>
           <a:p>
@@ -16749,7 +21118,7 @@
             <a:fld id="{18D65601-5AE2-46FC-B138-694DDD2B510D}" type="slidenum">
               <a:rPr lang="en-US" smtClean="0"/>
               <a:pPr/>
-              <a:t>11</a:t>
+              <a:t>12</a:t>
             </a:fld>
             <a:endParaRPr lang="en-US" dirty="0"/>
           </a:p>
@@ -16785,7 +21154,7 @@
           <a:p>
             <a:r>
               <a:rPr lang="en-US" dirty="0"/>
-              <a:t>Figure: 4</a:t>
+              <a:t>Figure: 5</a:t>
             </a:r>
           </a:p>
         </p:txBody>
@@ -16840,7 +21209,7 @@
 </p:sld>
 </file>
 
-<file path=ppt/slides/slide12.xml><?xml version="1.0" encoding="utf-8"?>
+<file path=ppt/slides/slide13.xml><?xml version="1.0" encoding="utf-8"?>
 <p:sld xmlns:a="http://schemas.openxmlformats.org/drawingml/2006/main" xmlns:r="http://schemas.openxmlformats.org/officeDocument/2006/relationships" xmlns:p="http://schemas.openxmlformats.org/presentationml/2006/main">
   <p:cSld>
     <p:spTree>
@@ -16935,7 +21304,7 @@
             </a:pPr>
             <a:r>
               <a:rPr lang="en-US" dirty="0"/>
-              <a:t>Figure 5 illustrates fairness metrics between males (0) and female(1) mortgage applicants.</a:t>
+              <a:t>Figure 6 illustrates fairness metrics between males (0) and female(1) mortgage applicants.</a:t>
             </a:r>
           </a:p>
           <a:p>
@@ -16976,7 +21345,7 @@
             <a:fld id="{18D65601-5AE2-46FC-B138-694DDD2B510D}" type="slidenum">
               <a:rPr lang="en-US" smtClean="0"/>
               <a:pPr/>
-              <a:t>12</a:t>
+              <a:t>13</a:t>
             </a:fld>
             <a:endParaRPr lang="en-US" dirty="0"/>
           </a:p>
@@ -17012,7 +21381,7 @@
           <a:p>
             <a:r>
               <a:rPr lang="en-US" dirty="0"/>
-              <a:t>Figure: 5</a:t>
+              <a:t>Figure: 6</a:t>
             </a:r>
           </a:p>
         </p:txBody>
@@ -17062,7 +21431,7 @@
 </p:sld>
 </file>
 
-<file path=ppt/slides/slide13.xml><?xml version="1.0" encoding="utf-8"?>
+<file path=ppt/slides/slide14.xml><?xml version="1.0" encoding="utf-8"?>
 <p:sld xmlns:a="http://schemas.openxmlformats.org/drawingml/2006/main" xmlns:r="http://schemas.openxmlformats.org/officeDocument/2006/relationships" xmlns:p="http://schemas.openxmlformats.org/presentationml/2006/main">
   <p:cSld>
     <p:spTree>
@@ -17220,7 +21589,7 @@
             <a:fld id="{18D65601-5AE2-46FC-B138-694DDD2B510D}" type="slidenum">
               <a:rPr lang="en-US" smtClean="0"/>
               <a:pPr/>
-              <a:t>13</a:t>
+              <a:t>14</a:t>
             </a:fld>
             <a:endParaRPr lang="en-US" dirty="0"/>
           </a:p>
@@ -17239,7 +21608,7 @@
 </p:sld>
 </file>
 
-<file path=ppt/slides/slide14.xml><?xml version="1.0" encoding="utf-8"?>
+<file path=ppt/slides/slide15.xml><?xml version="1.0" encoding="utf-8"?>
 <p:sld xmlns:a="http://schemas.openxmlformats.org/drawingml/2006/main" xmlns:r="http://schemas.openxmlformats.org/officeDocument/2006/relationships" xmlns:p="http://schemas.openxmlformats.org/presentationml/2006/main">
   <p:cSld>
     <p:spTree>
@@ -17794,9 +22163,16 @@
             <p:ph type="title"/>
           </p:nvPr>
         </p:nvSpPr>
-        <p:spPr/>
+        <p:spPr>
+          <a:xfrm>
+            <a:off x="1468814" y="503852"/>
+            <a:ext cx="9808773" cy="1427585"/>
+          </a:xfrm>
+        </p:spPr>
         <p:txBody>
-          <a:bodyPr/>
+          <a:bodyPr anchor="ctr">
+            <a:normAutofit/>
+          </a:bodyPr>
           <a:lstStyle/>
           <a:p>
             <a:r>
@@ -17808,10 +22184,10 @@
       </p:sp>
       <p:sp>
         <p:nvSpPr>
-          <p:cNvPr id="3" name="Text Placeholder 2">
+          <p:cNvPr id="22" name="Slide Number Placeholder 3">
             <a:extLst>
               <a:ext uri="{FF2B5EF4-FFF2-40B4-BE49-F238E27FC236}">
-                <a16:creationId xmlns:a16="http://schemas.microsoft.com/office/drawing/2014/main" id="{0C646B56-8BD0-2095-14D2-D73F0F73CB66}"/>
+                <a16:creationId xmlns:a16="http://schemas.microsoft.com/office/drawing/2014/main" id="{872EB331-685C-B5E8-2DC9-59C65355C05A}"/>
               </a:ext>
             </a:extLst>
           </p:cNvPr>
@@ -17819,18 +22195,67 @@
             <a:spLocks noGrp="1"/>
           </p:cNvSpPr>
           <p:nvPr>
-            <p:ph type="body" sz="quarter" idx="12"/>
+            <p:ph type="sldNum" sz="quarter" idx="15"/>
           </p:nvPr>
         </p:nvSpPr>
-        <p:spPr/>
+        <p:spPr>
+          <a:xfrm>
+            <a:off x="412136" y="5943601"/>
+            <a:ext cx="968983" cy="651912"/>
+          </a:xfrm>
+        </p:spPr>
         <p:txBody>
-          <a:bodyPr/>
+          <a:bodyPr anchor="ctr">
+            <a:normAutofit/>
+          </a:bodyPr>
           <a:lstStyle/>
           <a:p>
-            <a:endParaRPr lang="en-US" dirty="0"/>
+            <a:pPr>
+              <a:spcAft>
+                <a:spcPts val="600"/>
+              </a:spcAft>
+            </a:pPr>
+            <a:fld id="{18D65601-5AE2-46FC-B138-694DDD2B510D}" type="slidenum">
+              <a:rPr lang="en-US" smtClean="0"/>
+              <a:pPr>
+                <a:spcAft>
+                  <a:spcPts val="600"/>
+                </a:spcAft>
+              </a:pPr>
+              <a:t>5</a:t>
+            </a:fld>
+            <a:endParaRPr lang="en-US"/>
           </a:p>
         </p:txBody>
       </p:sp>
+      <p:graphicFrame>
+        <p:nvGraphicFramePr>
+          <p:cNvPr id="23" name="Text Placeholder 2">
+            <a:extLst>
+              <a:ext uri="{FF2B5EF4-FFF2-40B4-BE49-F238E27FC236}">
+                <a16:creationId xmlns:a16="http://schemas.microsoft.com/office/drawing/2014/main" id="{8D7C66DA-1E6B-A9B5-66D1-BB35C360107C}"/>
+              </a:ext>
+            </a:extLst>
+          </p:cNvPr>
+          <p:cNvGraphicFramePr/>
+          <p:nvPr>
+            <p:extLst>
+              <p:ext uri="{D42A27DB-BD31-4B8C-83A1-F6EECF244321}">
+                <p14:modId xmlns:p14="http://schemas.microsoft.com/office/powerpoint/2010/main" val="2498838154"/>
+              </p:ext>
+            </p:extLst>
+          </p:nvPr>
+        </p:nvGraphicFramePr>
+        <p:xfrm>
+          <a:off x="1487488" y="2057400"/>
+          <a:ext cx="9790112" cy="3886200"/>
+        </p:xfrm>
+        <a:graphic>
+          <a:graphicData uri="http://schemas.openxmlformats.org/drawingml/2006/diagram">
+            <dgm:relIds xmlns:dgm="http://schemas.openxmlformats.org/drawingml/2006/diagram" xmlns:r="http://schemas.openxmlformats.org/officeDocument/2006/relationships" r:dm="rId2" r:lo="rId3" r:qs="rId4" r:cs="rId5"/>
+          </a:graphicData>
+        </a:graphic>
+      </p:graphicFrame>
     </p:spTree>
     <p:extLst>
       <p:ext uri="{BB962C8B-B14F-4D97-AF65-F5344CB8AC3E}">
@@ -17979,6 +22404,16 @@
               <a:t>LDA (Latent Dirichlet Allocation)</a:t>
             </a:r>
           </a:p>
+          <a:p>
+            <a:pPr marL="342900" indent="-342900">
+              <a:buFont typeface="Arial" panose="020B0604020202020204" pitchFamily="34" charset="0"/>
+              <a:buChar char="•"/>
+            </a:pPr>
+            <a:r>
+              <a:rPr lang="en-US" dirty="0"/>
+              <a:t>Parquet files used as intermediate transformation states</a:t>
+            </a:r>
+          </a:p>
         </p:txBody>
       </p:sp>
       <p:sp>
@@ -18055,6 +22490,31 @@
               <a:rPr lang="en-US" dirty="0"/>
               <a:t>Scikit-Learn</a:t>
             </a:r>
+          </a:p>
+          <a:p>
+            <a:pPr marL="342900" indent="-342900">
+              <a:buFontTx/>
+              <a:buChar char="-"/>
+            </a:pPr>
+            <a:r>
+              <a:rPr lang="en-US" dirty="0"/>
+              <a:t>Sourced and compiled from multiple sources.</a:t>
+            </a:r>
+          </a:p>
+          <a:p>
+            <a:pPr marL="342900" indent="-342900">
+              <a:buFontTx/>
+              <a:buChar char="-"/>
+            </a:pPr>
+            <a:r>
+              <a:rPr lang="en-US" dirty="0"/>
+              <a:t>Parquet used to distribute </a:t>
+            </a:r>
+            <a:r>
+              <a:rPr lang="en-US"/>
+              <a:t>data among group members</a:t>
+            </a:r>
+            <a:endParaRPr lang="en-US" dirty="0"/>
           </a:p>
         </p:txBody>
       </p:sp>
